--- a/graphs/ClassificationHeadPicture.pptx
+++ b/graphs/ClassificationHeadPicture.pptx
@@ -6,6 +6,7 @@
   </p:sldMasterIdLst>
   <p:sldIdLst>
     <p:sldId id="256" r:id="rId2"/>
+    <p:sldId id="257" r:id="rId3"/>
   </p:sldIdLst>
   <p:sldSz cx="12192000" cy="6858000"/>
   <p:notesSz cx="6858000" cy="9144000"/>
@@ -104,6 +105,11 @@
       </a:defRPr>
     </a:lvl9pPr>
   </p:defaultTextStyle>
+  <p:extLst>
+    <p:ext uri="{EFAFB233-063F-42B5-8137-9DF3F51BA10A}">
+      <p15:sldGuideLst xmlns:p15="http://schemas.microsoft.com/office/powerpoint/2012/main"/>
+    </p:ext>
+  </p:extLst>
 </p:presentation>
 </file>
 
@@ -254,7 +260,7 @@
           <a:p>
             <a:fld id="{99B3787F-DEDC-1743-ABA8-AFB663A5F781}" type="datetimeFigureOut">
               <a:rPr lang="de-DE" smtClean="0"/>
-              <a:t>29.01.25</a:t>
+              <a:t>08.02.25</a:t>
             </a:fld>
             <a:endParaRPr lang="de-DE"/>
           </a:p>
@@ -452,7 +458,7 @@
           <a:p>
             <a:fld id="{99B3787F-DEDC-1743-ABA8-AFB663A5F781}" type="datetimeFigureOut">
               <a:rPr lang="de-DE" smtClean="0"/>
-              <a:t>29.01.25</a:t>
+              <a:t>08.02.25</a:t>
             </a:fld>
             <a:endParaRPr lang="de-DE"/>
           </a:p>
@@ -660,7 +666,7 @@
           <a:p>
             <a:fld id="{99B3787F-DEDC-1743-ABA8-AFB663A5F781}" type="datetimeFigureOut">
               <a:rPr lang="de-DE" smtClean="0"/>
-              <a:t>29.01.25</a:t>
+              <a:t>08.02.25</a:t>
             </a:fld>
             <a:endParaRPr lang="de-DE"/>
           </a:p>
@@ -858,7 +864,7 @@
           <a:p>
             <a:fld id="{99B3787F-DEDC-1743-ABA8-AFB663A5F781}" type="datetimeFigureOut">
               <a:rPr lang="de-DE" smtClean="0"/>
-              <a:t>29.01.25</a:t>
+              <a:t>08.02.25</a:t>
             </a:fld>
             <a:endParaRPr lang="de-DE"/>
           </a:p>
@@ -1133,7 +1139,7 @@
           <a:p>
             <a:fld id="{99B3787F-DEDC-1743-ABA8-AFB663A5F781}" type="datetimeFigureOut">
               <a:rPr lang="de-DE" smtClean="0"/>
-              <a:t>29.01.25</a:t>
+              <a:t>08.02.25</a:t>
             </a:fld>
             <a:endParaRPr lang="de-DE"/>
           </a:p>
@@ -1398,7 +1404,7 @@
           <a:p>
             <a:fld id="{99B3787F-DEDC-1743-ABA8-AFB663A5F781}" type="datetimeFigureOut">
               <a:rPr lang="de-DE" smtClean="0"/>
-              <a:t>29.01.25</a:t>
+              <a:t>08.02.25</a:t>
             </a:fld>
             <a:endParaRPr lang="de-DE"/>
           </a:p>
@@ -1810,7 +1816,7 @@
           <a:p>
             <a:fld id="{99B3787F-DEDC-1743-ABA8-AFB663A5F781}" type="datetimeFigureOut">
               <a:rPr lang="de-DE" smtClean="0"/>
-              <a:t>29.01.25</a:t>
+              <a:t>08.02.25</a:t>
             </a:fld>
             <a:endParaRPr lang="de-DE"/>
           </a:p>
@@ -1951,7 +1957,7 @@
           <a:p>
             <a:fld id="{99B3787F-DEDC-1743-ABA8-AFB663A5F781}" type="datetimeFigureOut">
               <a:rPr lang="de-DE" smtClean="0"/>
-              <a:t>29.01.25</a:t>
+              <a:t>08.02.25</a:t>
             </a:fld>
             <a:endParaRPr lang="de-DE"/>
           </a:p>
@@ -2064,7 +2070,7 @@
           <a:p>
             <a:fld id="{99B3787F-DEDC-1743-ABA8-AFB663A5F781}" type="datetimeFigureOut">
               <a:rPr lang="de-DE" smtClean="0"/>
-              <a:t>29.01.25</a:t>
+              <a:t>08.02.25</a:t>
             </a:fld>
             <a:endParaRPr lang="de-DE"/>
           </a:p>
@@ -2375,7 +2381,7 @@
           <a:p>
             <a:fld id="{99B3787F-DEDC-1743-ABA8-AFB663A5F781}" type="datetimeFigureOut">
               <a:rPr lang="de-DE" smtClean="0"/>
-              <a:t>29.01.25</a:t>
+              <a:t>08.02.25</a:t>
             </a:fld>
             <a:endParaRPr lang="de-DE"/>
           </a:p>
@@ -2663,7 +2669,7 @@
           <a:p>
             <a:fld id="{99B3787F-DEDC-1743-ABA8-AFB663A5F781}" type="datetimeFigureOut">
               <a:rPr lang="de-DE" smtClean="0"/>
-              <a:t>29.01.25</a:t>
+              <a:t>08.02.25</a:t>
             </a:fld>
             <a:endParaRPr lang="de-DE"/>
           </a:p>
@@ -2904,7 +2910,7 @@
           <a:p>
             <a:fld id="{99B3787F-DEDC-1743-ABA8-AFB663A5F781}" type="datetimeFigureOut">
               <a:rPr lang="de-DE" smtClean="0"/>
-              <a:t>29.01.25</a:t>
+              <a:t>08.02.25</a:t>
             </a:fld>
             <a:endParaRPr lang="de-DE"/>
           </a:p>
@@ -3321,186 +3327,591 @@
           <a:chExt cx="0" cy="0"/>
         </a:xfrm>
       </p:grpSpPr>
-      <p:cxnSp>
-        <p:nvCxnSpPr>
-          <p:cNvPr id="20" name="Gerade Verbindung 19">
+      <p:grpSp>
+        <p:nvGrpSpPr>
+          <p:cNvPr id="2" name="Gruppieren 1">
             <a:extLst>
               <a:ext uri="{FF2B5EF4-FFF2-40B4-BE49-F238E27FC236}">
-                <a16:creationId xmlns:a16="http://schemas.microsoft.com/office/drawing/2014/main" id="{A72011B4-388A-F53C-FC0A-670E4339EC27}"/>
+                <a16:creationId xmlns:a16="http://schemas.microsoft.com/office/drawing/2014/main" id="{0B4CF399-A567-29C0-44CD-0FC137CEC421}"/>
               </a:ext>
             </a:extLst>
           </p:cNvPr>
-          <p:cNvCxnSpPr>
-            <a:cxnSpLocks/>
-          </p:cNvCxnSpPr>
+          <p:cNvGrpSpPr/>
           <p:nvPr/>
-        </p:nvCxnSpPr>
-        <p:spPr>
-          <a:xfrm flipV="1">
-            <a:off x="3416629" y="976745"/>
-            <a:ext cx="1655620" cy="370611"/>
+        </p:nvGrpSpPr>
+        <p:grpSpPr>
+          <a:xfrm>
+            <a:off x="7909375" y="901472"/>
+            <a:ext cx="2840058" cy="5049983"/>
+            <a:chOff x="5724714" y="813965"/>
+            <a:chExt cx="2840058" cy="5049983"/>
           </a:xfrm>
-          <a:prstGeom prst="line">
-            <a:avLst/>
-          </a:prstGeom>
-          <a:ln w="57150">
+        </p:grpSpPr>
+        <p:cxnSp>
+          <p:nvCxnSpPr>
+            <p:cNvPr id="71" name="Gerade Verbindung 70">
+              <a:extLst>
+                <a:ext uri="{FF2B5EF4-FFF2-40B4-BE49-F238E27FC236}">
+                  <a16:creationId xmlns:a16="http://schemas.microsoft.com/office/drawing/2014/main" id="{1F7E9FDA-826C-6F8B-77A6-4AEBDA006059}"/>
+                </a:ext>
+              </a:extLst>
+            </p:cNvPr>
+            <p:cNvCxnSpPr>
+              <a:cxnSpLocks/>
+              <a:stCxn id="13" idx="6"/>
+              <a:endCxn id="66" idx="2"/>
+            </p:cNvCxnSpPr>
+            <p:nvPr/>
+          </p:nvCxnSpPr>
+          <p:spPr>
+            <a:xfrm>
+              <a:off x="5724714" y="813965"/>
+              <a:ext cx="2840057" cy="1011323"/>
+            </a:xfrm>
+            <a:prstGeom prst="line">
+              <a:avLst/>
+            </a:prstGeom>
+            <a:ln w="57150">
+              <a:solidFill>
+                <a:schemeClr val="bg1">
+                  <a:lumMod val="75000"/>
+                </a:schemeClr>
+              </a:solidFill>
+            </a:ln>
+          </p:spPr>
+          <p:style>
+            <a:lnRef idx="2">
+              <a:schemeClr val="accent1"/>
+            </a:lnRef>
+            <a:fillRef idx="0">
+              <a:schemeClr val="accent1"/>
+            </a:fillRef>
+            <a:effectRef idx="1">
+              <a:schemeClr val="accent1"/>
+            </a:effectRef>
+            <a:fontRef idx="minor">
+              <a:schemeClr val="tx1"/>
+            </a:fontRef>
+          </p:style>
+        </p:cxnSp>
+        <p:cxnSp>
+          <p:nvCxnSpPr>
+            <p:cNvPr id="75" name="Gerade Verbindung 74">
+              <a:extLst>
+                <a:ext uri="{FF2B5EF4-FFF2-40B4-BE49-F238E27FC236}">
+                  <a16:creationId xmlns:a16="http://schemas.microsoft.com/office/drawing/2014/main" id="{366EF75D-EDE9-5DDB-A35C-8B83173250D2}"/>
+                </a:ext>
+              </a:extLst>
+            </p:cNvPr>
+            <p:cNvCxnSpPr>
+              <a:cxnSpLocks/>
+              <a:stCxn id="13" idx="6"/>
+              <a:endCxn id="65" idx="2"/>
+            </p:cNvCxnSpPr>
+            <p:nvPr/>
+          </p:nvCxnSpPr>
+          <p:spPr>
+            <a:xfrm>
+              <a:off x="5724714" y="813965"/>
+              <a:ext cx="2840058" cy="1766398"/>
+            </a:xfrm>
+            <a:prstGeom prst="line">
+              <a:avLst/>
+            </a:prstGeom>
+            <a:ln w="57150">
+              <a:solidFill>
+                <a:schemeClr val="bg1">
+                  <a:lumMod val="75000"/>
+                </a:schemeClr>
+              </a:solidFill>
+            </a:ln>
+          </p:spPr>
+          <p:style>
+            <a:lnRef idx="2">
+              <a:schemeClr val="accent1"/>
+            </a:lnRef>
+            <a:fillRef idx="0">
+              <a:schemeClr val="accent1"/>
+            </a:fillRef>
+            <a:effectRef idx="1">
+              <a:schemeClr val="accent1"/>
+            </a:effectRef>
+            <a:fontRef idx="minor">
+              <a:schemeClr val="tx1"/>
+            </a:fontRef>
+          </p:style>
+        </p:cxnSp>
+        <p:cxnSp>
+          <p:nvCxnSpPr>
+            <p:cNvPr id="80" name="Gerade Verbindung 79">
+              <a:extLst>
+                <a:ext uri="{FF2B5EF4-FFF2-40B4-BE49-F238E27FC236}">
+                  <a16:creationId xmlns:a16="http://schemas.microsoft.com/office/drawing/2014/main" id="{65B137AD-83FC-D88D-A9EB-CBB8BF9872E0}"/>
+                </a:ext>
+              </a:extLst>
+            </p:cNvPr>
+            <p:cNvCxnSpPr>
+              <a:cxnSpLocks/>
+              <a:stCxn id="14" idx="6"/>
+              <a:endCxn id="66" idx="2"/>
+            </p:cNvCxnSpPr>
+            <p:nvPr/>
+          </p:nvCxnSpPr>
+          <p:spPr>
+            <a:xfrm>
+              <a:off x="5724714" y="1569040"/>
+              <a:ext cx="2840057" cy="256248"/>
+            </a:xfrm>
+            <a:prstGeom prst="line">
+              <a:avLst/>
+            </a:prstGeom>
+            <a:ln w="57150">
+              <a:solidFill>
+                <a:schemeClr val="bg1">
+                  <a:lumMod val="75000"/>
+                </a:schemeClr>
+              </a:solidFill>
+            </a:ln>
+          </p:spPr>
+          <p:style>
+            <a:lnRef idx="2">
+              <a:schemeClr val="accent1"/>
+            </a:lnRef>
+            <a:fillRef idx="0">
+              <a:schemeClr val="accent1"/>
+            </a:fillRef>
+            <a:effectRef idx="1">
+              <a:schemeClr val="accent1"/>
+            </a:effectRef>
+            <a:fontRef idx="minor">
+              <a:schemeClr val="tx1"/>
+            </a:fontRef>
+          </p:style>
+        </p:cxnSp>
+        <p:cxnSp>
+          <p:nvCxnSpPr>
+            <p:cNvPr id="83" name="Gerade Verbindung 82">
+              <a:extLst>
+                <a:ext uri="{FF2B5EF4-FFF2-40B4-BE49-F238E27FC236}">
+                  <a16:creationId xmlns:a16="http://schemas.microsoft.com/office/drawing/2014/main" id="{791131CE-2C2C-068B-E1E9-2EF1E87FC2ED}"/>
+                </a:ext>
+              </a:extLst>
+            </p:cNvPr>
+            <p:cNvCxnSpPr>
+              <a:cxnSpLocks/>
+              <a:stCxn id="14" idx="6"/>
+              <a:endCxn id="65" idx="2"/>
+            </p:cNvCxnSpPr>
+            <p:nvPr/>
+          </p:nvCxnSpPr>
+          <p:spPr>
+            <a:xfrm>
+              <a:off x="5724714" y="1569040"/>
+              <a:ext cx="2840058" cy="1011323"/>
+            </a:xfrm>
+            <a:prstGeom prst="line">
+              <a:avLst/>
+            </a:prstGeom>
+            <a:ln w="57150">
+              <a:solidFill>
+                <a:schemeClr val="bg1">
+                  <a:lumMod val="75000"/>
+                </a:schemeClr>
+              </a:solidFill>
+            </a:ln>
+          </p:spPr>
+          <p:style>
+            <a:lnRef idx="2">
+              <a:schemeClr val="accent1"/>
+            </a:lnRef>
+            <a:fillRef idx="0">
+              <a:schemeClr val="accent1"/>
+            </a:fillRef>
+            <a:effectRef idx="1">
+              <a:schemeClr val="accent1"/>
+            </a:effectRef>
+            <a:fontRef idx="minor">
+              <a:schemeClr val="tx1"/>
+            </a:fontRef>
+          </p:style>
+        </p:cxnSp>
+        <p:cxnSp>
+          <p:nvCxnSpPr>
+            <p:cNvPr id="93" name="Gerade Verbindung 92">
+              <a:extLst>
+                <a:ext uri="{FF2B5EF4-FFF2-40B4-BE49-F238E27FC236}">
+                  <a16:creationId xmlns:a16="http://schemas.microsoft.com/office/drawing/2014/main" id="{8328A0C4-058E-9FE1-4319-2595E7A3C04B}"/>
+                </a:ext>
+              </a:extLst>
+            </p:cNvPr>
+            <p:cNvCxnSpPr>
+              <a:cxnSpLocks/>
+              <a:stCxn id="17" idx="6"/>
+              <a:endCxn id="69" idx="2"/>
+            </p:cNvCxnSpPr>
+            <p:nvPr/>
+          </p:nvCxnSpPr>
+          <p:spPr>
+            <a:xfrm flipV="1">
+              <a:off x="5734926" y="4857698"/>
+              <a:ext cx="2829843" cy="1006250"/>
+            </a:xfrm>
+            <a:prstGeom prst="line">
+              <a:avLst/>
+            </a:prstGeom>
+            <a:ln w="57150">
+              <a:solidFill>
+                <a:schemeClr val="bg1">
+                  <a:lumMod val="75000"/>
+                </a:schemeClr>
+              </a:solidFill>
+            </a:ln>
+          </p:spPr>
+          <p:style>
+            <a:lnRef idx="2">
+              <a:schemeClr val="accent1"/>
+            </a:lnRef>
+            <a:fillRef idx="0">
+              <a:schemeClr val="accent1"/>
+            </a:fillRef>
+            <a:effectRef idx="1">
+              <a:schemeClr val="accent1"/>
+            </a:effectRef>
+            <a:fontRef idx="minor">
+              <a:schemeClr val="tx1"/>
+            </a:fontRef>
+          </p:style>
+        </p:cxnSp>
+        <p:cxnSp>
+          <p:nvCxnSpPr>
+            <p:cNvPr id="96" name="Gerade Verbindung 95">
+              <a:extLst>
+                <a:ext uri="{FF2B5EF4-FFF2-40B4-BE49-F238E27FC236}">
+                  <a16:creationId xmlns:a16="http://schemas.microsoft.com/office/drawing/2014/main" id="{C10E8CDB-0F33-02AD-4945-4C91AA5A2948}"/>
+                </a:ext>
+              </a:extLst>
+            </p:cNvPr>
+            <p:cNvCxnSpPr>
+              <a:cxnSpLocks/>
+              <a:stCxn id="17" idx="6"/>
+              <a:endCxn id="68" idx="2"/>
+            </p:cNvCxnSpPr>
+            <p:nvPr/>
+          </p:nvCxnSpPr>
+          <p:spPr>
+            <a:xfrm flipV="1">
+              <a:off x="5734926" y="4102623"/>
+              <a:ext cx="2829843" cy="1761325"/>
+            </a:xfrm>
+            <a:prstGeom prst="line">
+              <a:avLst/>
+            </a:prstGeom>
+            <a:ln w="57150">
+              <a:solidFill>
+                <a:schemeClr val="bg1">
+                  <a:lumMod val="75000"/>
+                </a:schemeClr>
+              </a:solidFill>
+            </a:ln>
+          </p:spPr>
+          <p:style>
+            <a:lnRef idx="2">
+              <a:schemeClr val="accent1"/>
+            </a:lnRef>
+            <a:fillRef idx="0">
+              <a:schemeClr val="accent1"/>
+            </a:fillRef>
+            <a:effectRef idx="1">
+              <a:schemeClr val="accent1"/>
+            </a:effectRef>
+            <a:fontRef idx="minor">
+              <a:schemeClr val="tx1"/>
+            </a:fontRef>
+          </p:style>
+        </p:cxnSp>
+        <p:cxnSp>
+          <p:nvCxnSpPr>
+            <p:cNvPr id="100" name="Gerade Verbindung 99">
+              <a:extLst>
+                <a:ext uri="{FF2B5EF4-FFF2-40B4-BE49-F238E27FC236}">
+                  <a16:creationId xmlns:a16="http://schemas.microsoft.com/office/drawing/2014/main" id="{C961EB55-6091-1E03-3D0C-860B070AF203}"/>
+                </a:ext>
+              </a:extLst>
+            </p:cNvPr>
+            <p:cNvCxnSpPr>
+              <a:cxnSpLocks/>
+              <a:stCxn id="16" idx="6"/>
+              <a:endCxn id="69" idx="2"/>
+            </p:cNvCxnSpPr>
+            <p:nvPr/>
+          </p:nvCxnSpPr>
+          <p:spPr>
+            <a:xfrm flipV="1">
+              <a:off x="5734926" y="4857698"/>
+              <a:ext cx="2829843" cy="251175"/>
+            </a:xfrm>
+            <a:prstGeom prst="line">
+              <a:avLst/>
+            </a:prstGeom>
+            <a:ln w="57150">
+              <a:solidFill>
+                <a:schemeClr val="bg1">
+                  <a:lumMod val="75000"/>
+                </a:schemeClr>
+              </a:solidFill>
+            </a:ln>
+          </p:spPr>
+          <p:style>
+            <a:lnRef idx="2">
+              <a:schemeClr val="accent1"/>
+            </a:lnRef>
+            <a:fillRef idx="0">
+              <a:schemeClr val="accent1"/>
+            </a:fillRef>
+            <a:effectRef idx="1">
+              <a:schemeClr val="accent1"/>
+            </a:effectRef>
+            <a:fontRef idx="minor">
+              <a:schemeClr val="tx1"/>
+            </a:fontRef>
+          </p:style>
+        </p:cxnSp>
+        <p:cxnSp>
+          <p:nvCxnSpPr>
+            <p:cNvPr id="103" name="Gerade Verbindung 102">
+              <a:extLst>
+                <a:ext uri="{FF2B5EF4-FFF2-40B4-BE49-F238E27FC236}">
+                  <a16:creationId xmlns:a16="http://schemas.microsoft.com/office/drawing/2014/main" id="{249F20E4-3658-DAF9-27E9-C0B8265354BB}"/>
+                </a:ext>
+              </a:extLst>
+            </p:cNvPr>
+            <p:cNvCxnSpPr>
+              <a:cxnSpLocks/>
+              <a:stCxn id="16" idx="6"/>
+              <a:endCxn id="68" idx="2"/>
+            </p:cNvCxnSpPr>
+            <p:nvPr/>
+          </p:nvCxnSpPr>
+          <p:spPr>
+            <a:xfrm flipV="1">
+              <a:off x="5734926" y="4102623"/>
+              <a:ext cx="2829843" cy="1006250"/>
+            </a:xfrm>
+            <a:prstGeom prst="line">
+              <a:avLst/>
+            </a:prstGeom>
+            <a:ln w="57150">
+              <a:solidFill>
+                <a:schemeClr val="bg1">
+                  <a:lumMod val="75000"/>
+                </a:schemeClr>
+              </a:solidFill>
+            </a:ln>
+          </p:spPr>
+          <p:style>
+            <a:lnRef idx="2">
+              <a:schemeClr val="accent1"/>
+            </a:lnRef>
+            <a:fillRef idx="0">
+              <a:schemeClr val="accent1"/>
+            </a:fillRef>
+            <a:effectRef idx="1">
+              <a:schemeClr val="accent1"/>
+            </a:effectRef>
+            <a:fontRef idx="minor">
+              <a:schemeClr val="tx1"/>
+            </a:fontRef>
+          </p:style>
+        </p:cxnSp>
+        <p:grpSp>
+          <p:nvGrpSpPr>
+            <p:cNvPr id="157" name="Gruppieren 156">
+              <a:extLst>
+                <a:ext uri="{FF2B5EF4-FFF2-40B4-BE49-F238E27FC236}">
+                  <a16:creationId xmlns:a16="http://schemas.microsoft.com/office/drawing/2014/main" id="{7A052EA9-0C45-2F72-15CD-289BECF873C6}"/>
+                </a:ext>
+              </a:extLst>
+            </p:cNvPr>
+            <p:cNvGrpSpPr/>
+            <p:nvPr/>
+          </p:nvGrpSpPr>
+          <p:grpSpPr>
+            <a:xfrm>
+              <a:off x="6939161" y="3202240"/>
+              <a:ext cx="116676" cy="514925"/>
+              <a:chOff x="4230543" y="2678608"/>
+              <a:chExt cx="116676" cy="514925"/>
+            </a:xfrm>
             <a:solidFill>
               <a:schemeClr val="bg1">
                 <a:lumMod val="75000"/>
               </a:schemeClr>
             </a:solidFill>
-          </a:ln>
-        </p:spPr>
-        <p:style>
-          <a:lnRef idx="2">
-            <a:schemeClr val="accent1"/>
-          </a:lnRef>
-          <a:fillRef idx="0">
-            <a:schemeClr val="accent1"/>
-          </a:fillRef>
-          <a:effectRef idx="1">
-            <a:schemeClr val="accent1"/>
-          </a:effectRef>
-          <a:fontRef idx="minor">
-            <a:schemeClr val="tx1"/>
-          </a:fontRef>
-        </p:style>
-      </p:cxnSp>
-      <p:cxnSp>
-        <p:nvCxnSpPr>
-          <p:cNvPr id="22" name="Gerade Verbindung 21">
-            <a:extLst>
-              <a:ext uri="{FF2B5EF4-FFF2-40B4-BE49-F238E27FC236}">
-                <a16:creationId xmlns:a16="http://schemas.microsoft.com/office/drawing/2014/main" id="{8B5E09FC-2F04-FC50-08B9-10A6D3943960}"/>
-              </a:ext>
-            </a:extLst>
-          </p:cNvPr>
-          <p:cNvCxnSpPr>
-            <a:cxnSpLocks/>
-          </p:cNvCxnSpPr>
-          <p:nvPr/>
-        </p:nvCxnSpPr>
-        <p:spPr>
-          <a:xfrm>
-            <a:off x="3416629" y="1475509"/>
-            <a:ext cx="1655620" cy="197427"/>
-          </a:xfrm>
-          <a:prstGeom prst="line">
-            <a:avLst/>
-          </a:prstGeom>
-          <a:ln w="57150">
-            <a:solidFill>
-              <a:schemeClr val="bg1">
-                <a:lumMod val="75000"/>
-              </a:schemeClr>
-            </a:solidFill>
-          </a:ln>
-        </p:spPr>
-        <p:style>
-          <a:lnRef idx="2">
-            <a:schemeClr val="accent1"/>
-          </a:lnRef>
-          <a:fillRef idx="0">
-            <a:schemeClr val="accent1"/>
-          </a:fillRef>
-          <a:effectRef idx="1">
-            <a:schemeClr val="accent1"/>
-          </a:effectRef>
-          <a:fontRef idx="minor">
-            <a:schemeClr val="tx1"/>
-          </a:fontRef>
-        </p:style>
-      </p:cxnSp>
-      <p:cxnSp>
-        <p:nvCxnSpPr>
-          <p:cNvPr id="45" name="Gerade Verbindung 44">
-            <a:extLst>
-              <a:ext uri="{FF2B5EF4-FFF2-40B4-BE49-F238E27FC236}">
-                <a16:creationId xmlns:a16="http://schemas.microsoft.com/office/drawing/2014/main" id="{B4B5B64A-D398-7C36-5ABF-B7B623A1C1F8}"/>
-              </a:ext>
-            </a:extLst>
-          </p:cNvPr>
-          <p:cNvCxnSpPr>
-            <a:cxnSpLocks/>
-          </p:cNvCxnSpPr>
-          <p:nvPr/>
-        </p:nvCxnSpPr>
-        <p:spPr>
-          <a:xfrm flipV="1">
-            <a:off x="3416629" y="5181598"/>
-            <a:ext cx="1655620" cy="315194"/>
-          </a:xfrm>
-          <a:prstGeom prst="line">
-            <a:avLst/>
-          </a:prstGeom>
-          <a:ln w="57150">
-            <a:solidFill>
-              <a:schemeClr val="bg1">
-                <a:lumMod val="75000"/>
-              </a:schemeClr>
-            </a:solidFill>
-          </a:ln>
-        </p:spPr>
-        <p:style>
-          <a:lnRef idx="2">
-            <a:schemeClr val="accent1"/>
-          </a:lnRef>
-          <a:fillRef idx="0">
-            <a:schemeClr val="accent1"/>
-          </a:fillRef>
-          <a:effectRef idx="1">
-            <a:schemeClr val="accent1"/>
-          </a:effectRef>
-          <a:fontRef idx="minor">
-            <a:schemeClr val="tx1"/>
-          </a:fontRef>
-        </p:style>
-      </p:cxnSp>
-      <p:cxnSp>
-        <p:nvCxnSpPr>
-          <p:cNvPr id="47" name="Gerade Verbindung 46">
-            <a:extLst>
-              <a:ext uri="{FF2B5EF4-FFF2-40B4-BE49-F238E27FC236}">
-                <a16:creationId xmlns:a16="http://schemas.microsoft.com/office/drawing/2014/main" id="{CD10EC94-7696-C89D-44B3-40FB32852CAC}"/>
-              </a:ext>
-            </a:extLst>
-          </p:cNvPr>
-          <p:cNvCxnSpPr>
-            <a:cxnSpLocks/>
-          </p:cNvCxnSpPr>
-          <p:nvPr/>
-        </p:nvCxnSpPr>
-        <p:spPr>
-          <a:xfrm>
-            <a:off x="3394115" y="5642264"/>
-            <a:ext cx="1678134" cy="311727"/>
-          </a:xfrm>
-          <a:prstGeom prst="line">
-            <a:avLst/>
-          </a:prstGeom>
-          <a:ln w="57150">
-            <a:solidFill>
-              <a:schemeClr val="bg1">
-                <a:lumMod val="75000"/>
-              </a:schemeClr>
-            </a:solidFill>
-          </a:ln>
-        </p:spPr>
-        <p:style>
-          <a:lnRef idx="2">
-            <a:schemeClr val="accent1"/>
-          </a:lnRef>
-          <a:fillRef idx="0">
-            <a:schemeClr val="accent1"/>
-          </a:fillRef>
-          <a:effectRef idx="1">
-            <a:schemeClr val="accent1"/>
-          </a:effectRef>
-          <a:fontRef idx="minor">
-            <a:schemeClr val="tx1"/>
-          </a:fontRef>
-        </p:style>
-      </p:cxnSp>
+          </p:grpSpPr>
+          <p:sp>
+            <p:nvSpPr>
+              <p:cNvPr id="158" name="Oval 157">
+                <a:extLst>
+                  <a:ext uri="{FF2B5EF4-FFF2-40B4-BE49-F238E27FC236}">
+                    <a16:creationId xmlns:a16="http://schemas.microsoft.com/office/drawing/2014/main" id="{FDB06B35-B5DC-4BCC-9956-36BA21835B0E}"/>
+                  </a:ext>
+                </a:extLst>
+              </p:cNvPr>
+              <p:cNvSpPr/>
+              <p:nvPr/>
+            </p:nvSpPr>
+            <p:spPr>
+              <a:xfrm>
+                <a:off x="4230543" y="2678608"/>
+                <a:ext cx="108940" cy="108940"/>
+              </a:xfrm>
+              <a:prstGeom prst="ellipse">
+                <a:avLst/>
+              </a:prstGeom>
+              <a:grpFill/>
+              <a:ln>
+                <a:solidFill>
+                  <a:schemeClr val="bg1">
+                    <a:lumMod val="75000"/>
+                  </a:schemeClr>
+                </a:solidFill>
+              </a:ln>
+            </p:spPr>
+            <p:style>
+              <a:lnRef idx="2">
+                <a:schemeClr val="dk1">
+                  <a:shade val="15000"/>
+                </a:schemeClr>
+              </a:lnRef>
+              <a:fillRef idx="1">
+                <a:schemeClr val="dk1"/>
+              </a:fillRef>
+              <a:effectRef idx="0">
+                <a:schemeClr val="dk1"/>
+              </a:effectRef>
+              <a:fontRef idx="minor">
+                <a:schemeClr val="lt1"/>
+              </a:fontRef>
+            </p:style>
+            <p:txBody>
+              <a:bodyPr rtlCol="0" anchor="ctr"/>
+              <a:lstStyle/>
+              <a:p>
+                <a:pPr algn="ctr"/>
+                <a:endParaRPr lang="de-DE"/>
+              </a:p>
+            </p:txBody>
+          </p:sp>
+          <p:sp>
+            <p:nvSpPr>
+              <p:cNvPr id="159" name="Oval 158">
+                <a:extLst>
+                  <a:ext uri="{FF2B5EF4-FFF2-40B4-BE49-F238E27FC236}">
+                    <a16:creationId xmlns:a16="http://schemas.microsoft.com/office/drawing/2014/main" id="{2E5ADAAE-A32B-85F4-E5C4-EF872843E180}"/>
+                  </a:ext>
+                </a:extLst>
+              </p:cNvPr>
+              <p:cNvSpPr/>
+              <p:nvPr/>
+            </p:nvSpPr>
+            <p:spPr>
+              <a:xfrm>
+                <a:off x="4233182" y="2880885"/>
+                <a:ext cx="108940" cy="108940"/>
+              </a:xfrm>
+              <a:prstGeom prst="ellipse">
+                <a:avLst/>
+              </a:prstGeom>
+              <a:grpFill/>
+              <a:ln>
+                <a:solidFill>
+                  <a:schemeClr val="bg1">
+                    <a:lumMod val="75000"/>
+                  </a:schemeClr>
+                </a:solidFill>
+              </a:ln>
+            </p:spPr>
+            <p:style>
+              <a:lnRef idx="2">
+                <a:schemeClr val="dk1">
+                  <a:shade val="15000"/>
+                </a:schemeClr>
+              </a:lnRef>
+              <a:fillRef idx="1">
+                <a:schemeClr val="dk1"/>
+              </a:fillRef>
+              <a:effectRef idx="0">
+                <a:schemeClr val="dk1"/>
+              </a:effectRef>
+              <a:fontRef idx="minor">
+                <a:schemeClr val="lt1"/>
+              </a:fontRef>
+            </p:style>
+            <p:txBody>
+              <a:bodyPr rtlCol="0" anchor="ctr"/>
+              <a:lstStyle/>
+              <a:p>
+                <a:pPr algn="ctr"/>
+                <a:endParaRPr lang="de-DE"/>
+              </a:p>
+            </p:txBody>
+          </p:sp>
+          <p:sp>
+            <p:nvSpPr>
+              <p:cNvPr id="160" name="Oval 159">
+                <a:extLst>
+                  <a:ext uri="{FF2B5EF4-FFF2-40B4-BE49-F238E27FC236}">
+                    <a16:creationId xmlns:a16="http://schemas.microsoft.com/office/drawing/2014/main" id="{32347F6B-2653-76C2-C9EA-FF2E907B4C33}"/>
+                  </a:ext>
+                </a:extLst>
+              </p:cNvPr>
+              <p:cNvSpPr/>
+              <p:nvPr/>
+            </p:nvSpPr>
+            <p:spPr>
+              <a:xfrm>
+                <a:off x="4238279" y="3084593"/>
+                <a:ext cx="108940" cy="108940"/>
+              </a:xfrm>
+              <a:prstGeom prst="ellipse">
+                <a:avLst/>
+              </a:prstGeom>
+              <a:grpFill/>
+              <a:ln>
+                <a:solidFill>
+                  <a:schemeClr val="bg1">
+                    <a:lumMod val="75000"/>
+                  </a:schemeClr>
+                </a:solidFill>
+              </a:ln>
+            </p:spPr>
+            <p:style>
+              <a:lnRef idx="2">
+                <a:schemeClr val="dk1">
+                  <a:shade val="15000"/>
+                </a:schemeClr>
+              </a:lnRef>
+              <a:fillRef idx="1">
+                <a:schemeClr val="dk1"/>
+              </a:fillRef>
+              <a:effectRef idx="0">
+                <a:schemeClr val="dk1"/>
+              </a:effectRef>
+              <a:fontRef idx="minor">
+                <a:schemeClr val="lt1"/>
+              </a:fontRef>
+            </p:style>
+            <p:txBody>
+              <a:bodyPr rtlCol="0" anchor="ctr"/>
+              <a:lstStyle/>
+              <a:p>
+                <a:pPr algn="ctr"/>
+                <a:endParaRPr lang="de-DE"/>
+              </a:p>
+            </p:txBody>
+          </p:sp>
+        </p:grpSp>
+      </p:grpSp>
       <p:grpSp>
         <p:nvGrpSpPr>
           <p:cNvPr id="70" name="Gruppieren 69">
@@ -3515,7 +3926,7 @@
         </p:nvGrpSpPr>
         <p:grpSpPr>
           <a:xfrm>
-            <a:off x="8421584" y="1601066"/>
+            <a:off x="10749430" y="1601067"/>
             <a:ext cx="623458" cy="3655865"/>
             <a:chOff x="8555177" y="1738746"/>
             <a:chExt cx="623458" cy="3655865"/>
@@ -3762,372 +4173,12 @@
           </p:txBody>
         </p:sp>
       </p:grpSp>
-      <p:cxnSp>
-        <p:nvCxnSpPr>
-          <p:cNvPr id="71" name="Gerade Verbindung 70">
+      <p:grpSp>
+        <p:nvGrpSpPr>
+          <p:cNvPr id="4" name="Gruppieren 3">
             <a:extLst>
               <a:ext uri="{FF2B5EF4-FFF2-40B4-BE49-F238E27FC236}">
-                <a16:creationId xmlns:a16="http://schemas.microsoft.com/office/drawing/2014/main" id="{1F7E9FDA-826C-6F8B-77A6-4AEBDA006059}"/>
-              </a:ext>
-            </a:extLst>
-          </p:cNvPr>
-          <p:cNvCxnSpPr>
-            <a:cxnSpLocks/>
-          </p:cNvCxnSpPr>
-          <p:nvPr/>
-        </p:nvCxnSpPr>
-        <p:spPr>
-          <a:xfrm>
-            <a:off x="6028213" y="976745"/>
-            <a:ext cx="2265217" cy="682338"/>
-          </a:xfrm>
-          <a:prstGeom prst="line">
-            <a:avLst/>
-          </a:prstGeom>
-          <a:ln w="57150">
-            <a:solidFill>
-              <a:schemeClr val="bg1">
-                <a:lumMod val="75000"/>
-              </a:schemeClr>
-            </a:solidFill>
-          </a:ln>
-        </p:spPr>
-        <p:style>
-          <a:lnRef idx="2">
-            <a:schemeClr val="accent1"/>
-          </a:lnRef>
-          <a:fillRef idx="0">
-            <a:schemeClr val="accent1"/>
-          </a:fillRef>
-          <a:effectRef idx="1">
-            <a:schemeClr val="accent1"/>
-          </a:effectRef>
-          <a:fontRef idx="minor">
-            <a:schemeClr val="tx1"/>
-          </a:fontRef>
-        </p:style>
-      </p:cxnSp>
-      <p:cxnSp>
-        <p:nvCxnSpPr>
-          <p:cNvPr id="75" name="Gerade Verbindung 74">
-            <a:extLst>
-              <a:ext uri="{FF2B5EF4-FFF2-40B4-BE49-F238E27FC236}">
-                <a16:creationId xmlns:a16="http://schemas.microsoft.com/office/drawing/2014/main" id="{366EF75D-EDE9-5DDB-A35C-8B83173250D2}"/>
-              </a:ext>
-            </a:extLst>
-          </p:cNvPr>
-          <p:cNvCxnSpPr>
-            <a:cxnSpLocks/>
-          </p:cNvCxnSpPr>
-          <p:nvPr/>
-        </p:nvCxnSpPr>
-        <p:spPr>
-          <a:xfrm>
-            <a:off x="5979720" y="1162050"/>
-            <a:ext cx="2313710" cy="1394114"/>
-          </a:xfrm>
-          <a:prstGeom prst="line">
-            <a:avLst/>
-          </a:prstGeom>
-          <a:ln w="57150">
-            <a:solidFill>
-              <a:schemeClr val="bg1">
-                <a:lumMod val="75000"/>
-              </a:schemeClr>
-            </a:solidFill>
-          </a:ln>
-        </p:spPr>
-        <p:style>
-          <a:lnRef idx="2">
-            <a:schemeClr val="accent1"/>
-          </a:lnRef>
-          <a:fillRef idx="0">
-            <a:schemeClr val="accent1"/>
-          </a:fillRef>
-          <a:effectRef idx="1">
-            <a:schemeClr val="accent1"/>
-          </a:effectRef>
-          <a:fontRef idx="minor">
-            <a:schemeClr val="tx1"/>
-          </a:fontRef>
-        </p:style>
-      </p:cxnSp>
-      <p:cxnSp>
-        <p:nvCxnSpPr>
-          <p:cNvPr id="80" name="Gerade Verbindung 79">
-            <a:extLst>
-              <a:ext uri="{FF2B5EF4-FFF2-40B4-BE49-F238E27FC236}">
-                <a16:creationId xmlns:a16="http://schemas.microsoft.com/office/drawing/2014/main" id="{65B137AD-83FC-D88D-A9EB-CBB8BF9872E0}"/>
-              </a:ext>
-            </a:extLst>
-          </p:cNvPr>
-          <p:cNvCxnSpPr>
-            <a:cxnSpLocks/>
-          </p:cNvCxnSpPr>
-          <p:nvPr/>
-        </p:nvCxnSpPr>
-        <p:spPr>
-          <a:xfrm>
-            <a:off x="5979720" y="1659083"/>
-            <a:ext cx="2313710" cy="145473"/>
-          </a:xfrm>
-          <a:prstGeom prst="line">
-            <a:avLst/>
-          </a:prstGeom>
-          <a:ln w="57150">
-            <a:solidFill>
-              <a:schemeClr val="bg1">
-                <a:lumMod val="75000"/>
-              </a:schemeClr>
-            </a:solidFill>
-          </a:ln>
-        </p:spPr>
-        <p:style>
-          <a:lnRef idx="2">
-            <a:schemeClr val="accent1"/>
-          </a:lnRef>
-          <a:fillRef idx="0">
-            <a:schemeClr val="accent1"/>
-          </a:fillRef>
-          <a:effectRef idx="1">
-            <a:schemeClr val="accent1"/>
-          </a:effectRef>
-          <a:fontRef idx="minor">
-            <a:schemeClr val="tx1"/>
-          </a:fontRef>
-        </p:style>
-      </p:cxnSp>
-      <p:cxnSp>
-        <p:nvCxnSpPr>
-          <p:cNvPr id="83" name="Gerade Verbindung 82">
-            <a:extLst>
-              <a:ext uri="{FF2B5EF4-FFF2-40B4-BE49-F238E27FC236}">
-                <a16:creationId xmlns:a16="http://schemas.microsoft.com/office/drawing/2014/main" id="{791131CE-2C2C-068B-E1E9-2EF1E87FC2ED}"/>
-              </a:ext>
-            </a:extLst>
-          </p:cNvPr>
-          <p:cNvCxnSpPr>
-            <a:cxnSpLocks/>
-          </p:cNvCxnSpPr>
-          <p:nvPr/>
-        </p:nvCxnSpPr>
-        <p:spPr>
-          <a:xfrm>
-            <a:off x="5979720" y="1804556"/>
-            <a:ext cx="2313710" cy="870344"/>
-          </a:xfrm>
-          <a:prstGeom prst="line">
-            <a:avLst/>
-          </a:prstGeom>
-          <a:ln w="57150">
-            <a:solidFill>
-              <a:schemeClr val="bg1">
-                <a:lumMod val="75000"/>
-              </a:schemeClr>
-            </a:solidFill>
-          </a:ln>
-        </p:spPr>
-        <p:style>
-          <a:lnRef idx="2">
-            <a:schemeClr val="accent1"/>
-          </a:lnRef>
-          <a:fillRef idx="0">
-            <a:schemeClr val="accent1"/>
-          </a:fillRef>
-          <a:effectRef idx="1">
-            <a:schemeClr val="accent1"/>
-          </a:effectRef>
-          <a:fontRef idx="minor">
-            <a:schemeClr val="tx1"/>
-          </a:fontRef>
-        </p:style>
-      </p:cxnSp>
-      <p:cxnSp>
-        <p:nvCxnSpPr>
-          <p:cNvPr id="93" name="Gerade Verbindung 92">
-            <a:extLst>
-              <a:ext uri="{FF2B5EF4-FFF2-40B4-BE49-F238E27FC236}">
-                <a16:creationId xmlns:a16="http://schemas.microsoft.com/office/drawing/2014/main" id="{8328A0C4-058E-9FE1-4319-2595E7A3C04B}"/>
-              </a:ext>
-            </a:extLst>
-          </p:cNvPr>
-          <p:cNvCxnSpPr>
-            <a:cxnSpLocks/>
-          </p:cNvCxnSpPr>
-          <p:nvPr/>
-        </p:nvCxnSpPr>
-        <p:spPr>
-          <a:xfrm flipV="1">
-            <a:off x="6000144" y="5181598"/>
-            <a:ext cx="2293286" cy="772393"/>
-          </a:xfrm>
-          <a:prstGeom prst="line">
-            <a:avLst/>
-          </a:prstGeom>
-          <a:ln w="57150">
-            <a:solidFill>
-              <a:schemeClr val="bg1">
-                <a:lumMod val="75000"/>
-              </a:schemeClr>
-            </a:solidFill>
-          </a:ln>
-        </p:spPr>
-        <p:style>
-          <a:lnRef idx="2">
-            <a:schemeClr val="accent1"/>
-          </a:lnRef>
-          <a:fillRef idx="0">
-            <a:schemeClr val="accent1"/>
-          </a:fillRef>
-          <a:effectRef idx="1">
-            <a:schemeClr val="accent1"/>
-          </a:effectRef>
-          <a:fontRef idx="minor">
-            <a:schemeClr val="tx1"/>
-          </a:fontRef>
-        </p:style>
-      </p:cxnSp>
-      <p:cxnSp>
-        <p:nvCxnSpPr>
-          <p:cNvPr id="96" name="Gerade Verbindung 95">
-            <a:extLst>
-              <a:ext uri="{FF2B5EF4-FFF2-40B4-BE49-F238E27FC236}">
-                <a16:creationId xmlns:a16="http://schemas.microsoft.com/office/drawing/2014/main" id="{C10E8CDB-0F33-02AD-4945-4C91AA5A2948}"/>
-              </a:ext>
-            </a:extLst>
-          </p:cNvPr>
-          <p:cNvCxnSpPr>
-            <a:cxnSpLocks/>
-          </p:cNvCxnSpPr>
-          <p:nvPr/>
-        </p:nvCxnSpPr>
-        <p:spPr>
-          <a:xfrm flipV="1">
-            <a:off x="5976078" y="4407369"/>
-            <a:ext cx="2317352" cy="1401151"/>
-          </a:xfrm>
-          <a:prstGeom prst="line">
-            <a:avLst/>
-          </a:prstGeom>
-          <a:ln w="57150">
-            <a:solidFill>
-              <a:schemeClr val="bg1">
-                <a:lumMod val="75000"/>
-              </a:schemeClr>
-            </a:solidFill>
-          </a:ln>
-        </p:spPr>
-        <p:style>
-          <a:lnRef idx="2">
-            <a:schemeClr val="accent1"/>
-          </a:lnRef>
-          <a:fillRef idx="0">
-            <a:schemeClr val="accent1"/>
-          </a:fillRef>
-          <a:effectRef idx="1">
-            <a:schemeClr val="accent1"/>
-          </a:effectRef>
-          <a:fontRef idx="minor">
-            <a:schemeClr val="tx1"/>
-          </a:fontRef>
-        </p:style>
-      </p:cxnSp>
-      <p:cxnSp>
-        <p:nvCxnSpPr>
-          <p:cNvPr id="100" name="Gerade Verbindung 99">
-            <a:extLst>
-              <a:ext uri="{FF2B5EF4-FFF2-40B4-BE49-F238E27FC236}">
-                <a16:creationId xmlns:a16="http://schemas.microsoft.com/office/drawing/2014/main" id="{C961EB55-6091-1E03-3D0C-860B070AF203}"/>
-              </a:ext>
-            </a:extLst>
-          </p:cNvPr>
-          <p:cNvCxnSpPr>
-            <a:cxnSpLocks/>
-          </p:cNvCxnSpPr>
-          <p:nvPr/>
-        </p:nvCxnSpPr>
-        <p:spPr>
-          <a:xfrm flipV="1">
-            <a:off x="5953739" y="5053445"/>
-            <a:ext cx="2339691" cy="145471"/>
-          </a:xfrm>
-          <a:prstGeom prst="line">
-            <a:avLst/>
-          </a:prstGeom>
-          <a:ln w="57150">
-            <a:solidFill>
-              <a:schemeClr val="bg1">
-                <a:lumMod val="75000"/>
-              </a:schemeClr>
-            </a:solidFill>
-          </a:ln>
-        </p:spPr>
-        <p:style>
-          <a:lnRef idx="2">
-            <a:schemeClr val="accent1"/>
-          </a:lnRef>
-          <a:fillRef idx="0">
-            <a:schemeClr val="accent1"/>
-          </a:fillRef>
-          <a:effectRef idx="1">
-            <a:schemeClr val="accent1"/>
-          </a:effectRef>
-          <a:fontRef idx="minor">
-            <a:schemeClr val="tx1"/>
-          </a:fontRef>
-        </p:style>
-      </p:cxnSp>
-      <p:cxnSp>
-        <p:nvCxnSpPr>
-          <p:cNvPr id="103" name="Gerade Verbindung 102">
-            <a:extLst>
-              <a:ext uri="{FF2B5EF4-FFF2-40B4-BE49-F238E27FC236}">
-                <a16:creationId xmlns:a16="http://schemas.microsoft.com/office/drawing/2014/main" id="{249F20E4-3658-DAF9-27E9-C0B8265354BB}"/>
-              </a:ext>
-            </a:extLst>
-          </p:cNvPr>
-          <p:cNvCxnSpPr>
-            <a:cxnSpLocks/>
-          </p:cNvCxnSpPr>
-          <p:nvPr/>
-        </p:nvCxnSpPr>
-        <p:spPr>
-          <a:xfrm flipV="1">
-            <a:off x="5953739" y="4251506"/>
-            <a:ext cx="2339691" cy="801939"/>
-          </a:xfrm>
-          <a:prstGeom prst="line">
-            <a:avLst/>
-          </a:prstGeom>
-          <a:ln w="57150">
-            <a:solidFill>
-              <a:schemeClr val="bg1">
-                <a:lumMod val="75000"/>
-              </a:schemeClr>
-            </a:solidFill>
-          </a:ln>
-        </p:spPr>
-        <p:style>
-          <a:lnRef idx="2">
-            <a:schemeClr val="accent1"/>
-          </a:lnRef>
-          <a:fillRef idx="0">
-            <a:schemeClr val="accent1"/>
-          </a:fillRef>
-          <a:effectRef idx="1">
-            <a:schemeClr val="accent1"/>
-          </a:effectRef>
-          <a:fontRef idx="minor">
-            <a:schemeClr val="tx1"/>
-          </a:fontRef>
-        </p:style>
-      </p:cxnSp>
-      <p:grpSp>
-        <p:nvGrpSpPr>
-          <p:cNvPr id="137" name="Gruppieren 136">
-            <a:extLst>
-              <a:ext uri="{FF2B5EF4-FFF2-40B4-BE49-F238E27FC236}">
-                <a16:creationId xmlns:a16="http://schemas.microsoft.com/office/drawing/2014/main" id="{4B949BF3-02AA-C80A-0F9E-E10A2FFFCC05}"/>
+                <a16:creationId xmlns:a16="http://schemas.microsoft.com/office/drawing/2014/main" id="{4A1E934C-C59C-140F-FB43-BFC31CD108DB}"/>
               </a:ext>
             </a:extLst>
           </p:cNvPr>
@@ -4136,154 +4187,631 @@
         </p:nvGrpSpPr>
         <p:grpSpPr>
           <a:xfrm>
-            <a:off x="2388512" y="1091042"/>
-            <a:ext cx="1104319" cy="4675915"/>
-            <a:chOff x="2958527" y="1091042"/>
-            <a:chExt cx="1104319" cy="4675915"/>
+            <a:off x="7285920" y="589744"/>
+            <a:ext cx="633667" cy="5673438"/>
+            <a:chOff x="5214257" y="592281"/>
+            <a:chExt cx="633667" cy="5673438"/>
           </a:xfrm>
         </p:grpSpPr>
-        <p:sp>
-          <p:nvSpPr>
-            <p:cNvPr id="6" name="Oval 5">
+        <p:grpSp>
+          <p:nvGrpSpPr>
+            <p:cNvPr id="138" name="Gruppieren 137">
               <a:extLst>
                 <a:ext uri="{FF2B5EF4-FFF2-40B4-BE49-F238E27FC236}">
-                  <a16:creationId xmlns:a16="http://schemas.microsoft.com/office/drawing/2014/main" id="{D9E61142-3B1D-23C0-EA27-09E4E6543C85}"/>
+                  <a16:creationId xmlns:a16="http://schemas.microsoft.com/office/drawing/2014/main" id="{DB1C2F68-692F-283E-AB27-9EDBF64C15D2}"/>
                 </a:ext>
               </a:extLst>
             </p:cNvPr>
-            <p:cNvSpPr/>
+            <p:cNvGrpSpPr/>
             <p:nvPr/>
-          </p:nvSpPr>
-          <p:spPr>
+          </p:nvGrpSpPr>
+          <p:grpSpPr>
             <a:xfrm>
-              <a:off x="3190003" y="1091042"/>
-              <a:ext cx="623455" cy="623455"/>
+              <a:off x="5214257" y="592281"/>
+              <a:ext cx="633667" cy="5673438"/>
+              <a:chOff x="5784272" y="592281"/>
+              <a:chExt cx="633667" cy="5673438"/>
             </a:xfrm>
-            <a:prstGeom prst="ellipse">
-              <a:avLst/>
-            </a:prstGeom>
-            <a:noFill/>
-            <a:ln w="57150"/>
-          </p:spPr>
-          <p:style>
-            <a:lnRef idx="2">
-              <a:schemeClr val="accent1">
-                <a:shade val="15000"/>
-              </a:schemeClr>
-            </a:lnRef>
-            <a:fillRef idx="1">
-              <a:schemeClr val="accent1"/>
-            </a:fillRef>
-            <a:effectRef idx="0">
-              <a:schemeClr val="accent1"/>
-            </a:effectRef>
-            <a:fontRef idx="minor">
-              <a:schemeClr val="lt1"/>
-            </a:fontRef>
-          </p:style>
-          <p:txBody>
-            <a:bodyPr rtlCol="0" anchor="ctr"/>
-            <a:lstStyle/>
-            <a:p>
-              <a:pPr algn="ctr"/>
-              <a:endParaRPr lang="de-DE"/>
-            </a:p>
-          </p:txBody>
-        </p:sp>
-        <p:sp>
-          <p:nvSpPr>
-            <p:cNvPr id="7" name="Oval 6">
+          </p:grpSpPr>
+          <p:grpSp>
+            <p:nvGrpSpPr>
+              <p:cNvPr id="12" name="Gruppieren 11">
+                <a:extLst>
+                  <a:ext uri="{FF2B5EF4-FFF2-40B4-BE49-F238E27FC236}">
+                    <a16:creationId xmlns:a16="http://schemas.microsoft.com/office/drawing/2014/main" id="{14C5A95F-B9B3-F003-F592-8062D743A05C}"/>
+                  </a:ext>
+                </a:extLst>
+              </p:cNvPr>
+              <p:cNvGrpSpPr/>
+              <p:nvPr/>
+            </p:nvGrpSpPr>
+            <p:grpSpPr>
+              <a:xfrm>
+                <a:off x="5784272" y="592281"/>
+                <a:ext cx="623455" cy="1378530"/>
+                <a:chOff x="3176153" y="4429990"/>
+                <a:chExt cx="623455" cy="1378530"/>
+              </a:xfrm>
+            </p:grpSpPr>
+            <p:sp>
+              <p:nvSpPr>
+                <p:cNvPr id="13" name="Oval 12">
+                  <a:extLst>
+                    <a:ext uri="{FF2B5EF4-FFF2-40B4-BE49-F238E27FC236}">
+                      <a16:creationId xmlns:a16="http://schemas.microsoft.com/office/drawing/2014/main" id="{0198236E-8D87-A8B8-9B87-E4B4758F6BD2}"/>
+                    </a:ext>
+                  </a:extLst>
+                </p:cNvPr>
+                <p:cNvSpPr/>
+                <p:nvPr/>
+              </p:nvSpPr>
+              <p:spPr>
+                <a:xfrm>
+                  <a:off x="3176153" y="4429990"/>
+                  <a:ext cx="623455" cy="623455"/>
+                </a:xfrm>
+                <a:prstGeom prst="ellipse">
+                  <a:avLst/>
+                </a:prstGeom>
+                <a:noFill/>
+                <a:ln w="57150"/>
+              </p:spPr>
+              <p:style>
+                <a:lnRef idx="2">
+                  <a:schemeClr val="accent1">
+                    <a:shade val="15000"/>
+                  </a:schemeClr>
+                </a:lnRef>
+                <a:fillRef idx="1">
+                  <a:schemeClr val="accent1"/>
+                </a:fillRef>
+                <a:effectRef idx="0">
+                  <a:schemeClr val="accent1"/>
+                </a:effectRef>
+                <a:fontRef idx="minor">
+                  <a:schemeClr val="lt1"/>
+                </a:fontRef>
+              </p:style>
+              <p:txBody>
+                <a:bodyPr rtlCol="0" anchor="ctr"/>
+                <a:lstStyle/>
+                <a:p>
+                  <a:pPr algn="ctr"/>
+                  <a:endParaRPr lang="de-DE" dirty="0"/>
+                </a:p>
+              </p:txBody>
+            </p:sp>
+            <p:sp>
+              <p:nvSpPr>
+                <p:cNvPr id="14" name="Oval 13">
+                  <a:extLst>
+                    <a:ext uri="{FF2B5EF4-FFF2-40B4-BE49-F238E27FC236}">
+                      <a16:creationId xmlns:a16="http://schemas.microsoft.com/office/drawing/2014/main" id="{5044620B-5250-563A-7424-366FA6C30AD6}"/>
+                    </a:ext>
+                  </a:extLst>
+                </p:cNvPr>
+                <p:cNvSpPr/>
+                <p:nvPr/>
+              </p:nvSpPr>
+              <p:spPr>
+                <a:xfrm>
+                  <a:off x="3176153" y="5185065"/>
+                  <a:ext cx="623455" cy="623455"/>
+                </a:xfrm>
+                <a:prstGeom prst="ellipse">
+                  <a:avLst/>
+                </a:prstGeom>
+                <a:noFill/>
+                <a:ln w="57150"/>
+              </p:spPr>
+              <p:style>
+                <a:lnRef idx="2">
+                  <a:schemeClr val="accent1">
+                    <a:shade val="15000"/>
+                  </a:schemeClr>
+                </a:lnRef>
+                <a:fillRef idx="1">
+                  <a:schemeClr val="accent1"/>
+                </a:fillRef>
+                <a:effectRef idx="0">
+                  <a:schemeClr val="accent1"/>
+                </a:effectRef>
+                <a:fontRef idx="minor">
+                  <a:schemeClr val="lt1"/>
+                </a:fontRef>
+              </p:style>
+              <p:txBody>
+                <a:bodyPr rtlCol="0" anchor="ctr"/>
+                <a:lstStyle/>
+                <a:p>
+                  <a:pPr algn="ctr"/>
+                  <a:endParaRPr lang="de-DE"/>
+                </a:p>
+              </p:txBody>
+            </p:sp>
+          </p:grpSp>
+          <p:grpSp>
+            <p:nvGrpSpPr>
+              <p:cNvPr id="15" name="Gruppieren 14">
+                <a:extLst>
+                  <a:ext uri="{FF2B5EF4-FFF2-40B4-BE49-F238E27FC236}">
+                    <a16:creationId xmlns:a16="http://schemas.microsoft.com/office/drawing/2014/main" id="{39D0C412-DA14-A2B3-ABF2-7475D30BF359}"/>
+                  </a:ext>
+                </a:extLst>
+              </p:cNvPr>
+              <p:cNvGrpSpPr/>
+              <p:nvPr/>
+            </p:nvGrpSpPr>
+            <p:grpSpPr>
+              <a:xfrm>
+                <a:off x="5794484" y="4887189"/>
+                <a:ext cx="623455" cy="1378530"/>
+                <a:chOff x="3176153" y="4429990"/>
+                <a:chExt cx="623455" cy="1378530"/>
+              </a:xfrm>
+            </p:grpSpPr>
+            <p:sp>
+              <p:nvSpPr>
+                <p:cNvPr id="16" name="Oval 15">
+                  <a:extLst>
+                    <a:ext uri="{FF2B5EF4-FFF2-40B4-BE49-F238E27FC236}">
+                      <a16:creationId xmlns:a16="http://schemas.microsoft.com/office/drawing/2014/main" id="{E401722E-11BD-0A0E-7EA9-B81E9C3FC176}"/>
+                    </a:ext>
+                  </a:extLst>
+                </p:cNvPr>
+                <p:cNvSpPr/>
+                <p:nvPr/>
+              </p:nvSpPr>
+              <p:spPr>
+                <a:xfrm>
+                  <a:off x="3176153" y="4429990"/>
+                  <a:ext cx="623455" cy="623455"/>
+                </a:xfrm>
+                <a:prstGeom prst="ellipse">
+                  <a:avLst/>
+                </a:prstGeom>
+                <a:noFill/>
+                <a:ln w="57150"/>
+              </p:spPr>
+              <p:style>
+                <a:lnRef idx="2">
+                  <a:schemeClr val="accent1">
+                    <a:shade val="15000"/>
+                  </a:schemeClr>
+                </a:lnRef>
+                <a:fillRef idx="1">
+                  <a:schemeClr val="accent1"/>
+                </a:fillRef>
+                <a:effectRef idx="0">
+                  <a:schemeClr val="accent1"/>
+                </a:effectRef>
+                <a:fontRef idx="minor">
+                  <a:schemeClr val="lt1"/>
+                </a:fontRef>
+              </p:style>
+              <p:txBody>
+                <a:bodyPr rtlCol="0" anchor="ctr"/>
+                <a:lstStyle/>
+                <a:p>
+                  <a:pPr algn="ctr"/>
+                  <a:endParaRPr lang="de-DE" dirty="0"/>
+                </a:p>
+              </p:txBody>
+            </p:sp>
+            <p:sp>
+              <p:nvSpPr>
+                <p:cNvPr id="17" name="Oval 16">
+                  <a:extLst>
+                    <a:ext uri="{FF2B5EF4-FFF2-40B4-BE49-F238E27FC236}">
+                      <a16:creationId xmlns:a16="http://schemas.microsoft.com/office/drawing/2014/main" id="{103FFA61-A5FD-FAD1-23D2-95BCE765A1CC}"/>
+                    </a:ext>
+                  </a:extLst>
+                </p:cNvPr>
+                <p:cNvSpPr/>
+                <p:nvPr/>
+              </p:nvSpPr>
+              <p:spPr>
+                <a:xfrm>
+                  <a:off x="3176153" y="5185065"/>
+                  <a:ext cx="623455" cy="623455"/>
+                </a:xfrm>
+                <a:prstGeom prst="ellipse">
+                  <a:avLst/>
+                </a:prstGeom>
+                <a:noFill/>
+                <a:ln w="57150"/>
+              </p:spPr>
+              <p:style>
+                <a:lnRef idx="2">
+                  <a:schemeClr val="accent1">
+                    <a:shade val="15000"/>
+                  </a:schemeClr>
+                </a:lnRef>
+                <a:fillRef idx="1">
+                  <a:schemeClr val="accent1"/>
+                </a:fillRef>
+                <a:effectRef idx="0">
+                  <a:schemeClr val="accent1"/>
+                </a:effectRef>
+                <a:fontRef idx="minor">
+                  <a:schemeClr val="lt1"/>
+                </a:fontRef>
+              </p:style>
+              <p:txBody>
+                <a:bodyPr rtlCol="0" anchor="ctr"/>
+                <a:lstStyle/>
+                <a:p>
+                  <a:pPr algn="ctr"/>
+                  <a:endParaRPr lang="de-DE"/>
+                </a:p>
+              </p:txBody>
+            </p:sp>
+          </p:grpSp>
+          <p:sp>
+            <p:nvSpPr>
+              <p:cNvPr id="130" name="Textfeld 129">
+                <a:extLst>
+                  <a:ext uri="{FF2B5EF4-FFF2-40B4-BE49-F238E27FC236}">
+                    <a16:creationId xmlns:a16="http://schemas.microsoft.com/office/drawing/2014/main" id="{4EBBD5A3-4779-3927-FABF-C25C4CD2C237}"/>
+                  </a:ext>
+                </a:extLst>
+              </p:cNvPr>
+              <p:cNvSpPr txBox="1"/>
+              <p:nvPr/>
+            </p:nvSpPr>
+            <p:spPr>
+              <a:xfrm>
+                <a:off x="5849777" y="2944869"/>
+                <a:ext cx="492443" cy="923330"/>
+              </a:xfrm>
+              <a:prstGeom prst="rect">
+                <a:avLst/>
+              </a:prstGeom>
+              <a:noFill/>
+            </p:spPr>
+            <p:txBody>
+              <a:bodyPr wrap="square" rtlCol="0">
+                <a:spAutoFit/>
+              </a:bodyPr>
+              <a:lstStyle/>
+              <a:p>
+                <a:pPr algn="ctr"/>
+                <a:r>
+                  <a:rPr lang="de-DE" sz="5400" dirty="0">
+                    <a:latin typeface="Times New Roman" panose="02020603050405020304" pitchFamily="18" charset="0"/>
+                    <a:cs typeface="Times New Roman" panose="02020603050405020304" pitchFamily="18" charset="0"/>
+                  </a:rPr>
+                  <a:t>c</a:t>
+                </a:r>
+              </a:p>
+            </p:txBody>
+          </p:sp>
+        </p:grpSp>
+        <p:grpSp>
+          <p:nvGrpSpPr>
+            <p:cNvPr id="144" name="Gruppieren 143">
               <a:extLst>
                 <a:ext uri="{FF2B5EF4-FFF2-40B4-BE49-F238E27FC236}">
-                  <a16:creationId xmlns:a16="http://schemas.microsoft.com/office/drawing/2014/main" id="{A3B5E263-381F-F41B-BBBE-949E20B68E33}"/>
+                  <a16:creationId xmlns:a16="http://schemas.microsoft.com/office/drawing/2014/main" id="{D50EC4F4-2704-3E67-AD1A-DD30E9367343}"/>
                 </a:ext>
               </a:extLst>
             </p:cNvPr>
-            <p:cNvSpPr/>
+            <p:cNvGrpSpPr/>
             <p:nvPr/>
-          </p:nvSpPr>
-          <p:spPr>
+          </p:nvGrpSpPr>
+          <p:grpSpPr>
             <a:xfrm>
-              <a:off x="3184804" y="5143502"/>
-              <a:ext cx="623455" cy="623455"/>
+              <a:off x="5459909" y="4058654"/>
+              <a:ext cx="116676" cy="514925"/>
+              <a:chOff x="4230543" y="2678608"/>
+              <a:chExt cx="116676" cy="514925"/>
             </a:xfrm>
-            <a:prstGeom prst="ellipse">
-              <a:avLst/>
-            </a:prstGeom>
-            <a:noFill/>
-            <a:ln w="57150"/>
-          </p:spPr>
-          <p:style>
-            <a:lnRef idx="2">
-              <a:schemeClr val="accent1">
-                <a:shade val="15000"/>
-              </a:schemeClr>
-            </a:lnRef>
-            <a:fillRef idx="1">
-              <a:schemeClr val="accent1"/>
-            </a:fillRef>
-            <a:effectRef idx="0">
-              <a:schemeClr val="accent1"/>
-            </a:effectRef>
-            <a:fontRef idx="minor">
-              <a:schemeClr val="lt1"/>
-            </a:fontRef>
-          </p:style>
-          <p:txBody>
-            <a:bodyPr rtlCol="0" anchor="ctr"/>
-            <a:lstStyle/>
-            <a:p>
-              <a:pPr algn="ctr"/>
-              <a:endParaRPr lang="de-DE" dirty="0"/>
-            </a:p>
-          </p:txBody>
-        </p:sp>
-        <p:sp>
-          <p:nvSpPr>
-            <p:cNvPr id="123" name="Textfeld 122">
+          </p:grpSpPr>
+          <p:sp>
+            <p:nvSpPr>
+              <p:cNvPr id="141" name="Oval 140">
+                <a:extLst>
+                  <a:ext uri="{FF2B5EF4-FFF2-40B4-BE49-F238E27FC236}">
+                    <a16:creationId xmlns:a16="http://schemas.microsoft.com/office/drawing/2014/main" id="{E02B8E07-F81F-5AE1-4490-E660B9593A09}"/>
+                  </a:ext>
+                </a:extLst>
+              </p:cNvPr>
+              <p:cNvSpPr/>
+              <p:nvPr/>
+            </p:nvSpPr>
+            <p:spPr>
+              <a:xfrm>
+                <a:off x="4230543" y="2678608"/>
+                <a:ext cx="108940" cy="108940"/>
+              </a:xfrm>
+              <a:prstGeom prst="ellipse">
+                <a:avLst/>
+              </a:prstGeom>
+            </p:spPr>
+            <p:style>
+              <a:lnRef idx="2">
+                <a:schemeClr val="dk1">
+                  <a:shade val="15000"/>
+                </a:schemeClr>
+              </a:lnRef>
+              <a:fillRef idx="1">
+                <a:schemeClr val="dk1"/>
+              </a:fillRef>
+              <a:effectRef idx="0">
+                <a:schemeClr val="dk1"/>
+              </a:effectRef>
+              <a:fontRef idx="minor">
+                <a:schemeClr val="lt1"/>
+              </a:fontRef>
+            </p:style>
+            <p:txBody>
+              <a:bodyPr rtlCol="0" anchor="ctr"/>
+              <a:lstStyle/>
+              <a:p>
+                <a:pPr algn="ctr"/>
+                <a:endParaRPr lang="de-DE"/>
+              </a:p>
+            </p:txBody>
+          </p:sp>
+          <p:sp>
+            <p:nvSpPr>
+              <p:cNvPr id="142" name="Oval 141">
+                <a:extLst>
+                  <a:ext uri="{FF2B5EF4-FFF2-40B4-BE49-F238E27FC236}">
+                    <a16:creationId xmlns:a16="http://schemas.microsoft.com/office/drawing/2014/main" id="{A981FD06-3ACC-E1B5-089D-27426E8915D6}"/>
+                  </a:ext>
+                </a:extLst>
+              </p:cNvPr>
+              <p:cNvSpPr/>
+              <p:nvPr/>
+            </p:nvSpPr>
+            <p:spPr>
+              <a:xfrm>
+                <a:off x="4233182" y="2880885"/>
+                <a:ext cx="108940" cy="108940"/>
+              </a:xfrm>
+              <a:prstGeom prst="ellipse">
+                <a:avLst/>
+              </a:prstGeom>
+            </p:spPr>
+            <p:style>
+              <a:lnRef idx="2">
+                <a:schemeClr val="dk1">
+                  <a:shade val="15000"/>
+                </a:schemeClr>
+              </a:lnRef>
+              <a:fillRef idx="1">
+                <a:schemeClr val="dk1"/>
+              </a:fillRef>
+              <a:effectRef idx="0">
+                <a:schemeClr val="dk1"/>
+              </a:effectRef>
+              <a:fontRef idx="minor">
+                <a:schemeClr val="lt1"/>
+              </a:fontRef>
+            </p:style>
+            <p:txBody>
+              <a:bodyPr rtlCol="0" anchor="ctr"/>
+              <a:lstStyle/>
+              <a:p>
+                <a:pPr algn="ctr"/>
+                <a:endParaRPr lang="de-DE"/>
+              </a:p>
+            </p:txBody>
+          </p:sp>
+          <p:sp>
+            <p:nvSpPr>
+              <p:cNvPr id="143" name="Oval 142">
+                <a:extLst>
+                  <a:ext uri="{FF2B5EF4-FFF2-40B4-BE49-F238E27FC236}">
+                    <a16:creationId xmlns:a16="http://schemas.microsoft.com/office/drawing/2014/main" id="{70761911-54C3-5E2E-3AAB-9398B507EA27}"/>
+                  </a:ext>
+                </a:extLst>
+              </p:cNvPr>
+              <p:cNvSpPr/>
+              <p:nvPr/>
+            </p:nvSpPr>
+            <p:spPr>
+              <a:xfrm>
+                <a:off x="4238279" y="3084593"/>
+                <a:ext cx="108940" cy="108940"/>
+              </a:xfrm>
+              <a:prstGeom prst="ellipse">
+                <a:avLst/>
+              </a:prstGeom>
+            </p:spPr>
+            <p:style>
+              <a:lnRef idx="2">
+                <a:schemeClr val="dk1">
+                  <a:shade val="15000"/>
+                </a:schemeClr>
+              </a:lnRef>
+              <a:fillRef idx="1">
+                <a:schemeClr val="dk1"/>
+              </a:fillRef>
+              <a:effectRef idx="0">
+                <a:schemeClr val="dk1"/>
+              </a:effectRef>
+              <a:fontRef idx="minor">
+                <a:schemeClr val="lt1"/>
+              </a:fontRef>
+            </p:style>
+            <p:txBody>
+              <a:bodyPr rtlCol="0" anchor="ctr"/>
+              <a:lstStyle/>
+              <a:p>
+                <a:pPr algn="ctr"/>
+                <a:endParaRPr lang="de-DE"/>
+              </a:p>
+            </p:txBody>
+          </p:sp>
+        </p:grpSp>
+        <p:grpSp>
+          <p:nvGrpSpPr>
+            <p:cNvPr id="145" name="Gruppieren 144">
               <a:extLst>
                 <a:ext uri="{FF2B5EF4-FFF2-40B4-BE49-F238E27FC236}">
-                  <a16:creationId xmlns:a16="http://schemas.microsoft.com/office/drawing/2014/main" id="{48DA13E5-A4E0-3215-4C80-E9A74A8525CB}"/>
+                  <a16:creationId xmlns:a16="http://schemas.microsoft.com/office/drawing/2014/main" id="{924025C3-2983-8A28-4893-23DBC9C0EED2}"/>
                 </a:ext>
               </a:extLst>
             </p:cNvPr>
-            <p:cNvSpPr txBox="1"/>
+            <p:cNvGrpSpPr/>
             <p:nvPr/>
-          </p:nvSpPr>
-          <p:spPr>
+          </p:nvGrpSpPr>
+          <p:grpSpPr>
             <a:xfrm>
-              <a:off x="2958527" y="2967335"/>
-              <a:ext cx="1104319" cy="923330"/>
+              <a:off x="5467645" y="2430812"/>
+              <a:ext cx="116676" cy="514925"/>
+              <a:chOff x="4230543" y="2678608"/>
+              <a:chExt cx="116676" cy="514925"/>
             </a:xfrm>
-            <a:prstGeom prst="rect">
-              <a:avLst/>
-            </a:prstGeom>
-            <a:noFill/>
-          </p:spPr>
-          <p:txBody>
-            <a:bodyPr wrap="square" rtlCol="0">
-              <a:spAutoFit/>
-            </a:bodyPr>
-            <a:lstStyle/>
-            <a:p>
-              <a:pPr algn="ctr"/>
-              <a:r>
-                <a:rPr lang="de-DE" sz="5400" dirty="0">
-                  <a:latin typeface="Times New Roman" panose="02020603050405020304" pitchFamily="18" charset="0"/>
-                  <a:cs typeface="Times New Roman" panose="02020603050405020304" pitchFamily="18" charset="0"/>
-                </a:rPr>
-                <a:t>h</a:t>
-              </a:r>
-            </a:p>
-          </p:txBody>
-        </p:sp>
+          </p:grpSpPr>
+          <p:sp>
+            <p:nvSpPr>
+              <p:cNvPr id="146" name="Oval 145">
+                <a:extLst>
+                  <a:ext uri="{FF2B5EF4-FFF2-40B4-BE49-F238E27FC236}">
+                    <a16:creationId xmlns:a16="http://schemas.microsoft.com/office/drawing/2014/main" id="{82C27C42-3A51-76F4-8551-970199EB1308}"/>
+                  </a:ext>
+                </a:extLst>
+              </p:cNvPr>
+              <p:cNvSpPr/>
+              <p:nvPr/>
+            </p:nvSpPr>
+            <p:spPr>
+              <a:xfrm>
+                <a:off x="4230543" y="2678608"/>
+                <a:ext cx="108940" cy="108940"/>
+              </a:xfrm>
+              <a:prstGeom prst="ellipse">
+                <a:avLst/>
+              </a:prstGeom>
+            </p:spPr>
+            <p:style>
+              <a:lnRef idx="2">
+                <a:schemeClr val="dk1">
+                  <a:shade val="15000"/>
+                </a:schemeClr>
+              </a:lnRef>
+              <a:fillRef idx="1">
+                <a:schemeClr val="dk1"/>
+              </a:fillRef>
+              <a:effectRef idx="0">
+                <a:schemeClr val="dk1"/>
+              </a:effectRef>
+              <a:fontRef idx="minor">
+                <a:schemeClr val="lt1"/>
+              </a:fontRef>
+            </p:style>
+            <p:txBody>
+              <a:bodyPr rtlCol="0" anchor="ctr"/>
+              <a:lstStyle/>
+              <a:p>
+                <a:pPr algn="ctr"/>
+                <a:endParaRPr lang="de-DE"/>
+              </a:p>
+            </p:txBody>
+          </p:sp>
+          <p:sp>
+            <p:nvSpPr>
+              <p:cNvPr id="147" name="Oval 146">
+                <a:extLst>
+                  <a:ext uri="{FF2B5EF4-FFF2-40B4-BE49-F238E27FC236}">
+                    <a16:creationId xmlns:a16="http://schemas.microsoft.com/office/drawing/2014/main" id="{88E38F66-6D51-D808-4CF1-C56BA94F4B7F}"/>
+                  </a:ext>
+                </a:extLst>
+              </p:cNvPr>
+              <p:cNvSpPr/>
+              <p:nvPr/>
+            </p:nvSpPr>
+            <p:spPr>
+              <a:xfrm>
+                <a:off x="4233182" y="2880885"/>
+                <a:ext cx="108940" cy="108940"/>
+              </a:xfrm>
+              <a:prstGeom prst="ellipse">
+                <a:avLst/>
+              </a:prstGeom>
+            </p:spPr>
+            <p:style>
+              <a:lnRef idx="2">
+                <a:schemeClr val="dk1">
+                  <a:shade val="15000"/>
+                </a:schemeClr>
+              </a:lnRef>
+              <a:fillRef idx="1">
+                <a:schemeClr val="dk1"/>
+              </a:fillRef>
+              <a:effectRef idx="0">
+                <a:schemeClr val="dk1"/>
+              </a:effectRef>
+              <a:fontRef idx="minor">
+                <a:schemeClr val="lt1"/>
+              </a:fontRef>
+            </p:style>
+            <p:txBody>
+              <a:bodyPr rtlCol="0" anchor="ctr"/>
+              <a:lstStyle/>
+              <a:p>
+                <a:pPr algn="ctr"/>
+                <a:endParaRPr lang="de-DE"/>
+              </a:p>
+            </p:txBody>
+          </p:sp>
+          <p:sp>
+            <p:nvSpPr>
+              <p:cNvPr id="148" name="Oval 147">
+                <a:extLst>
+                  <a:ext uri="{FF2B5EF4-FFF2-40B4-BE49-F238E27FC236}">
+                    <a16:creationId xmlns:a16="http://schemas.microsoft.com/office/drawing/2014/main" id="{9DA0DC79-8EF2-BB95-58A8-DACFFB321B96}"/>
+                  </a:ext>
+                </a:extLst>
+              </p:cNvPr>
+              <p:cNvSpPr/>
+              <p:nvPr/>
+            </p:nvSpPr>
+            <p:spPr>
+              <a:xfrm>
+                <a:off x="4238279" y="3084593"/>
+                <a:ext cx="108940" cy="108940"/>
+              </a:xfrm>
+              <a:prstGeom prst="ellipse">
+                <a:avLst/>
+              </a:prstGeom>
+            </p:spPr>
+            <p:style>
+              <a:lnRef idx="2">
+                <a:schemeClr val="dk1">
+                  <a:shade val="15000"/>
+                </a:schemeClr>
+              </a:lnRef>
+              <a:fillRef idx="1">
+                <a:schemeClr val="dk1"/>
+              </a:fillRef>
+              <a:effectRef idx="0">
+                <a:schemeClr val="dk1"/>
+              </a:effectRef>
+              <a:fontRef idx="minor">
+                <a:schemeClr val="lt1"/>
+              </a:fontRef>
+            </p:style>
+            <p:txBody>
+              <a:bodyPr rtlCol="0" anchor="ctr"/>
+              <a:lstStyle/>
+              <a:p>
+                <a:pPr algn="ctr"/>
+                <a:endParaRPr lang="de-DE"/>
+              </a:p>
+            </p:txBody>
+          </p:sp>
+        </p:grpSp>
       </p:grpSp>
       <p:grpSp>
         <p:nvGrpSpPr>
-          <p:cNvPr id="138" name="Gruppieren 137">
+          <p:cNvPr id="41" name="Gruppieren 40">
             <a:extLst>
               <a:ext uri="{FF2B5EF4-FFF2-40B4-BE49-F238E27FC236}">
-                <a16:creationId xmlns:a16="http://schemas.microsoft.com/office/drawing/2014/main" id="{DB1C2F68-692F-283E-AB27-9EDBF64C15D2}"/>
+                <a16:creationId xmlns:a16="http://schemas.microsoft.com/office/drawing/2014/main" id="{D7B7B58E-B007-DE02-80CC-0BC73C13EB54}"/>
               </a:ext>
             </a:extLst>
           </p:cNvPr>
@@ -4292,18 +4820,206 @@
         </p:nvGrpSpPr>
         <p:grpSpPr>
           <a:xfrm>
-            <a:off x="5214257" y="592281"/>
-            <a:ext cx="633667" cy="5673438"/>
-            <a:chOff x="5784272" y="592281"/>
-            <a:chExt cx="633667" cy="5673438"/>
+            <a:off x="2060826" y="936282"/>
+            <a:ext cx="2074045" cy="5049983"/>
+            <a:chOff x="1996888" y="841020"/>
+            <a:chExt cx="2074045" cy="5049983"/>
           </a:xfrm>
         </p:grpSpPr>
+        <p:cxnSp>
+          <p:nvCxnSpPr>
+            <p:cNvPr id="20" name="Gerade Verbindung 19">
+              <a:extLst>
+                <a:ext uri="{FF2B5EF4-FFF2-40B4-BE49-F238E27FC236}">
+                  <a16:creationId xmlns:a16="http://schemas.microsoft.com/office/drawing/2014/main" id="{A72011B4-388A-F53C-FC0A-670E4339EC27}"/>
+                </a:ext>
+              </a:extLst>
+            </p:cNvPr>
+            <p:cNvCxnSpPr>
+              <a:cxnSpLocks/>
+              <a:stCxn id="6" idx="6"/>
+              <a:endCxn id="30" idx="2"/>
+            </p:cNvCxnSpPr>
+            <p:nvPr/>
+          </p:nvCxnSpPr>
+          <p:spPr>
+            <a:xfrm flipV="1">
+              <a:off x="2002087" y="841020"/>
+              <a:ext cx="2058634" cy="439698"/>
+            </a:xfrm>
+            <a:prstGeom prst="line">
+              <a:avLst/>
+            </a:prstGeom>
+            <a:ln w="57150">
+              <a:solidFill>
+                <a:schemeClr val="bg1">
+                  <a:lumMod val="75000"/>
+                </a:schemeClr>
+              </a:solidFill>
+            </a:ln>
+          </p:spPr>
+          <p:style>
+            <a:lnRef idx="2">
+              <a:schemeClr val="accent1"/>
+            </a:lnRef>
+            <a:fillRef idx="0">
+              <a:schemeClr val="accent1"/>
+            </a:fillRef>
+            <a:effectRef idx="1">
+              <a:schemeClr val="accent1"/>
+            </a:effectRef>
+            <a:fontRef idx="minor">
+              <a:schemeClr val="tx1"/>
+            </a:fontRef>
+          </p:style>
+        </p:cxnSp>
+        <p:cxnSp>
+          <p:nvCxnSpPr>
+            <p:cNvPr id="22" name="Gerade Verbindung 21">
+              <a:extLst>
+                <a:ext uri="{FF2B5EF4-FFF2-40B4-BE49-F238E27FC236}">
+                  <a16:creationId xmlns:a16="http://schemas.microsoft.com/office/drawing/2014/main" id="{8B5E09FC-2F04-FC50-08B9-10A6D3943960}"/>
+                </a:ext>
+              </a:extLst>
+            </p:cNvPr>
+            <p:cNvCxnSpPr>
+              <a:cxnSpLocks/>
+              <a:stCxn id="6" idx="6"/>
+              <a:endCxn id="31" idx="2"/>
+            </p:cNvCxnSpPr>
+            <p:nvPr/>
+          </p:nvCxnSpPr>
+          <p:spPr>
+            <a:xfrm>
+              <a:off x="2002087" y="1280718"/>
+              <a:ext cx="2058634" cy="315377"/>
+            </a:xfrm>
+            <a:prstGeom prst="line">
+              <a:avLst/>
+            </a:prstGeom>
+            <a:ln w="57150">
+              <a:solidFill>
+                <a:schemeClr val="bg1">
+                  <a:lumMod val="75000"/>
+                </a:schemeClr>
+              </a:solidFill>
+            </a:ln>
+          </p:spPr>
+          <p:style>
+            <a:lnRef idx="2">
+              <a:schemeClr val="accent1"/>
+            </a:lnRef>
+            <a:fillRef idx="0">
+              <a:schemeClr val="accent1"/>
+            </a:fillRef>
+            <a:effectRef idx="1">
+              <a:schemeClr val="accent1"/>
+            </a:effectRef>
+            <a:fontRef idx="minor">
+              <a:schemeClr val="tx1"/>
+            </a:fontRef>
+          </p:style>
+        </p:cxnSp>
+        <p:cxnSp>
+          <p:nvCxnSpPr>
+            <p:cNvPr id="45" name="Gerade Verbindung 44">
+              <a:extLst>
+                <a:ext uri="{FF2B5EF4-FFF2-40B4-BE49-F238E27FC236}">
+                  <a16:creationId xmlns:a16="http://schemas.microsoft.com/office/drawing/2014/main" id="{B4B5B64A-D398-7C36-5ABF-B7B623A1C1F8}"/>
+                </a:ext>
+              </a:extLst>
+            </p:cNvPr>
+            <p:cNvCxnSpPr>
+              <a:cxnSpLocks/>
+              <a:stCxn id="7" idx="6"/>
+              <a:endCxn id="28" idx="2"/>
+            </p:cNvCxnSpPr>
+            <p:nvPr/>
+          </p:nvCxnSpPr>
+          <p:spPr>
+            <a:xfrm flipV="1">
+              <a:off x="1996888" y="5135928"/>
+              <a:ext cx="2074045" cy="197250"/>
+            </a:xfrm>
+            <a:prstGeom prst="line">
+              <a:avLst/>
+            </a:prstGeom>
+            <a:ln w="57150">
+              <a:solidFill>
+                <a:schemeClr val="bg1">
+                  <a:lumMod val="75000"/>
+                </a:schemeClr>
+              </a:solidFill>
+            </a:ln>
+          </p:spPr>
+          <p:style>
+            <a:lnRef idx="2">
+              <a:schemeClr val="accent1"/>
+            </a:lnRef>
+            <a:fillRef idx="0">
+              <a:schemeClr val="accent1"/>
+            </a:fillRef>
+            <a:effectRef idx="1">
+              <a:schemeClr val="accent1"/>
+            </a:effectRef>
+            <a:fontRef idx="minor">
+              <a:schemeClr val="tx1"/>
+            </a:fontRef>
+          </p:style>
+        </p:cxnSp>
+        <p:cxnSp>
+          <p:nvCxnSpPr>
+            <p:cNvPr id="47" name="Gerade Verbindung 46">
+              <a:extLst>
+                <a:ext uri="{FF2B5EF4-FFF2-40B4-BE49-F238E27FC236}">
+                  <a16:creationId xmlns:a16="http://schemas.microsoft.com/office/drawing/2014/main" id="{CD10EC94-7696-C89D-44B3-40FB32852CAC}"/>
+                </a:ext>
+              </a:extLst>
+            </p:cNvPr>
+            <p:cNvCxnSpPr>
+              <a:cxnSpLocks/>
+              <a:stCxn id="7" idx="6"/>
+              <a:endCxn id="29" idx="2"/>
+            </p:cNvCxnSpPr>
+            <p:nvPr/>
+          </p:nvCxnSpPr>
+          <p:spPr>
+            <a:xfrm>
+              <a:off x="1996888" y="5333178"/>
+              <a:ext cx="2074045" cy="557825"/>
+            </a:xfrm>
+            <a:prstGeom prst="line">
+              <a:avLst/>
+            </a:prstGeom>
+            <a:ln w="57150">
+              <a:solidFill>
+                <a:schemeClr val="bg1">
+                  <a:lumMod val="75000"/>
+                </a:schemeClr>
+              </a:solidFill>
+            </a:ln>
+          </p:spPr>
+          <p:style>
+            <a:lnRef idx="2">
+              <a:schemeClr val="accent1"/>
+            </a:lnRef>
+            <a:fillRef idx="0">
+              <a:schemeClr val="accent1"/>
+            </a:fillRef>
+            <a:effectRef idx="1">
+              <a:schemeClr val="accent1"/>
+            </a:effectRef>
+            <a:fontRef idx="minor">
+              <a:schemeClr val="tx1"/>
+            </a:fontRef>
+          </p:style>
+        </p:cxnSp>
         <p:grpSp>
           <p:nvGrpSpPr>
-            <p:cNvPr id="12" name="Gruppieren 11">
+            <p:cNvPr id="153" name="Gruppieren 152">
               <a:extLst>
                 <a:ext uri="{FF2B5EF4-FFF2-40B4-BE49-F238E27FC236}">
-                  <a16:creationId xmlns:a16="http://schemas.microsoft.com/office/drawing/2014/main" id="{14C5A95F-B9B3-F003-F592-8062D743A05C}"/>
+                  <a16:creationId xmlns:a16="http://schemas.microsoft.com/office/drawing/2014/main" id="{C868DCDD-1713-F647-1CC6-8FFCB30D00E6}"/>
                 </a:ext>
               </a:extLst>
             </p:cNvPr>
@@ -4312,18 +5028,23 @@
           </p:nvGrpSpPr>
           <p:grpSpPr>
             <a:xfrm>
-              <a:off x="5784272" y="592281"/>
-              <a:ext cx="623455" cy="1378530"/>
-              <a:chOff x="3176153" y="4429990"/>
-              <a:chExt cx="623455" cy="1378530"/>
+              <a:off x="3003694" y="3108515"/>
+              <a:ext cx="116676" cy="514925"/>
+              <a:chOff x="4230543" y="2678608"/>
+              <a:chExt cx="116676" cy="514925"/>
             </a:xfrm>
+            <a:solidFill>
+              <a:schemeClr val="bg1">
+                <a:lumMod val="75000"/>
+              </a:schemeClr>
+            </a:solidFill>
           </p:grpSpPr>
           <p:sp>
             <p:nvSpPr>
-              <p:cNvPr id="13" name="Oval 12">
+              <p:cNvPr id="154" name="Oval 153">
                 <a:extLst>
                   <a:ext uri="{FF2B5EF4-FFF2-40B4-BE49-F238E27FC236}">
-                    <a16:creationId xmlns:a16="http://schemas.microsoft.com/office/drawing/2014/main" id="{0198236E-8D87-A8B8-9B87-E4B4758F6BD2}"/>
+                    <a16:creationId xmlns:a16="http://schemas.microsoft.com/office/drawing/2014/main" id="{1F22D02A-AC54-221D-FB1C-66496D09CB22}"/>
                   </a:ext>
                 </a:extLst>
               </p:cNvPr>
@@ -4332,7 +5053,259 @@
             </p:nvSpPr>
             <p:spPr>
               <a:xfrm>
-                <a:off x="3176153" y="4429990"/>
+                <a:off x="4230543" y="2678608"/>
+                <a:ext cx="108940" cy="108940"/>
+              </a:xfrm>
+              <a:prstGeom prst="ellipse">
+                <a:avLst/>
+              </a:prstGeom>
+              <a:grpFill/>
+              <a:ln>
+                <a:solidFill>
+                  <a:schemeClr val="bg1">
+                    <a:lumMod val="75000"/>
+                  </a:schemeClr>
+                </a:solidFill>
+              </a:ln>
+            </p:spPr>
+            <p:style>
+              <a:lnRef idx="2">
+                <a:schemeClr val="dk1">
+                  <a:shade val="15000"/>
+                </a:schemeClr>
+              </a:lnRef>
+              <a:fillRef idx="1">
+                <a:schemeClr val="dk1"/>
+              </a:fillRef>
+              <a:effectRef idx="0">
+                <a:schemeClr val="dk1"/>
+              </a:effectRef>
+              <a:fontRef idx="minor">
+                <a:schemeClr val="lt1"/>
+              </a:fontRef>
+            </p:style>
+            <p:txBody>
+              <a:bodyPr rtlCol="0" anchor="ctr"/>
+              <a:lstStyle/>
+              <a:p>
+                <a:pPr algn="ctr"/>
+                <a:endParaRPr lang="de-DE" dirty="0"/>
+              </a:p>
+            </p:txBody>
+          </p:sp>
+          <p:sp>
+            <p:nvSpPr>
+              <p:cNvPr id="155" name="Oval 154">
+                <a:extLst>
+                  <a:ext uri="{FF2B5EF4-FFF2-40B4-BE49-F238E27FC236}">
+                    <a16:creationId xmlns:a16="http://schemas.microsoft.com/office/drawing/2014/main" id="{B1D4ED2C-D480-F3D7-66A1-7182C81CE3FD}"/>
+                  </a:ext>
+                </a:extLst>
+              </p:cNvPr>
+              <p:cNvSpPr/>
+              <p:nvPr/>
+            </p:nvSpPr>
+            <p:spPr>
+              <a:xfrm>
+                <a:off x="4233182" y="2880885"/>
+                <a:ext cx="108940" cy="108940"/>
+              </a:xfrm>
+              <a:prstGeom prst="ellipse">
+                <a:avLst/>
+              </a:prstGeom>
+              <a:grpFill/>
+              <a:ln>
+                <a:solidFill>
+                  <a:schemeClr val="bg1">
+                    <a:lumMod val="75000"/>
+                  </a:schemeClr>
+                </a:solidFill>
+              </a:ln>
+            </p:spPr>
+            <p:style>
+              <a:lnRef idx="2">
+                <a:schemeClr val="dk1">
+                  <a:shade val="15000"/>
+                </a:schemeClr>
+              </a:lnRef>
+              <a:fillRef idx="1">
+                <a:schemeClr val="dk1"/>
+              </a:fillRef>
+              <a:effectRef idx="0">
+                <a:schemeClr val="dk1"/>
+              </a:effectRef>
+              <a:fontRef idx="minor">
+                <a:schemeClr val="lt1"/>
+              </a:fontRef>
+            </p:style>
+            <p:txBody>
+              <a:bodyPr rtlCol="0" anchor="ctr"/>
+              <a:lstStyle/>
+              <a:p>
+                <a:pPr algn="ctr"/>
+                <a:endParaRPr lang="de-DE" dirty="0"/>
+              </a:p>
+            </p:txBody>
+          </p:sp>
+          <p:sp>
+            <p:nvSpPr>
+              <p:cNvPr id="156" name="Oval 155">
+                <a:extLst>
+                  <a:ext uri="{FF2B5EF4-FFF2-40B4-BE49-F238E27FC236}">
+                    <a16:creationId xmlns:a16="http://schemas.microsoft.com/office/drawing/2014/main" id="{BC96A038-DBE9-0A51-F5FB-74DAF5B0CE33}"/>
+                  </a:ext>
+                </a:extLst>
+              </p:cNvPr>
+              <p:cNvSpPr/>
+              <p:nvPr/>
+            </p:nvSpPr>
+            <p:spPr>
+              <a:xfrm>
+                <a:off x="4238279" y="3084593"/>
+                <a:ext cx="108940" cy="108940"/>
+              </a:xfrm>
+              <a:prstGeom prst="ellipse">
+                <a:avLst/>
+              </a:prstGeom>
+              <a:grpFill/>
+              <a:ln>
+                <a:solidFill>
+                  <a:schemeClr val="bg1">
+                    <a:lumMod val="75000"/>
+                  </a:schemeClr>
+                </a:solidFill>
+              </a:ln>
+            </p:spPr>
+            <p:style>
+              <a:lnRef idx="2">
+                <a:schemeClr val="dk1">
+                  <a:shade val="15000"/>
+                </a:schemeClr>
+              </a:lnRef>
+              <a:fillRef idx="1">
+                <a:schemeClr val="dk1"/>
+              </a:fillRef>
+              <a:effectRef idx="0">
+                <a:schemeClr val="dk1"/>
+              </a:effectRef>
+              <a:fontRef idx="minor">
+                <a:schemeClr val="lt1"/>
+              </a:fontRef>
+            </p:style>
+            <p:txBody>
+              <a:bodyPr rtlCol="0" anchor="ctr"/>
+              <a:lstStyle/>
+              <a:p>
+                <a:pPr algn="ctr"/>
+                <a:endParaRPr lang="de-DE" dirty="0"/>
+              </a:p>
+            </p:txBody>
+          </p:sp>
+        </p:grpSp>
+      </p:grpSp>
+      <p:grpSp>
+        <p:nvGrpSpPr>
+          <p:cNvPr id="3" name="Gruppieren 2">
+            <a:extLst>
+              <a:ext uri="{FF2B5EF4-FFF2-40B4-BE49-F238E27FC236}">
+                <a16:creationId xmlns:a16="http://schemas.microsoft.com/office/drawing/2014/main" id="{97497DA4-AE16-44EB-D02D-91776C14BA03}"/>
+              </a:ext>
+            </a:extLst>
+          </p:cNvPr>
+          <p:cNvGrpSpPr/>
+          <p:nvPr/>
+        </p:nvGrpSpPr>
+        <p:grpSpPr>
+          <a:xfrm>
+            <a:off x="1211094" y="1064252"/>
+            <a:ext cx="1104319" cy="4675915"/>
+            <a:chOff x="2388512" y="1091042"/>
+            <a:chExt cx="1104319" cy="4675915"/>
+          </a:xfrm>
+        </p:grpSpPr>
+        <p:grpSp>
+          <p:nvGrpSpPr>
+            <p:cNvPr id="137" name="Gruppieren 136">
+              <a:extLst>
+                <a:ext uri="{FF2B5EF4-FFF2-40B4-BE49-F238E27FC236}">
+                  <a16:creationId xmlns:a16="http://schemas.microsoft.com/office/drawing/2014/main" id="{4B949BF3-02AA-C80A-0F9E-E10A2FFFCC05}"/>
+                </a:ext>
+              </a:extLst>
+            </p:cNvPr>
+            <p:cNvGrpSpPr/>
+            <p:nvPr/>
+          </p:nvGrpSpPr>
+          <p:grpSpPr>
+            <a:xfrm>
+              <a:off x="2388512" y="1091042"/>
+              <a:ext cx="1104319" cy="4675915"/>
+              <a:chOff x="2958527" y="1091042"/>
+              <a:chExt cx="1104319" cy="4675915"/>
+            </a:xfrm>
+          </p:grpSpPr>
+          <p:sp>
+            <p:nvSpPr>
+              <p:cNvPr id="6" name="Oval 5">
+                <a:extLst>
+                  <a:ext uri="{FF2B5EF4-FFF2-40B4-BE49-F238E27FC236}">
+                    <a16:creationId xmlns:a16="http://schemas.microsoft.com/office/drawing/2014/main" id="{D9E61142-3B1D-23C0-EA27-09E4E6543C85}"/>
+                  </a:ext>
+                </a:extLst>
+              </p:cNvPr>
+              <p:cNvSpPr/>
+              <p:nvPr/>
+            </p:nvSpPr>
+            <p:spPr>
+              <a:xfrm>
+                <a:off x="3190003" y="1091042"/>
+                <a:ext cx="623455" cy="623455"/>
+              </a:xfrm>
+              <a:prstGeom prst="ellipse">
+                <a:avLst/>
+              </a:prstGeom>
+              <a:noFill/>
+              <a:ln w="57150"/>
+            </p:spPr>
+            <p:style>
+              <a:lnRef idx="2">
+                <a:schemeClr val="accent1">
+                  <a:shade val="15000"/>
+                </a:schemeClr>
+              </a:lnRef>
+              <a:fillRef idx="1">
+                <a:schemeClr val="accent1"/>
+              </a:fillRef>
+              <a:effectRef idx="0">
+                <a:schemeClr val="accent1"/>
+              </a:effectRef>
+              <a:fontRef idx="minor">
+                <a:schemeClr val="lt1"/>
+              </a:fontRef>
+            </p:style>
+            <p:txBody>
+              <a:bodyPr rtlCol="0" anchor="ctr"/>
+              <a:lstStyle/>
+              <a:p>
+                <a:pPr algn="ctr"/>
+                <a:endParaRPr lang="de-DE"/>
+              </a:p>
+            </p:txBody>
+          </p:sp>
+          <p:sp>
+            <p:nvSpPr>
+              <p:cNvPr id="7" name="Oval 6">
+                <a:extLst>
+                  <a:ext uri="{FF2B5EF4-FFF2-40B4-BE49-F238E27FC236}">
+                    <a16:creationId xmlns:a16="http://schemas.microsoft.com/office/drawing/2014/main" id="{A3B5E263-381F-F41B-BBBE-949E20B68E33}"/>
+                  </a:ext>
+                </a:extLst>
+              </p:cNvPr>
+              <p:cNvSpPr/>
+              <p:nvPr/>
+            </p:nvSpPr>
+            <p:spPr>
+              <a:xfrm>
+                <a:off x="3184804" y="5143502"/>
                 <a:ext cx="623455" cy="623455"/>
               </a:xfrm>
               <a:prstGeom prst="ellipse">
@@ -4368,10 +5341,70 @@
           </p:sp>
           <p:sp>
             <p:nvSpPr>
-              <p:cNvPr id="14" name="Oval 13">
+              <p:cNvPr id="123" name="Textfeld 122">
                 <a:extLst>
                   <a:ext uri="{FF2B5EF4-FFF2-40B4-BE49-F238E27FC236}">
-                    <a16:creationId xmlns:a16="http://schemas.microsoft.com/office/drawing/2014/main" id="{5044620B-5250-563A-7424-366FA6C30AD6}"/>
+                    <a16:creationId xmlns:a16="http://schemas.microsoft.com/office/drawing/2014/main" id="{48DA13E5-A4E0-3215-4C80-E9A74A8525CB}"/>
+                  </a:ext>
+                </a:extLst>
+              </p:cNvPr>
+              <p:cNvSpPr txBox="1"/>
+              <p:nvPr/>
+            </p:nvSpPr>
+            <p:spPr>
+              <a:xfrm>
+                <a:off x="2958527" y="2967335"/>
+                <a:ext cx="1104319" cy="923330"/>
+              </a:xfrm>
+              <a:prstGeom prst="rect">
+                <a:avLst/>
+              </a:prstGeom>
+              <a:noFill/>
+            </p:spPr>
+            <p:txBody>
+              <a:bodyPr wrap="square" rtlCol="0">
+                <a:spAutoFit/>
+              </a:bodyPr>
+              <a:lstStyle/>
+              <a:p>
+                <a:pPr algn="ctr"/>
+                <a:r>
+                  <a:rPr lang="de-DE" sz="5400" dirty="0">
+                    <a:latin typeface="Times New Roman" panose="02020603050405020304" pitchFamily="18" charset="0"/>
+                    <a:cs typeface="Times New Roman" panose="02020603050405020304" pitchFamily="18" charset="0"/>
+                  </a:rPr>
+                  <a:t>h</a:t>
+                </a:r>
+              </a:p>
+            </p:txBody>
+          </p:sp>
+        </p:grpSp>
+        <p:grpSp>
+          <p:nvGrpSpPr>
+            <p:cNvPr id="149" name="Gruppieren 148">
+              <a:extLst>
+                <a:ext uri="{FF2B5EF4-FFF2-40B4-BE49-F238E27FC236}">
+                  <a16:creationId xmlns:a16="http://schemas.microsoft.com/office/drawing/2014/main" id="{740421BF-F7DA-B9DE-C77A-03EAAF887F68}"/>
+                </a:ext>
+              </a:extLst>
+            </p:cNvPr>
+            <p:cNvGrpSpPr/>
+            <p:nvPr/>
+          </p:nvGrpSpPr>
+          <p:grpSpPr>
+            <a:xfrm>
+              <a:off x="2886920" y="2118164"/>
+              <a:ext cx="116676" cy="514925"/>
+              <a:chOff x="4230543" y="2678608"/>
+              <a:chExt cx="116676" cy="514925"/>
+            </a:xfrm>
+          </p:grpSpPr>
+          <p:sp>
+            <p:nvSpPr>
+              <p:cNvPr id="150" name="Oval 149">
+                <a:extLst>
+                  <a:ext uri="{FF2B5EF4-FFF2-40B4-BE49-F238E27FC236}">
+                    <a16:creationId xmlns:a16="http://schemas.microsoft.com/office/drawing/2014/main" id="{2B8AD718-AD75-0EC1-79F5-3C4E6544CDDC}"/>
                   </a:ext>
                 </a:extLst>
               </p:cNvPr>
@@ -4380,26 +5413,116 @@
             </p:nvSpPr>
             <p:spPr>
               <a:xfrm>
-                <a:off x="3176153" y="5185065"/>
-                <a:ext cx="623455" cy="623455"/>
+                <a:off x="4230543" y="2678608"/>
+                <a:ext cx="108940" cy="108940"/>
               </a:xfrm>
               <a:prstGeom prst="ellipse">
                 <a:avLst/>
               </a:prstGeom>
-              <a:noFill/>
-              <a:ln w="57150"/>
             </p:spPr>
             <p:style>
               <a:lnRef idx="2">
-                <a:schemeClr val="accent1">
+                <a:schemeClr val="dk1">
                   <a:shade val="15000"/>
                 </a:schemeClr>
               </a:lnRef>
               <a:fillRef idx="1">
-                <a:schemeClr val="accent1"/>
+                <a:schemeClr val="dk1"/>
               </a:fillRef>
               <a:effectRef idx="0">
-                <a:schemeClr val="accent1"/>
+                <a:schemeClr val="dk1"/>
+              </a:effectRef>
+              <a:fontRef idx="minor">
+                <a:schemeClr val="lt1"/>
+              </a:fontRef>
+            </p:style>
+            <p:txBody>
+              <a:bodyPr rtlCol="0" anchor="ctr"/>
+              <a:lstStyle/>
+              <a:p>
+                <a:pPr algn="ctr"/>
+                <a:endParaRPr lang="de-DE"/>
+              </a:p>
+            </p:txBody>
+          </p:sp>
+          <p:sp>
+            <p:nvSpPr>
+              <p:cNvPr id="151" name="Oval 150">
+                <a:extLst>
+                  <a:ext uri="{FF2B5EF4-FFF2-40B4-BE49-F238E27FC236}">
+                    <a16:creationId xmlns:a16="http://schemas.microsoft.com/office/drawing/2014/main" id="{25252E29-9C81-8427-4CC9-7178E81F091B}"/>
+                  </a:ext>
+                </a:extLst>
+              </p:cNvPr>
+              <p:cNvSpPr/>
+              <p:nvPr/>
+            </p:nvSpPr>
+            <p:spPr>
+              <a:xfrm>
+                <a:off x="4233182" y="2880885"/>
+                <a:ext cx="108940" cy="108940"/>
+              </a:xfrm>
+              <a:prstGeom prst="ellipse">
+                <a:avLst/>
+              </a:prstGeom>
+            </p:spPr>
+            <p:style>
+              <a:lnRef idx="2">
+                <a:schemeClr val="dk1">
+                  <a:shade val="15000"/>
+                </a:schemeClr>
+              </a:lnRef>
+              <a:fillRef idx="1">
+                <a:schemeClr val="dk1"/>
+              </a:fillRef>
+              <a:effectRef idx="0">
+                <a:schemeClr val="dk1"/>
+              </a:effectRef>
+              <a:fontRef idx="minor">
+                <a:schemeClr val="lt1"/>
+              </a:fontRef>
+            </p:style>
+            <p:txBody>
+              <a:bodyPr rtlCol="0" anchor="ctr"/>
+              <a:lstStyle/>
+              <a:p>
+                <a:pPr algn="ctr"/>
+                <a:endParaRPr lang="de-DE"/>
+              </a:p>
+            </p:txBody>
+          </p:sp>
+          <p:sp>
+            <p:nvSpPr>
+              <p:cNvPr id="152" name="Oval 151">
+                <a:extLst>
+                  <a:ext uri="{FF2B5EF4-FFF2-40B4-BE49-F238E27FC236}">
+                    <a16:creationId xmlns:a16="http://schemas.microsoft.com/office/drawing/2014/main" id="{E47E49A8-6991-4629-DBBB-7474CAA5A18E}"/>
+                  </a:ext>
+                </a:extLst>
+              </p:cNvPr>
+              <p:cNvSpPr/>
+              <p:nvPr/>
+            </p:nvSpPr>
+            <p:spPr>
+              <a:xfrm>
+                <a:off x="4238279" y="3084593"/>
+                <a:ext cx="108940" cy="108940"/>
+              </a:xfrm>
+              <a:prstGeom prst="ellipse">
+                <a:avLst/>
+              </a:prstGeom>
+            </p:spPr>
+            <p:style>
+              <a:lnRef idx="2">
+                <a:schemeClr val="dk1">
+                  <a:shade val="15000"/>
+                </a:schemeClr>
+              </a:lnRef>
+              <a:fillRef idx="1">
+                <a:schemeClr val="dk1"/>
+              </a:fillRef>
+              <a:effectRef idx="0">
+                <a:schemeClr val="dk1"/>
               </a:effectRef>
               <a:fontRef idx="minor">
                 <a:schemeClr val="lt1"/>
@@ -4417,10 +5540,10 @@
         </p:grpSp>
         <p:grpSp>
           <p:nvGrpSpPr>
-            <p:cNvPr id="15" name="Gruppieren 14">
+            <p:cNvPr id="161" name="Gruppieren 160">
               <a:extLst>
                 <a:ext uri="{FF2B5EF4-FFF2-40B4-BE49-F238E27FC236}">
-                  <a16:creationId xmlns:a16="http://schemas.microsoft.com/office/drawing/2014/main" id="{39D0C412-DA14-A2B3-ABF2-7475D30BF359}"/>
+                  <a16:creationId xmlns:a16="http://schemas.microsoft.com/office/drawing/2014/main" id="{EF4477F5-FBE0-40DC-AB2E-0540883FB808}"/>
                 </a:ext>
               </a:extLst>
             </p:cNvPr>
@@ -4429,18 +5552,18 @@
           </p:nvGrpSpPr>
           <p:grpSpPr>
             <a:xfrm>
-              <a:off x="5794484" y="4887189"/>
-              <a:ext cx="623455" cy="1378530"/>
-              <a:chOff x="3176153" y="4429990"/>
-              <a:chExt cx="623455" cy="1378530"/>
+              <a:off x="2870294" y="4226408"/>
+              <a:ext cx="116676" cy="514925"/>
+              <a:chOff x="4230543" y="2678608"/>
+              <a:chExt cx="116676" cy="514925"/>
             </a:xfrm>
           </p:grpSpPr>
           <p:sp>
             <p:nvSpPr>
-              <p:cNvPr id="16" name="Oval 15">
+              <p:cNvPr id="162" name="Oval 161">
                 <a:extLst>
                   <a:ext uri="{FF2B5EF4-FFF2-40B4-BE49-F238E27FC236}">
-                    <a16:creationId xmlns:a16="http://schemas.microsoft.com/office/drawing/2014/main" id="{E401722E-11BD-0A0E-7EA9-B81E9C3FC176}"/>
+                    <a16:creationId xmlns:a16="http://schemas.microsoft.com/office/drawing/2014/main" id="{7A332A74-1211-8F1D-0D1B-6B8A36379066}"/>
                   </a:ext>
                 </a:extLst>
               </p:cNvPr>
@@ -4449,26 +5572,24 @@
             </p:nvSpPr>
             <p:spPr>
               <a:xfrm>
-                <a:off x="3176153" y="4429990"/>
-                <a:ext cx="623455" cy="623455"/>
+                <a:off x="4230543" y="2678608"/>
+                <a:ext cx="108940" cy="108940"/>
               </a:xfrm>
               <a:prstGeom prst="ellipse">
                 <a:avLst/>
               </a:prstGeom>
-              <a:noFill/>
-              <a:ln w="57150"/>
             </p:spPr>
             <p:style>
               <a:lnRef idx="2">
-                <a:schemeClr val="accent1">
+                <a:schemeClr val="dk1">
                   <a:shade val="15000"/>
                 </a:schemeClr>
               </a:lnRef>
               <a:fillRef idx="1">
-                <a:schemeClr val="accent1"/>
+                <a:schemeClr val="dk1"/>
               </a:fillRef>
               <a:effectRef idx="0">
-                <a:schemeClr val="accent1"/>
+                <a:schemeClr val="dk1"/>
               </a:effectRef>
               <a:fontRef idx="minor">
                 <a:schemeClr val="lt1"/>
@@ -4479,16 +5600,16 @@
               <a:lstStyle/>
               <a:p>
                 <a:pPr algn="ctr"/>
-                <a:endParaRPr lang="de-DE" dirty="0"/>
+                <a:endParaRPr lang="de-DE"/>
               </a:p>
             </p:txBody>
           </p:sp>
           <p:sp>
             <p:nvSpPr>
-              <p:cNvPr id="17" name="Oval 16">
+              <p:cNvPr id="163" name="Oval 162">
                 <a:extLst>
                   <a:ext uri="{FF2B5EF4-FFF2-40B4-BE49-F238E27FC236}">
-                    <a16:creationId xmlns:a16="http://schemas.microsoft.com/office/drawing/2014/main" id="{103FFA61-A5FD-FAD1-23D2-95BCE765A1CC}"/>
+                    <a16:creationId xmlns:a16="http://schemas.microsoft.com/office/drawing/2014/main" id="{19B9DA02-A867-4172-B87C-ABDC85375A15}"/>
                   </a:ext>
                 </a:extLst>
               </p:cNvPr>
@@ -4497,26 +5618,70 @@
             </p:nvSpPr>
             <p:spPr>
               <a:xfrm>
-                <a:off x="3176153" y="5185065"/>
-                <a:ext cx="623455" cy="623455"/>
+                <a:off x="4233182" y="2880885"/>
+                <a:ext cx="108940" cy="108940"/>
               </a:xfrm>
               <a:prstGeom prst="ellipse">
                 <a:avLst/>
               </a:prstGeom>
-              <a:noFill/>
-              <a:ln w="57150"/>
             </p:spPr>
             <p:style>
               <a:lnRef idx="2">
-                <a:schemeClr val="accent1">
+                <a:schemeClr val="dk1">
                   <a:shade val="15000"/>
                 </a:schemeClr>
               </a:lnRef>
               <a:fillRef idx="1">
-                <a:schemeClr val="accent1"/>
+                <a:schemeClr val="dk1"/>
               </a:fillRef>
               <a:effectRef idx="0">
-                <a:schemeClr val="accent1"/>
+                <a:schemeClr val="dk1"/>
+              </a:effectRef>
+              <a:fontRef idx="minor">
+                <a:schemeClr val="lt1"/>
+              </a:fontRef>
+            </p:style>
+            <p:txBody>
+              <a:bodyPr rtlCol="0" anchor="ctr"/>
+              <a:lstStyle/>
+              <a:p>
+                <a:pPr algn="ctr"/>
+                <a:endParaRPr lang="de-DE"/>
+              </a:p>
+            </p:txBody>
+          </p:sp>
+          <p:sp>
+            <p:nvSpPr>
+              <p:cNvPr id="164" name="Oval 163">
+                <a:extLst>
+                  <a:ext uri="{FF2B5EF4-FFF2-40B4-BE49-F238E27FC236}">
+                    <a16:creationId xmlns:a16="http://schemas.microsoft.com/office/drawing/2014/main" id="{0E9921FC-2E4D-4662-8331-C1B7BD7484C4}"/>
+                  </a:ext>
+                </a:extLst>
+              </p:cNvPr>
+              <p:cNvSpPr/>
+              <p:nvPr/>
+            </p:nvSpPr>
+            <p:spPr>
+              <a:xfrm>
+                <a:off x="4238279" y="3084593"/>
+                <a:ext cx="108940" cy="108940"/>
+              </a:xfrm>
+              <a:prstGeom prst="ellipse">
+                <a:avLst/>
+              </a:prstGeom>
+            </p:spPr>
+            <p:style>
+              <a:lnRef idx="2">
+                <a:schemeClr val="dk1">
+                  <a:shade val="15000"/>
+                </a:schemeClr>
+              </a:lnRef>
+              <a:fillRef idx="1">
+                <a:schemeClr val="dk1"/>
+              </a:fillRef>
+              <a:effectRef idx="0">
+                <a:schemeClr val="dk1"/>
               </a:effectRef>
               <a:fontRef idx="minor">
                 <a:schemeClr val="lt1"/>
@@ -4532,52 +5697,13 @@
             </p:txBody>
           </p:sp>
         </p:grpSp>
-        <p:sp>
-          <p:nvSpPr>
-            <p:cNvPr id="130" name="Textfeld 129">
-              <a:extLst>
-                <a:ext uri="{FF2B5EF4-FFF2-40B4-BE49-F238E27FC236}">
-                  <a16:creationId xmlns:a16="http://schemas.microsoft.com/office/drawing/2014/main" id="{4EBBD5A3-4779-3927-FABF-C25C4CD2C237}"/>
-                </a:ext>
-              </a:extLst>
-            </p:cNvPr>
-            <p:cNvSpPr txBox="1"/>
-            <p:nvPr/>
-          </p:nvSpPr>
-          <p:spPr>
-            <a:xfrm>
-              <a:off x="5849777" y="2944869"/>
-              <a:ext cx="492443" cy="923330"/>
-            </a:xfrm>
-            <a:prstGeom prst="rect">
-              <a:avLst/>
-            </a:prstGeom>
-            <a:noFill/>
-          </p:spPr>
-          <p:txBody>
-            <a:bodyPr wrap="square" rtlCol="0">
-              <a:spAutoFit/>
-            </a:bodyPr>
-            <a:lstStyle/>
-            <a:p>
-              <a:pPr algn="ctr"/>
-              <a:r>
-                <a:rPr lang="de-DE" sz="5400" dirty="0">
-                  <a:latin typeface="Times New Roman" panose="02020603050405020304" pitchFamily="18" charset="0"/>
-                  <a:cs typeface="Times New Roman" panose="02020603050405020304" pitchFamily="18" charset="0"/>
-                </a:rPr>
-                <a:t>c</a:t>
-              </a:r>
-            </a:p>
-          </p:txBody>
-        </p:sp>
       </p:grpSp>
       <p:grpSp>
         <p:nvGrpSpPr>
-          <p:cNvPr id="144" name="Gruppieren 143">
+          <p:cNvPr id="5" name="Gruppieren 4">
             <a:extLst>
               <a:ext uri="{FF2B5EF4-FFF2-40B4-BE49-F238E27FC236}">
-                <a16:creationId xmlns:a16="http://schemas.microsoft.com/office/drawing/2014/main" id="{D50EC4F4-2704-3E67-AD1A-DD30E9367343}"/>
+                <a16:creationId xmlns:a16="http://schemas.microsoft.com/office/drawing/2014/main" id="{53F7B723-DA19-BA13-1C9B-D11BFAEC3FF7}"/>
               </a:ext>
             </a:extLst>
           </p:cNvPr>
@@ -4586,18 +5712,651 @@
         </p:nvGrpSpPr>
         <p:grpSpPr>
           <a:xfrm>
-            <a:off x="5459909" y="4058654"/>
+            <a:off x="4124659" y="624554"/>
+            <a:ext cx="633667" cy="5673438"/>
+            <a:chOff x="5214257" y="592281"/>
+            <a:chExt cx="633667" cy="5673438"/>
+          </a:xfrm>
+        </p:grpSpPr>
+        <p:grpSp>
+          <p:nvGrpSpPr>
+            <p:cNvPr id="8" name="Gruppieren 7">
+              <a:extLst>
+                <a:ext uri="{FF2B5EF4-FFF2-40B4-BE49-F238E27FC236}">
+                  <a16:creationId xmlns:a16="http://schemas.microsoft.com/office/drawing/2014/main" id="{EF811F51-29A8-1C3F-CE5E-3D3347C8A577}"/>
+                </a:ext>
+              </a:extLst>
+            </p:cNvPr>
+            <p:cNvGrpSpPr/>
+            <p:nvPr/>
+          </p:nvGrpSpPr>
+          <p:grpSpPr>
+            <a:xfrm>
+              <a:off x="5214257" y="592281"/>
+              <a:ext cx="633667" cy="5673438"/>
+              <a:chOff x="5784272" y="592281"/>
+              <a:chExt cx="633667" cy="5673438"/>
+            </a:xfrm>
+          </p:grpSpPr>
+          <p:grpSp>
+            <p:nvGrpSpPr>
+              <p:cNvPr id="25" name="Gruppieren 24">
+                <a:extLst>
+                  <a:ext uri="{FF2B5EF4-FFF2-40B4-BE49-F238E27FC236}">
+                    <a16:creationId xmlns:a16="http://schemas.microsoft.com/office/drawing/2014/main" id="{E8A79045-071C-AED8-5974-D905C1883F50}"/>
+                  </a:ext>
+                </a:extLst>
+              </p:cNvPr>
+              <p:cNvGrpSpPr/>
+              <p:nvPr/>
+            </p:nvGrpSpPr>
+            <p:grpSpPr>
+              <a:xfrm>
+                <a:off x="5784272" y="592281"/>
+                <a:ext cx="623455" cy="1378530"/>
+                <a:chOff x="3176153" y="4429990"/>
+                <a:chExt cx="623455" cy="1378530"/>
+              </a:xfrm>
+            </p:grpSpPr>
+            <p:sp>
+              <p:nvSpPr>
+                <p:cNvPr id="30" name="Oval 29">
+                  <a:extLst>
+                    <a:ext uri="{FF2B5EF4-FFF2-40B4-BE49-F238E27FC236}">
+                      <a16:creationId xmlns:a16="http://schemas.microsoft.com/office/drawing/2014/main" id="{85F27CCD-4359-9DB6-4160-31E306E7512E}"/>
+                    </a:ext>
+                  </a:extLst>
+                </p:cNvPr>
+                <p:cNvSpPr/>
+                <p:nvPr/>
+              </p:nvSpPr>
+              <p:spPr>
+                <a:xfrm>
+                  <a:off x="3176153" y="4429990"/>
+                  <a:ext cx="623455" cy="623455"/>
+                </a:xfrm>
+                <a:prstGeom prst="ellipse">
+                  <a:avLst/>
+                </a:prstGeom>
+                <a:noFill/>
+                <a:ln w="57150"/>
+              </p:spPr>
+              <p:style>
+                <a:lnRef idx="2">
+                  <a:schemeClr val="accent1">
+                    <a:shade val="15000"/>
+                  </a:schemeClr>
+                </a:lnRef>
+                <a:fillRef idx="1">
+                  <a:schemeClr val="accent1"/>
+                </a:fillRef>
+                <a:effectRef idx="0">
+                  <a:schemeClr val="accent1"/>
+                </a:effectRef>
+                <a:fontRef idx="minor">
+                  <a:schemeClr val="lt1"/>
+                </a:fontRef>
+              </p:style>
+              <p:txBody>
+                <a:bodyPr rtlCol="0" anchor="ctr"/>
+                <a:lstStyle/>
+                <a:p>
+                  <a:pPr algn="ctr"/>
+                  <a:endParaRPr lang="de-DE" dirty="0"/>
+                </a:p>
+              </p:txBody>
+            </p:sp>
+            <p:sp>
+              <p:nvSpPr>
+                <p:cNvPr id="31" name="Oval 30">
+                  <a:extLst>
+                    <a:ext uri="{FF2B5EF4-FFF2-40B4-BE49-F238E27FC236}">
+                      <a16:creationId xmlns:a16="http://schemas.microsoft.com/office/drawing/2014/main" id="{0D0CA682-B0C7-C5E8-AF0F-76C00BEF8A8D}"/>
+                    </a:ext>
+                  </a:extLst>
+                </p:cNvPr>
+                <p:cNvSpPr/>
+                <p:nvPr/>
+              </p:nvSpPr>
+              <p:spPr>
+                <a:xfrm>
+                  <a:off x="3176153" y="5185065"/>
+                  <a:ext cx="623455" cy="623455"/>
+                </a:xfrm>
+                <a:prstGeom prst="ellipse">
+                  <a:avLst/>
+                </a:prstGeom>
+                <a:noFill/>
+                <a:ln w="57150"/>
+              </p:spPr>
+              <p:style>
+                <a:lnRef idx="2">
+                  <a:schemeClr val="accent1">
+                    <a:shade val="15000"/>
+                  </a:schemeClr>
+                </a:lnRef>
+                <a:fillRef idx="1">
+                  <a:schemeClr val="accent1"/>
+                </a:fillRef>
+                <a:effectRef idx="0">
+                  <a:schemeClr val="accent1"/>
+                </a:effectRef>
+                <a:fontRef idx="minor">
+                  <a:schemeClr val="lt1"/>
+                </a:fontRef>
+              </p:style>
+              <p:txBody>
+                <a:bodyPr rtlCol="0" anchor="ctr"/>
+                <a:lstStyle/>
+                <a:p>
+                  <a:pPr algn="ctr"/>
+                  <a:endParaRPr lang="de-DE"/>
+                </a:p>
+              </p:txBody>
+            </p:sp>
+          </p:grpSp>
+          <p:grpSp>
+            <p:nvGrpSpPr>
+              <p:cNvPr id="26" name="Gruppieren 25">
+                <a:extLst>
+                  <a:ext uri="{FF2B5EF4-FFF2-40B4-BE49-F238E27FC236}">
+                    <a16:creationId xmlns:a16="http://schemas.microsoft.com/office/drawing/2014/main" id="{08E4F95A-CC46-5E0C-FB84-56F3EDAFBADB}"/>
+                  </a:ext>
+                </a:extLst>
+              </p:cNvPr>
+              <p:cNvGrpSpPr/>
+              <p:nvPr/>
+            </p:nvGrpSpPr>
+            <p:grpSpPr>
+              <a:xfrm>
+                <a:off x="5794484" y="4887189"/>
+                <a:ext cx="623455" cy="1378530"/>
+                <a:chOff x="3176153" y="4429990"/>
+                <a:chExt cx="623455" cy="1378530"/>
+              </a:xfrm>
+            </p:grpSpPr>
+            <p:sp>
+              <p:nvSpPr>
+                <p:cNvPr id="28" name="Oval 27">
+                  <a:extLst>
+                    <a:ext uri="{FF2B5EF4-FFF2-40B4-BE49-F238E27FC236}">
+                      <a16:creationId xmlns:a16="http://schemas.microsoft.com/office/drawing/2014/main" id="{2019BBE5-87FB-DEED-3145-99CE0F41ED21}"/>
+                    </a:ext>
+                  </a:extLst>
+                </p:cNvPr>
+                <p:cNvSpPr/>
+                <p:nvPr/>
+              </p:nvSpPr>
+              <p:spPr>
+                <a:xfrm>
+                  <a:off x="3176153" y="4429990"/>
+                  <a:ext cx="623455" cy="623455"/>
+                </a:xfrm>
+                <a:prstGeom prst="ellipse">
+                  <a:avLst/>
+                </a:prstGeom>
+                <a:noFill/>
+                <a:ln w="57150"/>
+              </p:spPr>
+              <p:style>
+                <a:lnRef idx="2">
+                  <a:schemeClr val="accent1">
+                    <a:shade val="15000"/>
+                  </a:schemeClr>
+                </a:lnRef>
+                <a:fillRef idx="1">
+                  <a:schemeClr val="accent1"/>
+                </a:fillRef>
+                <a:effectRef idx="0">
+                  <a:schemeClr val="accent1"/>
+                </a:effectRef>
+                <a:fontRef idx="minor">
+                  <a:schemeClr val="lt1"/>
+                </a:fontRef>
+              </p:style>
+              <p:txBody>
+                <a:bodyPr rtlCol="0" anchor="ctr"/>
+                <a:lstStyle/>
+                <a:p>
+                  <a:pPr algn="ctr"/>
+                  <a:endParaRPr lang="de-DE" dirty="0"/>
+                </a:p>
+              </p:txBody>
+            </p:sp>
+            <p:sp>
+              <p:nvSpPr>
+                <p:cNvPr id="29" name="Oval 28">
+                  <a:extLst>
+                    <a:ext uri="{FF2B5EF4-FFF2-40B4-BE49-F238E27FC236}">
+                      <a16:creationId xmlns:a16="http://schemas.microsoft.com/office/drawing/2014/main" id="{DF2339B0-D0BF-25F5-3663-DC1A69D19F60}"/>
+                    </a:ext>
+                  </a:extLst>
+                </p:cNvPr>
+                <p:cNvSpPr/>
+                <p:nvPr/>
+              </p:nvSpPr>
+              <p:spPr>
+                <a:xfrm>
+                  <a:off x="3176153" y="5185065"/>
+                  <a:ext cx="623455" cy="623455"/>
+                </a:xfrm>
+                <a:prstGeom prst="ellipse">
+                  <a:avLst/>
+                </a:prstGeom>
+                <a:noFill/>
+                <a:ln w="57150"/>
+              </p:spPr>
+              <p:style>
+                <a:lnRef idx="2">
+                  <a:schemeClr val="accent1">
+                    <a:shade val="15000"/>
+                  </a:schemeClr>
+                </a:lnRef>
+                <a:fillRef idx="1">
+                  <a:schemeClr val="accent1"/>
+                </a:fillRef>
+                <a:effectRef idx="0">
+                  <a:schemeClr val="accent1"/>
+                </a:effectRef>
+                <a:fontRef idx="minor">
+                  <a:schemeClr val="lt1"/>
+                </a:fontRef>
+              </p:style>
+              <p:txBody>
+                <a:bodyPr rtlCol="0" anchor="ctr"/>
+                <a:lstStyle/>
+                <a:p>
+                  <a:pPr algn="ctr"/>
+                  <a:endParaRPr lang="de-DE"/>
+                </a:p>
+              </p:txBody>
+            </p:sp>
+          </p:grpSp>
+          <p:sp>
+            <p:nvSpPr>
+              <p:cNvPr id="27" name="Textfeld 26">
+                <a:extLst>
+                  <a:ext uri="{FF2B5EF4-FFF2-40B4-BE49-F238E27FC236}">
+                    <a16:creationId xmlns:a16="http://schemas.microsoft.com/office/drawing/2014/main" id="{1E7BF0AF-6B59-36CB-5CEE-55CCC33AC158}"/>
+                  </a:ext>
+                </a:extLst>
+              </p:cNvPr>
+              <p:cNvSpPr txBox="1"/>
+              <p:nvPr/>
+            </p:nvSpPr>
+            <p:spPr>
+              <a:xfrm>
+                <a:off x="5849777" y="2944869"/>
+                <a:ext cx="492443" cy="923330"/>
+              </a:xfrm>
+              <a:prstGeom prst="rect">
+                <a:avLst/>
+              </a:prstGeom>
+              <a:noFill/>
+            </p:spPr>
+            <p:txBody>
+              <a:bodyPr wrap="square" rtlCol="0">
+                <a:spAutoFit/>
+              </a:bodyPr>
+              <a:lstStyle/>
+              <a:p>
+                <a:pPr algn="ctr"/>
+                <a:r>
+                  <a:rPr lang="de-DE" sz="5400" dirty="0">
+                    <a:latin typeface="Times New Roman" panose="02020603050405020304" pitchFamily="18" charset="0"/>
+                    <a:cs typeface="Times New Roman" panose="02020603050405020304" pitchFamily="18" charset="0"/>
+                  </a:rPr>
+                  <a:t>c</a:t>
+                </a:r>
+              </a:p>
+            </p:txBody>
+          </p:sp>
+        </p:grpSp>
+        <p:grpSp>
+          <p:nvGrpSpPr>
+            <p:cNvPr id="9" name="Gruppieren 8">
+              <a:extLst>
+                <a:ext uri="{FF2B5EF4-FFF2-40B4-BE49-F238E27FC236}">
+                  <a16:creationId xmlns:a16="http://schemas.microsoft.com/office/drawing/2014/main" id="{E6D0EC93-8559-816B-4CC3-535FA4D41CD8}"/>
+                </a:ext>
+              </a:extLst>
+            </p:cNvPr>
+            <p:cNvGrpSpPr/>
+            <p:nvPr/>
+          </p:nvGrpSpPr>
+          <p:grpSpPr>
+            <a:xfrm>
+              <a:off x="5459909" y="4058654"/>
+              <a:ext cx="116676" cy="514925"/>
+              <a:chOff x="4230543" y="2678608"/>
+              <a:chExt cx="116676" cy="514925"/>
+            </a:xfrm>
+          </p:grpSpPr>
+          <p:sp>
+            <p:nvSpPr>
+              <p:cNvPr id="21" name="Oval 20">
+                <a:extLst>
+                  <a:ext uri="{FF2B5EF4-FFF2-40B4-BE49-F238E27FC236}">
+                    <a16:creationId xmlns:a16="http://schemas.microsoft.com/office/drawing/2014/main" id="{C2CEE4C4-F811-9E3B-1DDD-0016B5AFA84E}"/>
+                  </a:ext>
+                </a:extLst>
+              </p:cNvPr>
+              <p:cNvSpPr/>
+              <p:nvPr/>
+            </p:nvSpPr>
+            <p:spPr>
+              <a:xfrm>
+                <a:off x="4230543" y="2678608"/>
+                <a:ext cx="108940" cy="108940"/>
+              </a:xfrm>
+              <a:prstGeom prst="ellipse">
+                <a:avLst/>
+              </a:prstGeom>
+            </p:spPr>
+            <p:style>
+              <a:lnRef idx="2">
+                <a:schemeClr val="dk1">
+                  <a:shade val="15000"/>
+                </a:schemeClr>
+              </a:lnRef>
+              <a:fillRef idx="1">
+                <a:schemeClr val="dk1"/>
+              </a:fillRef>
+              <a:effectRef idx="0">
+                <a:schemeClr val="dk1"/>
+              </a:effectRef>
+              <a:fontRef idx="minor">
+                <a:schemeClr val="lt1"/>
+              </a:fontRef>
+            </p:style>
+            <p:txBody>
+              <a:bodyPr rtlCol="0" anchor="ctr"/>
+              <a:lstStyle/>
+              <a:p>
+                <a:pPr algn="ctr"/>
+                <a:endParaRPr lang="de-DE"/>
+              </a:p>
+            </p:txBody>
+          </p:sp>
+          <p:sp>
+            <p:nvSpPr>
+              <p:cNvPr id="23" name="Oval 22">
+                <a:extLst>
+                  <a:ext uri="{FF2B5EF4-FFF2-40B4-BE49-F238E27FC236}">
+                    <a16:creationId xmlns:a16="http://schemas.microsoft.com/office/drawing/2014/main" id="{4088FD7E-55F8-DB45-818E-ADC1AA55CBA4}"/>
+                  </a:ext>
+                </a:extLst>
+              </p:cNvPr>
+              <p:cNvSpPr/>
+              <p:nvPr/>
+            </p:nvSpPr>
+            <p:spPr>
+              <a:xfrm>
+                <a:off x="4233182" y="2880885"/>
+                <a:ext cx="108940" cy="108940"/>
+              </a:xfrm>
+              <a:prstGeom prst="ellipse">
+                <a:avLst/>
+              </a:prstGeom>
+            </p:spPr>
+            <p:style>
+              <a:lnRef idx="2">
+                <a:schemeClr val="dk1">
+                  <a:shade val="15000"/>
+                </a:schemeClr>
+              </a:lnRef>
+              <a:fillRef idx="1">
+                <a:schemeClr val="dk1"/>
+              </a:fillRef>
+              <a:effectRef idx="0">
+                <a:schemeClr val="dk1"/>
+              </a:effectRef>
+              <a:fontRef idx="minor">
+                <a:schemeClr val="lt1"/>
+              </a:fontRef>
+            </p:style>
+            <p:txBody>
+              <a:bodyPr rtlCol="0" anchor="ctr"/>
+              <a:lstStyle/>
+              <a:p>
+                <a:pPr algn="ctr"/>
+                <a:endParaRPr lang="de-DE"/>
+              </a:p>
+            </p:txBody>
+          </p:sp>
+          <p:sp>
+            <p:nvSpPr>
+              <p:cNvPr id="24" name="Oval 23">
+                <a:extLst>
+                  <a:ext uri="{FF2B5EF4-FFF2-40B4-BE49-F238E27FC236}">
+                    <a16:creationId xmlns:a16="http://schemas.microsoft.com/office/drawing/2014/main" id="{52B41A06-9C74-1118-4C16-31ABECEA0C47}"/>
+                  </a:ext>
+                </a:extLst>
+              </p:cNvPr>
+              <p:cNvSpPr/>
+              <p:nvPr/>
+            </p:nvSpPr>
+            <p:spPr>
+              <a:xfrm>
+                <a:off x="4238279" y="3084593"/>
+                <a:ext cx="108940" cy="108940"/>
+              </a:xfrm>
+              <a:prstGeom prst="ellipse">
+                <a:avLst/>
+              </a:prstGeom>
+            </p:spPr>
+            <p:style>
+              <a:lnRef idx="2">
+                <a:schemeClr val="dk1">
+                  <a:shade val="15000"/>
+                </a:schemeClr>
+              </a:lnRef>
+              <a:fillRef idx="1">
+                <a:schemeClr val="dk1"/>
+              </a:fillRef>
+              <a:effectRef idx="0">
+                <a:schemeClr val="dk1"/>
+              </a:effectRef>
+              <a:fontRef idx="minor">
+                <a:schemeClr val="lt1"/>
+              </a:fontRef>
+            </p:style>
+            <p:txBody>
+              <a:bodyPr rtlCol="0" anchor="ctr"/>
+              <a:lstStyle/>
+              <a:p>
+                <a:pPr algn="ctr"/>
+                <a:endParaRPr lang="de-DE"/>
+              </a:p>
+            </p:txBody>
+          </p:sp>
+        </p:grpSp>
+        <p:grpSp>
+          <p:nvGrpSpPr>
+            <p:cNvPr id="10" name="Gruppieren 9">
+              <a:extLst>
+                <a:ext uri="{FF2B5EF4-FFF2-40B4-BE49-F238E27FC236}">
+                  <a16:creationId xmlns:a16="http://schemas.microsoft.com/office/drawing/2014/main" id="{BC09D5EB-D4FA-B21A-2B2F-B8D422D531B5}"/>
+                </a:ext>
+              </a:extLst>
+            </p:cNvPr>
+            <p:cNvGrpSpPr/>
+            <p:nvPr/>
+          </p:nvGrpSpPr>
+          <p:grpSpPr>
+            <a:xfrm>
+              <a:off x="5467645" y="2430812"/>
+              <a:ext cx="116676" cy="514925"/>
+              <a:chOff x="4230543" y="2678608"/>
+              <a:chExt cx="116676" cy="514925"/>
+            </a:xfrm>
+          </p:grpSpPr>
+          <p:sp>
+            <p:nvSpPr>
+              <p:cNvPr id="11" name="Oval 10">
+                <a:extLst>
+                  <a:ext uri="{FF2B5EF4-FFF2-40B4-BE49-F238E27FC236}">
+                    <a16:creationId xmlns:a16="http://schemas.microsoft.com/office/drawing/2014/main" id="{6F131E23-C10D-94FE-F50A-009BF00FE7A8}"/>
+                  </a:ext>
+                </a:extLst>
+              </p:cNvPr>
+              <p:cNvSpPr/>
+              <p:nvPr/>
+            </p:nvSpPr>
+            <p:spPr>
+              <a:xfrm>
+                <a:off x="4230543" y="2678608"/>
+                <a:ext cx="108940" cy="108940"/>
+              </a:xfrm>
+              <a:prstGeom prst="ellipse">
+                <a:avLst/>
+              </a:prstGeom>
+            </p:spPr>
+            <p:style>
+              <a:lnRef idx="2">
+                <a:schemeClr val="dk1">
+                  <a:shade val="15000"/>
+                </a:schemeClr>
+              </a:lnRef>
+              <a:fillRef idx="1">
+                <a:schemeClr val="dk1"/>
+              </a:fillRef>
+              <a:effectRef idx="0">
+                <a:schemeClr val="dk1"/>
+              </a:effectRef>
+              <a:fontRef idx="minor">
+                <a:schemeClr val="lt1"/>
+              </a:fontRef>
+            </p:style>
+            <p:txBody>
+              <a:bodyPr rtlCol="0" anchor="ctr"/>
+              <a:lstStyle/>
+              <a:p>
+                <a:pPr algn="ctr"/>
+                <a:endParaRPr lang="de-DE"/>
+              </a:p>
+            </p:txBody>
+          </p:sp>
+          <p:sp>
+            <p:nvSpPr>
+              <p:cNvPr id="18" name="Oval 17">
+                <a:extLst>
+                  <a:ext uri="{FF2B5EF4-FFF2-40B4-BE49-F238E27FC236}">
+                    <a16:creationId xmlns:a16="http://schemas.microsoft.com/office/drawing/2014/main" id="{5353A5F4-6021-D2F7-807F-539A89ECEFDC}"/>
+                  </a:ext>
+                </a:extLst>
+              </p:cNvPr>
+              <p:cNvSpPr/>
+              <p:nvPr/>
+            </p:nvSpPr>
+            <p:spPr>
+              <a:xfrm>
+                <a:off x="4233182" y="2880885"/>
+                <a:ext cx="108940" cy="108940"/>
+              </a:xfrm>
+              <a:prstGeom prst="ellipse">
+                <a:avLst/>
+              </a:prstGeom>
+            </p:spPr>
+            <p:style>
+              <a:lnRef idx="2">
+                <a:schemeClr val="dk1">
+                  <a:shade val="15000"/>
+                </a:schemeClr>
+              </a:lnRef>
+              <a:fillRef idx="1">
+                <a:schemeClr val="dk1"/>
+              </a:fillRef>
+              <a:effectRef idx="0">
+                <a:schemeClr val="dk1"/>
+              </a:effectRef>
+              <a:fontRef idx="minor">
+                <a:schemeClr val="lt1"/>
+              </a:fontRef>
+            </p:style>
+            <p:txBody>
+              <a:bodyPr rtlCol="0" anchor="ctr"/>
+              <a:lstStyle/>
+              <a:p>
+                <a:pPr algn="ctr"/>
+                <a:endParaRPr lang="de-DE"/>
+              </a:p>
+            </p:txBody>
+          </p:sp>
+          <p:sp>
+            <p:nvSpPr>
+              <p:cNvPr id="19" name="Oval 18">
+                <a:extLst>
+                  <a:ext uri="{FF2B5EF4-FFF2-40B4-BE49-F238E27FC236}">
+                    <a16:creationId xmlns:a16="http://schemas.microsoft.com/office/drawing/2014/main" id="{B64AC90D-10C9-4A3D-A2EF-587C725ECD49}"/>
+                  </a:ext>
+                </a:extLst>
+              </p:cNvPr>
+              <p:cNvSpPr/>
+              <p:nvPr/>
+            </p:nvSpPr>
+            <p:spPr>
+              <a:xfrm>
+                <a:off x="4238279" y="3084593"/>
+                <a:ext cx="108940" cy="108940"/>
+              </a:xfrm>
+              <a:prstGeom prst="ellipse">
+                <a:avLst/>
+              </a:prstGeom>
+            </p:spPr>
+            <p:style>
+              <a:lnRef idx="2">
+                <a:schemeClr val="dk1">
+                  <a:shade val="15000"/>
+                </a:schemeClr>
+              </a:lnRef>
+              <a:fillRef idx="1">
+                <a:schemeClr val="dk1"/>
+              </a:fillRef>
+              <a:effectRef idx="0">
+                <a:schemeClr val="dk1"/>
+              </a:effectRef>
+              <a:fontRef idx="minor">
+                <a:schemeClr val="lt1"/>
+              </a:fontRef>
+            </p:style>
+            <p:txBody>
+              <a:bodyPr rtlCol="0" anchor="ctr"/>
+              <a:lstStyle/>
+              <a:p>
+                <a:pPr algn="ctr"/>
+                <a:endParaRPr lang="de-DE"/>
+              </a:p>
+            </p:txBody>
+          </p:sp>
+        </p:grpSp>
+      </p:grpSp>
+      <p:grpSp>
+        <p:nvGrpSpPr>
+          <p:cNvPr id="35" name="Gruppieren 34">
+            <a:extLst>
+              <a:ext uri="{FF2B5EF4-FFF2-40B4-BE49-F238E27FC236}">
+                <a16:creationId xmlns:a16="http://schemas.microsoft.com/office/drawing/2014/main" id="{3EA02106-E225-C962-C185-9D953AD2B8EC}"/>
+              </a:ext>
+            </a:extLst>
+          </p:cNvPr>
+          <p:cNvGrpSpPr/>
+          <p:nvPr/>
+        </p:nvGrpSpPr>
+        <p:grpSpPr>
+          <a:xfrm rot="16200000">
+            <a:off x="5331968" y="1020033"/>
             <a:ext cx="116676" cy="514925"/>
-            <a:chOff x="4230543" y="2678608"/>
+            <a:chOff x="4530447" y="2615485"/>
             <a:chExt cx="116676" cy="514925"/>
           </a:xfrm>
         </p:grpSpPr>
         <p:sp>
           <p:nvSpPr>
-            <p:cNvPr id="141" name="Oval 140">
+            <p:cNvPr id="32" name="Oval 31">
               <a:extLst>
                 <a:ext uri="{FF2B5EF4-FFF2-40B4-BE49-F238E27FC236}">
-                  <a16:creationId xmlns:a16="http://schemas.microsoft.com/office/drawing/2014/main" id="{E02B8E07-F81F-5AE1-4490-E660B9593A09}"/>
+                  <a16:creationId xmlns:a16="http://schemas.microsoft.com/office/drawing/2014/main" id="{32277B57-50D4-C638-2D3A-2BC9CEE8A953}"/>
                 </a:ext>
               </a:extLst>
             </p:cNvPr>
@@ -4606,7 +6365,7 @@
           </p:nvSpPr>
           <p:spPr>
             <a:xfrm>
-              <a:off x="4230543" y="2678608"/>
+              <a:off x="4530447" y="2615485"/>
               <a:ext cx="108940" cy="108940"/>
             </a:xfrm>
             <a:prstGeom prst="ellipse">
@@ -4640,10 +6399,10 @@
         </p:sp>
         <p:sp>
           <p:nvSpPr>
-            <p:cNvPr id="142" name="Oval 141">
+            <p:cNvPr id="33" name="Oval 32">
               <a:extLst>
                 <a:ext uri="{FF2B5EF4-FFF2-40B4-BE49-F238E27FC236}">
-                  <a16:creationId xmlns:a16="http://schemas.microsoft.com/office/drawing/2014/main" id="{A981FD06-3ACC-E1B5-089D-27426E8915D6}"/>
+                  <a16:creationId xmlns:a16="http://schemas.microsoft.com/office/drawing/2014/main" id="{5908BB38-7CA8-C25E-B36C-3AEDE9233BC2}"/>
                 </a:ext>
               </a:extLst>
             </p:cNvPr>
@@ -4652,7 +6411,7 @@
           </p:nvSpPr>
           <p:spPr>
             <a:xfrm>
-              <a:off x="4233182" y="2880885"/>
+              <a:off x="4533086" y="2817762"/>
               <a:ext cx="108940" cy="108940"/>
             </a:xfrm>
             <a:prstGeom prst="ellipse">
@@ -4686,10 +6445,10 @@
         </p:sp>
         <p:sp>
           <p:nvSpPr>
-            <p:cNvPr id="143" name="Oval 142">
+            <p:cNvPr id="34" name="Oval 33">
               <a:extLst>
                 <a:ext uri="{FF2B5EF4-FFF2-40B4-BE49-F238E27FC236}">
-                  <a16:creationId xmlns:a16="http://schemas.microsoft.com/office/drawing/2014/main" id="{70761911-54C3-5E2E-3AAB-9398B507EA27}"/>
+                  <a16:creationId xmlns:a16="http://schemas.microsoft.com/office/drawing/2014/main" id="{9C63B75E-C40B-4A87-7249-79CA8C8C6779}"/>
                 </a:ext>
               </a:extLst>
             </p:cNvPr>
@@ -4698,7 +6457,7 @@
           </p:nvSpPr>
           <p:spPr>
             <a:xfrm>
-              <a:off x="4238279" y="3084593"/>
+              <a:off x="4538183" y="3021470"/>
               <a:ext cx="108940" cy="108940"/>
             </a:xfrm>
             <a:prstGeom prst="ellipse">
@@ -4731,12 +6490,51 @@
           </p:txBody>
         </p:sp>
       </p:grpSp>
+      <p:sp>
+        <p:nvSpPr>
+          <p:cNvPr id="36" name="Textfeld 35">
+            <a:extLst>
+              <a:ext uri="{FF2B5EF4-FFF2-40B4-BE49-F238E27FC236}">
+                <a16:creationId xmlns:a16="http://schemas.microsoft.com/office/drawing/2014/main" id="{B939A366-5FCA-E3DF-1C17-129C5D01B878}"/>
+              </a:ext>
+            </a:extLst>
+          </p:cNvPr>
+          <p:cNvSpPr txBox="1"/>
+          <p:nvPr/>
+        </p:nvSpPr>
+        <p:spPr>
+          <a:xfrm>
+            <a:off x="5781993" y="749517"/>
+            <a:ext cx="492443" cy="923330"/>
+          </a:xfrm>
+          <a:prstGeom prst="rect">
+            <a:avLst/>
+          </a:prstGeom>
+          <a:noFill/>
+        </p:spPr>
+        <p:txBody>
+          <a:bodyPr wrap="square" rtlCol="0">
+            <a:spAutoFit/>
+          </a:bodyPr>
+          <a:lstStyle/>
+          <a:p>
+            <a:pPr algn="ctr"/>
+            <a:r>
+              <a:rPr lang="de-DE" sz="5400" dirty="0">
+                <a:latin typeface="Times New Roman" panose="02020603050405020304" pitchFamily="18" charset="0"/>
+                <a:cs typeface="Times New Roman" panose="02020603050405020304" pitchFamily="18" charset="0"/>
+              </a:rPr>
+              <a:t>l</a:t>
+            </a:r>
+          </a:p>
+        </p:txBody>
+      </p:sp>
       <p:grpSp>
         <p:nvGrpSpPr>
-          <p:cNvPr id="145" name="Gruppieren 144">
+          <p:cNvPr id="37" name="Gruppieren 36">
             <a:extLst>
               <a:ext uri="{FF2B5EF4-FFF2-40B4-BE49-F238E27FC236}">
-                <a16:creationId xmlns:a16="http://schemas.microsoft.com/office/drawing/2014/main" id="{924025C3-2983-8A28-4893-23DBC9C0EED2}"/>
+                <a16:creationId xmlns:a16="http://schemas.microsoft.com/office/drawing/2014/main" id="{40B1C6F1-DCEE-E518-C91C-16BBFC790682}"/>
               </a:ext>
             </a:extLst>
           </p:cNvPr>
@@ -4744,19 +6542,19 @@
           <p:nvPr/>
         </p:nvGrpSpPr>
         <p:grpSpPr>
-          <a:xfrm>
-            <a:off x="5467645" y="2430812"/>
+          <a:xfrm rot="16200000">
+            <a:off x="6596133" y="1022812"/>
             <a:ext cx="116676" cy="514925"/>
-            <a:chOff x="4230543" y="2678608"/>
+            <a:chOff x="4530447" y="2615485"/>
             <a:chExt cx="116676" cy="514925"/>
           </a:xfrm>
         </p:grpSpPr>
         <p:sp>
           <p:nvSpPr>
-            <p:cNvPr id="146" name="Oval 145">
+            <p:cNvPr id="38" name="Oval 37">
               <a:extLst>
                 <a:ext uri="{FF2B5EF4-FFF2-40B4-BE49-F238E27FC236}">
-                  <a16:creationId xmlns:a16="http://schemas.microsoft.com/office/drawing/2014/main" id="{82C27C42-3A51-76F4-8551-970199EB1308}"/>
+                  <a16:creationId xmlns:a16="http://schemas.microsoft.com/office/drawing/2014/main" id="{B14D7400-87F4-097B-F13C-BAD9EE44405F}"/>
                 </a:ext>
               </a:extLst>
             </p:cNvPr>
@@ -4765,7 +6563,7 @@
           </p:nvSpPr>
           <p:spPr>
             <a:xfrm>
-              <a:off x="4230543" y="2678608"/>
+              <a:off x="4530447" y="2615485"/>
               <a:ext cx="108940" cy="108940"/>
             </a:xfrm>
             <a:prstGeom prst="ellipse">
@@ -4799,10 +6597,10 @@
         </p:sp>
         <p:sp>
           <p:nvSpPr>
-            <p:cNvPr id="147" name="Oval 146">
+            <p:cNvPr id="39" name="Oval 38">
               <a:extLst>
                 <a:ext uri="{FF2B5EF4-FFF2-40B4-BE49-F238E27FC236}">
-                  <a16:creationId xmlns:a16="http://schemas.microsoft.com/office/drawing/2014/main" id="{88E38F66-6D51-D808-4CF1-C56BA94F4B7F}"/>
+                  <a16:creationId xmlns:a16="http://schemas.microsoft.com/office/drawing/2014/main" id="{B38C4877-9893-9512-9BCD-F688EC59C419}"/>
                 </a:ext>
               </a:extLst>
             </p:cNvPr>
@@ -4811,7 +6609,7 @@
           </p:nvSpPr>
           <p:spPr>
             <a:xfrm>
-              <a:off x="4233182" y="2880885"/>
+              <a:off x="4533086" y="2817762"/>
               <a:ext cx="108940" cy="108940"/>
             </a:xfrm>
             <a:prstGeom prst="ellipse">
@@ -4845,10 +6643,10 @@
         </p:sp>
         <p:sp>
           <p:nvSpPr>
-            <p:cNvPr id="148" name="Oval 147">
+            <p:cNvPr id="40" name="Oval 39">
               <a:extLst>
                 <a:ext uri="{FF2B5EF4-FFF2-40B4-BE49-F238E27FC236}">
-                  <a16:creationId xmlns:a16="http://schemas.microsoft.com/office/drawing/2014/main" id="{9DA0DC79-8EF2-BB95-58A8-DACFFB321B96}"/>
+                  <a16:creationId xmlns:a16="http://schemas.microsoft.com/office/drawing/2014/main" id="{D1746086-80EC-FB61-354E-0F65BE1F927D}"/>
                 </a:ext>
               </a:extLst>
             </p:cNvPr>
@@ -4857,701 +6655,7 @@
           </p:nvSpPr>
           <p:spPr>
             <a:xfrm>
-              <a:off x="4238279" y="3084593"/>
-              <a:ext cx="108940" cy="108940"/>
-            </a:xfrm>
-            <a:prstGeom prst="ellipse">
-              <a:avLst/>
-            </a:prstGeom>
-          </p:spPr>
-          <p:style>
-            <a:lnRef idx="2">
-              <a:schemeClr val="dk1">
-                <a:shade val="15000"/>
-              </a:schemeClr>
-            </a:lnRef>
-            <a:fillRef idx="1">
-              <a:schemeClr val="dk1"/>
-            </a:fillRef>
-            <a:effectRef idx="0">
-              <a:schemeClr val="dk1"/>
-            </a:effectRef>
-            <a:fontRef idx="minor">
-              <a:schemeClr val="lt1"/>
-            </a:fontRef>
-          </p:style>
-          <p:txBody>
-            <a:bodyPr rtlCol="0" anchor="ctr"/>
-            <a:lstStyle/>
-            <a:p>
-              <a:pPr algn="ctr"/>
-              <a:endParaRPr lang="de-DE"/>
-            </a:p>
-          </p:txBody>
-        </p:sp>
-      </p:grpSp>
-      <p:grpSp>
-        <p:nvGrpSpPr>
-          <p:cNvPr id="149" name="Gruppieren 148">
-            <a:extLst>
-              <a:ext uri="{FF2B5EF4-FFF2-40B4-BE49-F238E27FC236}">
-                <a16:creationId xmlns:a16="http://schemas.microsoft.com/office/drawing/2014/main" id="{740421BF-F7DA-B9DE-C77A-03EAAF887F68}"/>
-              </a:ext>
-            </a:extLst>
-          </p:cNvPr>
-          <p:cNvGrpSpPr/>
-          <p:nvPr/>
-        </p:nvGrpSpPr>
-        <p:grpSpPr>
-          <a:xfrm>
-            <a:off x="2886920" y="2118164"/>
-            <a:ext cx="116676" cy="514925"/>
-            <a:chOff x="4230543" y="2678608"/>
-            <a:chExt cx="116676" cy="514925"/>
-          </a:xfrm>
-        </p:grpSpPr>
-        <p:sp>
-          <p:nvSpPr>
-            <p:cNvPr id="150" name="Oval 149">
-              <a:extLst>
-                <a:ext uri="{FF2B5EF4-FFF2-40B4-BE49-F238E27FC236}">
-                  <a16:creationId xmlns:a16="http://schemas.microsoft.com/office/drawing/2014/main" id="{2B8AD718-AD75-0EC1-79F5-3C4E6544CDDC}"/>
-                </a:ext>
-              </a:extLst>
-            </p:cNvPr>
-            <p:cNvSpPr/>
-            <p:nvPr/>
-          </p:nvSpPr>
-          <p:spPr>
-            <a:xfrm>
-              <a:off x="4230543" y="2678608"/>
-              <a:ext cx="108940" cy="108940"/>
-            </a:xfrm>
-            <a:prstGeom prst="ellipse">
-              <a:avLst/>
-            </a:prstGeom>
-          </p:spPr>
-          <p:style>
-            <a:lnRef idx="2">
-              <a:schemeClr val="dk1">
-                <a:shade val="15000"/>
-              </a:schemeClr>
-            </a:lnRef>
-            <a:fillRef idx="1">
-              <a:schemeClr val="dk1"/>
-            </a:fillRef>
-            <a:effectRef idx="0">
-              <a:schemeClr val="dk1"/>
-            </a:effectRef>
-            <a:fontRef idx="minor">
-              <a:schemeClr val="lt1"/>
-            </a:fontRef>
-          </p:style>
-          <p:txBody>
-            <a:bodyPr rtlCol="0" anchor="ctr"/>
-            <a:lstStyle/>
-            <a:p>
-              <a:pPr algn="ctr"/>
-              <a:endParaRPr lang="de-DE"/>
-            </a:p>
-          </p:txBody>
-        </p:sp>
-        <p:sp>
-          <p:nvSpPr>
-            <p:cNvPr id="151" name="Oval 150">
-              <a:extLst>
-                <a:ext uri="{FF2B5EF4-FFF2-40B4-BE49-F238E27FC236}">
-                  <a16:creationId xmlns:a16="http://schemas.microsoft.com/office/drawing/2014/main" id="{25252E29-9C81-8427-4CC9-7178E81F091B}"/>
-                </a:ext>
-              </a:extLst>
-            </p:cNvPr>
-            <p:cNvSpPr/>
-            <p:nvPr/>
-          </p:nvSpPr>
-          <p:spPr>
-            <a:xfrm>
-              <a:off x="4233182" y="2880885"/>
-              <a:ext cx="108940" cy="108940"/>
-            </a:xfrm>
-            <a:prstGeom prst="ellipse">
-              <a:avLst/>
-            </a:prstGeom>
-          </p:spPr>
-          <p:style>
-            <a:lnRef idx="2">
-              <a:schemeClr val="dk1">
-                <a:shade val="15000"/>
-              </a:schemeClr>
-            </a:lnRef>
-            <a:fillRef idx="1">
-              <a:schemeClr val="dk1"/>
-            </a:fillRef>
-            <a:effectRef idx="0">
-              <a:schemeClr val="dk1"/>
-            </a:effectRef>
-            <a:fontRef idx="minor">
-              <a:schemeClr val="lt1"/>
-            </a:fontRef>
-          </p:style>
-          <p:txBody>
-            <a:bodyPr rtlCol="0" anchor="ctr"/>
-            <a:lstStyle/>
-            <a:p>
-              <a:pPr algn="ctr"/>
-              <a:endParaRPr lang="de-DE"/>
-            </a:p>
-          </p:txBody>
-        </p:sp>
-        <p:sp>
-          <p:nvSpPr>
-            <p:cNvPr id="152" name="Oval 151">
-              <a:extLst>
-                <a:ext uri="{FF2B5EF4-FFF2-40B4-BE49-F238E27FC236}">
-                  <a16:creationId xmlns:a16="http://schemas.microsoft.com/office/drawing/2014/main" id="{E47E49A8-6991-4629-DBBB-7474CAA5A18E}"/>
-                </a:ext>
-              </a:extLst>
-            </p:cNvPr>
-            <p:cNvSpPr/>
-            <p:nvPr/>
-          </p:nvSpPr>
-          <p:spPr>
-            <a:xfrm>
-              <a:off x="4238279" y="3084593"/>
-              <a:ext cx="108940" cy="108940"/>
-            </a:xfrm>
-            <a:prstGeom prst="ellipse">
-              <a:avLst/>
-            </a:prstGeom>
-          </p:spPr>
-          <p:style>
-            <a:lnRef idx="2">
-              <a:schemeClr val="dk1">
-                <a:shade val="15000"/>
-              </a:schemeClr>
-            </a:lnRef>
-            <a:fillRef idx="1">
-              <a:schemeClr val="dk1"/>
-            </a:fillRef>
-            <a:effectRef idx="0">
-              <a:schemeClr val="dk1"/>
-            </a:effectRef>
-            <a:fontRef idx="minor">
-              <a:schemeClr val="lt1"/>
-            </a:fontRef>
-          </p:style>
-          <p:txBody>
-            <a:bodyPr rtlCol="0" anchor="ctr"/>
-            <a:lstStyle/>
-            <a:p>
-              <a:pPr algn="ctr"/>
-              <a:endParaRPr lang="de-DE"/>
-            </a:p>
-          </p:txBody>
-        </p:sp>
-      </p:grpSp>
-      <p:grpSp>
-        <p:nvGrpSpPr>
-          <p:cNvPr id="153" name="Gruppieren 152">
-            <a:extLst>
-              <a:ext uri="{FF2B5EF4-FFF2-40B4-BE49-F238E27FC236}">
-                <a16:creationId xmlns:a16="http://schemas.microsoft.com/office/drawing/2014/main" id="{C868DCDD-1713-F647-1CC6-8FFCB30D00E6}"/>
-              </a:ext>
-            </a:extLst>
-          </p:cNvPr>
-          <p:cNvGrpSpPr/>
-          <p:nvPr/>
-        </p:nvGrpSpPr>
-        <p:grpSpPr>
-          <a:xfrm>
-            <a:off x="4231443" y="3206314"/>
-            <a:ext cx="116676" cy="514925"/>
-            <a:chOff x="4230543" y="2678608"/>
-            <a:chExt cx="116676" cy="514925"/>
-          </a:xfrm>
-          <a:solidFill>
-            <a:schemeClr val="bg1">
-              <a:lumMod val="75000"/>
-            </a:schemeClr>
-          </a:solidFill>
-        </p:grpSpPr>
-        <p:sp>
-          <p:nvSpPr>
-            <p:cNvPr id="154" name="Oval 153">
-              <a:extLst>
-                <a:ext uri="{FF2B5EF4-FFF2-40B4-BE49-F238E27FC236}">
-                  <a16:creationId xmlns:a16="http://schemas.microsoft.com/office/drawing/2014/main" id="{1F22D02A-AC54-221D-FB1C-66496D09CB22}"/>
-                </a:ext>
-              </a:extLst>
-            </p:cNvPr>
-            <p:cNvSpPr/>
-            <p:nvPr/>
-          </p:nvSpPr>
-          <p:spPr>
-            <a:xfrm>
-              <a:off x="4230543" y="2678608"/>
-              <a:ext cx="108940" cy="108940"/>
-            </a:xfrm>
-            <a:prstGeom prst="ellipse">
-              <a:avLst/>
-            </a:prstGeom>
-            <a:grpFill/>
-            <a:ln>
-              <a:solidFill>
-                <a:schemeClr val="bg1">
-                  <a:lumMod val="75000"/>
-                </a:schemeClr>
-              </a:solidFill>
-            </a:ln>
-          </p:spPr>
-          <p:style>
-            <a:lnRef idx="2">
-              <a:schemeClr val="dk1">
-                <a:shade val="15000"/>
-              </a:schemeClr>
-            </a:lnRef>
-            <a:fillRef idx="1">
-              <a:schemeClr val="dk1"/>
-            </a:fillRef>
-            <a:effectRef idx="0">
-              <a:schemeClr val="dk1"/>
-            </a:effectRef>
-            <a:fontRef idx="minor">
-              <a:schemeClr val="lt1"/>
-            </a:fontRef>
-          </p:style>
-          <p:txBody>
-            <a:bodyPr rtlCol="0" anchor="ctr"/>
-            <a:lstStyle/>
-            <a:p>
-              <a:pPr algn="ctr"/>
-              <a:endParaRPr lang="de-DE"/>
-            </a:p>
-          </p:txBody>
-        </p:sp>
-        <p:sp>
-          <p:nvSpPr>
-            <p:cNvPr id="155" name="Oval 154">
-              <a:extLst>
-                <a:ext uri="{FF2B5EF4-FFF2-40B4-BE49-F238E27FC236}">
-                  <a16:creationId xmlns:a16="http://schemas.microsoft.com/office/drawing/2014/main" id="{B1D4ED2C-D480-F3D7-66A1-7182C81CE3FD}"/>
-                </a:ext>
-              </a:extLst>
-            </p:cNvPr>
-            <p:cNvSpPr/>
-            <p:nvPr/>
-          </p:nvSpPr>
-          <p:spPr>
-            <a:xfrm>
-              <a:off x="4233182" y="2880885"/>
-              <a:ext cx="108940" cy="108940"/>
-            </a:xfrm>
-            <a:prstGeom prst="ellipse">
-              <a:avLst/>
-            </a:prstGeom>
-            <a:grpFill/>
-            <a:ln>
-              <a:solidFill>
-                <a:schemeClr val="bg1">
-                  <a:lumMod val="75000"/>
-                </a:schemeClr>
-              </a:solidFill>
-            </a:ln>
-          </p:spPr>
-          <p:style>
-            <a:lnRef idx="2">
-              <a:schemeClr val="dk1">
-                <a:shade val="15000"/>
-              </a:schemeClr>
-            </a:lnRef>
-            <a:fillRef idx="1">
-              <a:schemeClr val="dk1"/>
-            </a:fillRef>
-            <a:effectRef idx="0">
-              <a:schemeClr val="dk1"/>
-            </a:effectRef>
-            <a:fontRef idx="minor">
-              <a:schemeClr val="lt1"/>
-            </a:fontRef>
-          </p:style>
-          <p:txBody>
-            <a:bodyPr rtlCol="0" anchor="ctr"/>
-            <a:lstStyle/>
-            <a:p>
-              <a:pPr algn="ctr"/>
-              <a:endParaRPr lang="de-DE"/>
-            </a:p>
-          </p:txBody>
-        </p:sp>
-        <p:sp>
-          <p:nvSpPr>
-            <p:cNvPr id="156" name="Oval 155">
-              <a:extLst>
-                <a:ext uri="{FF2B5EF4-FFF2-40B4-BE49-F238E27FC236}">
-                  <a16:creationId xmlns:a16="http://schemas.microsoft.com/office/drawing/2014/main" id="{BC96A038-DBE9-0A51-F5FB-74DAF5B0CE33}"/>
-                </a:ext>
-              </a:extLst>
-            </p:cNvPr>
-            <p:cNvSpPr/>
-            <p:nvPr/>
-          </p:nvSpPr>
-          <p:spPr>
-            <a:xfrm>
-              <a:off x="4238279" y="3084593"/>
-              <a:ext cx="108940" cy="108940"/>
-            </a:xfrm>
-            <a:prstGeom prst="ellipse">
-              <a:avLst/>
-            </a:prstGeom>
-            <a:grpFill/>
-            <a:ln>
-              <a:solidFill>
-                <a:schemeClr val="bg1">
-                  <a:lumMod val="75000"/>
-                </a:schemeClr>
-              </a:solidFill>
-            </a:ln>
-          </p:spPr>
-          <p:style>
-            <a:lnRef idx="2">
-              <a:schemeClr val="dk1">
-                <a:shade val="15000"/>
-              </a:schemeClr>
-            </a:lnRef>
-            <a:fillRef idx="1">
-              <a:schemeClr val="dk1"/>
-            </a:fillRef>
-            <a:effectRef idx="0">
-              <a:schemeClr val="dk1"/>
-            </a:effectRef>
-            <a:fontRef idx="minor">
-              <a:schemeClr val="lt1"/>
-            </a:fontRef>
-          </p:style>
-          <p:txBody>
-            <a:bodyPr rtlCol="0" anchor="ctr"/>
-            <a:lstStyle/>
-            <a:p>
-              <a:pPr algn="ctr"/>
-              <a:endParaRPr lang="de-DE"/>
-            </a:p>
-          </p:txBody>
-        </p:sp>
-      </p:grpSp>
-      <p:grpSp>
-        <p:nvGrpSpPr>
-          <p:cNvPr id="157" name="Gruppieren 156">
-            <a:extLst>
-              <a:ext uri="{FF2B5EF4-FFF2-40B4-BE49-F238E27FC236}">
-                <a16:creationId xmlns:a16="http://schemas.microsoft.com/office/drawing/2014/main" id="{7A052EA9-0C45-2F72-15CD-289BECF873C6}"/>
-              </a:ext>
-            </a:extLst>
-          </p:cNvPr>
-          <p:cNvGrpSpPr/>
-          <p:nvPr/>
-        </p:nvGrpSpPr>
-        <p:grpSpPr>
-          <a:xfrm>
-            <a:off x="6939161" y="3202240"/>
-            <a:ext cx="116676" cy="514925"/>
-            <a:chOff x="4230543" y="2678608"/>
-            <a:chExt cx="116676" cy="514925"/>
-          </a:xfrm>
-          <a:solidFill>
-            <a:schemeClr val="bg1">
-              <a:lumMod val="75000"/>
-            </a:schemeClr>
-          </a:solidFill>
-        </p:grpSpPr>
-        <p:sp>
-          <p:nvSpPr>
-            <p:cNvPr id="158" name="Oval 157">
-              <a:extLst>
-                <a:ext uri="{FF2B5EF4-FFF2-40B4-BE49-F238E27FC236}">
-                  <a16:creationId xmlns:a16="http://schemas.microsoft.com/office/drawing/2014/main" id="{FDB06B35-B5DC-4BCC-9956-36BA21835B0E}"/>
-                </a:ext>
-              </a:extLst>
-            </p:cNvPr>
-            <p:cNvSpPr/>
-            <p:nvPr/>
-          </p:nvSpPr>
-          <p:spPr>
-            <a:xfrm>
-              <a:off x="4230543" y="2678608"/>
-              <a:ext cx="108940" cy="108940"/>
-            </a:xfrm>
-            <a:prstGeom prst="ellipse">
-              <a:avLst/>
-            </a:prstGeom>
-            <a:grpFill/>
-            <a:ln>
-              <a:solidFill>
-                <a:schemeClr val="bg1">
-                  <a:lumMod val="75000"/>
-                </a:schemeClr>
-              </a:solidFill>
-            </a:ln>
-          </p:spPr>
-          <p:style>
-            <a:lnRef idx="2">
-              <a:schemeClr val="dk1">
-                <a:shade val="15000"/>
-              </a:schemeClr>
-            </a:lnRef>
-            <a:fillRef idx="1">
-              <a:schemeClr val="dk1"/>
-            </a:fillRef>
-            <a:effectRef idx="0">
-              <a:schemeClr val="dk1"/>
-            </a:effectRef>
-            <a:fontRef idx="minor">
-              <a:schemeClr val="lt1"/>
-            </a:fontRef>
-          </p:style>
-          <p:txBody>
-            <a:bodyPr rtlCol="0" anchor="ctr"/>
-            <a:lstStyle/>
-            <a:p>
-              <a:pPr algn="ctr"/>
-              <a:endParaRPr lang="de-DE"/>
-            </a:p>
-          </p:txBody>
-        </p:sp>
-        <p:sp>
-          <p:nvSpPr>
-            <p:cNvPr id="159" name="Oval 158">
-              <a:extLst>
-                <a:ext uri="{FF2B5EF4-FFF2-40B4-BE49-F238E27FC236}">
-                  <a16:creationId xmlns:a16="http://schemas.microsoft.com/office/drawing/2014/main" id="{2E5ADAAE-A32B-85F4-E5C4-EF872843E180}"/>
-                </a:ext>
-              </a:extLst>
-            </p:cNvPr>
-            <p:cNvSpPr/>
-            <p:nvPr/>
-          </p:nvSpPr>
-          <p:spPr>
-            <a:xfrm>
-              <a:off x="4233182" y="2880885"/>
-              <a:ext cx="108940" cy="108940"/>
-            </a:xfrm>
-            <a:prstGeom prst="ellipse">
-              <a:avLst/>
-            </a:prstGeom>
-            <a:grpFill/>
-            <a:ln>
-              <a:solidFill>
-                <a:schemeClr val="bg1">
-                  <a:lumMod val="75000"/>
-                </a:schemeClr>
-              </a:solidFill>
-            </a:ln>
-          </p:spPr>
-          <p:style>
-            <a:lnRef idx="2">
-              <a:schemeClr val="dk1">
-                <a:shade val="15000"/>
-              </a:schemeClr>
-            </a:lnRef>
-            <a:fillRef idx="1">
-              <a:schemeClr val="dk1"/>
-            </a:fillRef>
-            <a:effectRef idx="0">
-              <a:schemeClr val="dk1"/>
-            </a:effectRef>
-            <a:fontRef idx="minor">
-              <a:schemeClr val="lt1"/>
-            </a:fontRef>
-          </p:style>
-          <p:txBody>
-            <a:bodyPr rtlCol="0" anchor="ctr"/>
-            <a:lstStyle/>
-            <a:p>
-              <a:pPr algn="ctr"/>
-              <a:endParaRPr lang="de-DE"/>
-            </a:p>
-          </p:txBody>
-        </p:sp>
-        <p:sp>
-          <p:nvSpPr>
-            <p:cNvPr id="160" name="Oval 159">
-              <a:extLst>
-                <a:ext uri="{FF2B5EF4-FFF2-40B4-BE49-F238E27FC236}">
-                  <a16:creationId xmlns:a16="http://schemas.microsoft.com/office/drawing/2014/main" id="{32347F6B-2653-76C2-C9EA-FF2E907B4C33}"/>
-                </a:ext>
-              </a:extLst>
-            </p:cNvPr>
-            <p:cNvSpPr/>
-            <p:nvPr/>
-          </p:nvSpPr>
-          <p:spPr>
-            <a:xfrm>
-              <a:off x="4238279" y="3084593"/>
-              <a:ext cx="108940" cy="108940"/>
-            </a:xfrm>
-            <a:prstGeom prst="ellipse">
-              <a:avLst/>
-            </a:prstGeom>
-            <a:grpFill/>
-            <a:ln>
-              <a:solidFill>
-                <a:schemeClr val="bg1">
-                  <a:lumMod val="75000"/>
-                </a:schemeClr>
-              </a:solidFill>
-            </a:ln>
-          </p:spPr>
-          <p:style>
-            <a:lnRef idx="2">
-              <a:schemeClr val="dk1">
-                <a:shade val="15000"/>
-              </a:schemeClr>
-            </a:lnRef>
-            <a:fillRef idx="1">
-              <a:schemeClr val="dk1"/>
-            </a:fillRef>
-            <a:effectRef idx="0">
-              <a:schemeClr val="dk1"/>
-            </a:effectRef>
-            <a:fontRef idx="minor">
-              <a:schemeClr val="lt1"/>
-            </a:fontRef>
-          </p:style>
-          <p:txBody>
-            <a:bodyPr rtlCol="0" anchor="ctr"/>
-            <a:lstStyle/>
-            <a:p>
-              <a:pPr algn="ctr"/>
-              <a:endParaRPr lang="de-DE"/>
-            </a:p>
-          </p:txBody>
-        </p:sp>
-      </p:grpSp>
-      <p:grpSp>
-        <p:nvGrpSpPr>
-          <p:cNvPr id="161" name="Gruppieren 160">
-            <a:extLst>
-              <a:ext uri="{FF2B5EF4-FFF2-40B4-BE49-F238E27FC236}">
-                <a16:creationId xmlns:a16="http://schemas.microsoft.com/office/drawing/2014/main" id="{EF4477F5-FBE0-40DC-AB2E-0540883FB808}"/>
-              </a:ext>
-            </a:extLst>
-          </p:cNvPr>
-          <p:cNvGrpSpPr/>
-          <p:nvPr/>
-        </p:nvGrpSpPr>
-        <p:grpSpPr>
-          <a:xfrm>
-            <a:off x="2870294" y="4226408"/>
-            <a:ext cx="116676" cy="514925"/>
-            <a:chOff x="4230543" y="2678608"/>
-            <a:chExt cx="116676" cy="514925"/>
-          </a:xfrm>
-        </p:grpSpPr>
-        <p:sp>
-          <p:nvSpPr>
-            <p:cNvPr id="162" name="Oval 161">
-              <a:extLst>
-                <a:ext uri="{FF2B5EF4-FFF2-40B4-BE49-F238E27FC236}">
-                  <a16:creationId xmlns:a16="http://schemas.microsoft.com/office/drawing/2014/main" id="{7A332A74-1211-8F1D-0D1B-6B8A36379066}"/>
-                </a:ext>
-              </a:extLst>
-            </p:cNvPr>
-            <p:cNvSpPr/>
-            <p:nvPr/>
-          </p:nvSpPr>
-          <p:spPr>
-            <a:xfrm>
-              <a:off x="4230543" y="2678608"/>
-              <a:ext cx="108940" cy="108940"/>
-            </a:xfrm>
-            <a:prstGeom prst="ellipse">
-              <a:avLst/>
-            </a:prstGeom>
-          </p:spPr>
-          <p:style>
-            <a:lnRef idx="2">
-              <a:schemeClr val="dk1">
-                <a:shade val="15000"/>
-              </a:schemeClr>
-            </a:lnRef>
-            <a:fillRef idx="1">
-              <a:schemeClr val="dk1"/>
-            </a:fillRef>
-            <a:effectRef idx="0">
-              <a:schemeClr val="dk1"/>
-            </a:effectRef>
-            <a:fontRef idx="minor">
-              <a:schemeClr val="lt1"/>
-            </a:fontRef>
-          </p:style>
-          <p:txBody>
-            <a:bodyPr rtlCol="0" anchor="ctr"/>
-            <a:lstStyle/>
-            <a:p>
-              <a:pPr algn="ctr"/>
-              <a:endParaRPr lang="de-DE"/>
-            </a:p>
-          </p:txBody>
-        </p:sp>
-        <p:sp>
-          <p:nvSpPr>
-            <p:cNvPr id="163" name="Oval 162">
-              <a:extLst>
-                <a:ext uri="{FF2B5EF4-FFF2-40B4-BE49-F238E27FC236}">
-                  <a16:creationId xmlns:a16="http://schemas.microsoft.com/office/drawing/2014/main" id="{19B9DA02-A867-4172-B87C-ABDC85375A15}"/>
-                </a:ext>
-              </a:extLst>
-            </p:cNvPr>
-            <p:cNvSpPr/>
-            <p:nvPr/>
-          </p:nvSpPr>
-          <p:spPr>
-            <a:xfrm>
-              <a:off x="4233182" y="2880885"/>
-              <a:ext cx="108940" cy="108940"/>
-            </a:xfrm>
-            <a:prstGeom prst="ellipse">
-              <a:avLst/>
-            </a:prstGeom>
-          </p:spPr>
-          <p:style>
-            <a:lnRef idx="2">
-              <a:schemeClr val="dk1">
-                <a:shade val="15000"/>
-              </a:schemeClr>
-            </a:lnRef>
-            <a:fillRef idx="1">
-              <a:schemeClr val="dk1"/>
-            </a:fillRef>
-            <a:effectRef idx="0">
-              <a:schemeClr val="dk1"/>
-            </a:effectRef>
-            <a:fontRef idx="minor">
-              <a:schemeClr val="lt1"/>
-            </a:fontRef>
-          </p:style>
-          <p:txBody>
-            <a:bodyPr rtlCol="0" anchor="ctr"/>
-            <a:lstStyle/>
-            <a:p>
-              <a:pPr algn="ctr"/>
-              <a:endParaRPr lang="de-DE"/>
-            </a:p>
-          </p:txBody>
-        </p:sp>
-        <p:sp>
-          <p:nvSpPr>
-            <p:cNvPr id="164" name="Oval 163">
-              <a:extLst>
-                <a:ext uri="{FF2B5EF4-FFF2-40B4-BE49-F238E27FC236}">
-                  <a16:creationId xmlns:a16="http://schemas.microsoft.com/office/drawing/2014/main" id="{0E9921FC-2E4D-4662-8331-C1B7BD7484C4}"/>
-                </a:ext>
-              </a:extLst>
-            </p:cNvPr>
-            <p:cNvSpPr/>
-            <p:nvPr/>
-          </p:nvSpPr>
-          <p:spPr>
-            <a:xfrm>
-              <a:off x="4238279" y="3084593"/>
+              <a:off x="4538183" y="3021470"/>
               <a:ext cx="108940" cy="108940"/>
             </a:xfrm>
             <a:prstGeom prst="ellipse">
@@ -5588,6 +6692,2841 @@
     <p:extLst>
       <p:ext uri="{BB962C8B-B14F-4D97-AF65-F5344CB8AC3E}">
         <p14:creationId xmlns:p14="http://schemas.microsoft.com/office/powerpoint/2010/main" val="2018472365"/>
+      </p:ext>
+    </p:extLst>
+  </p:cSld>
+  <p:clrMapOvr>
+    <a:masterClrMapping/>
+  </p:clrMapOvr>
+</p:sld>
+</file>
+
+<file path=ppt/slides/slide2.xml><?xml version="1.0" encoding="utf-8"?>
+<p:sld xmlns:a="http://schemas.openxmlformats.org/drawingml/2006/main" xmlns:r="http://schemas.openxmlformats.org/officeDocument/2006/relationships" xmlns:p="http://schemas.openxmlformats.org/presentationml/2006/main">
+  <p:cSld>
+    <p:spTree>
+      <p:nvGrpSpPr>
+        <p:cNvPr id="1" name=""/>
+        <p:cNvGrpSpPr/>
+        <p:nvPr/>
+      </p:nvGrpSpPr>
+      <p:grpSpPr>
+        <a:xfrm>
+          <a:off x="0" y="0"/>
+          <a:ext cx="0" cy="0"/>
+          <a:chOff x="0" y="0"/>
+          <a:chExt cx="0" cy="0"/>
+        </a:xfrm>
+      </p:grpSpPr>
+      <p:cxnSp>
+        <p:nvCxnSpPr>
+          <p:cNvPr id="83" name="Gerade Verbindung 82">
+            <a:extLst>
+              <a:ext uri="{FF2B5EF4-FFF2-40B4-BE49-F238E27FC236}">
+                <a16:creationId xmlns:a16="http://schemas.microsoft.com/office/drawing/2014/main" id="{97440701-B5AB-05FD-CBE3-14BED823B594}"/>
+              </a:ext>
+            </a:extLst>
+          </p:cNvPr>
+          <p:cNvCxnSpPr>
+            <a:cxnSpLocks/>
+            <a:stCxn id="51" idx="6"/>
+            <a:endCxn id="39" idx="2"/>
+          </p:cNvCxnSpPr>
+          <p:nvPr/>
+        </p:nvCxnSpPr>
+        <p:spPr>
+          <a:xfrm flipV="1">
+            <a:off x="9166800" y="4945205"/>
+            <a:ext cx="1565919" cy="510025"/>
+          </a:xfrm>
+          <a:prstGeom prst="line">
+            <a:avLst/>
+          </a:prstGeom>
+          <a:ln w="57150">
+            <a:solidFill>
+              <a:schemeClr val="bg1">
+                <a:lumMod val="75000"/>
+              </a:schemeClr>
+            </a:solidFill>
+          </a:ln>
+        </p:spPr>
+        <p:style>
+          <a:lnRef idx="2">
+            <a:schemeClr val="accent1"/>
+          </a:lnRef>
+          <a:fillRef idx="0">
+            <a:schemeClr val="accent1"/>
+          </a:fillRef>
+          <a:effectRef idx="1">
+            <a:schemeClr val="accent1"/>
+          </a:effectRef>
+          <a:fontRef idx="minor">
+            <a:schemeClr val="tx1"/>
+          </a:fontRef>
+        </p:style>
+      </p:cxnSp>
+      <p:cxnSp>
+        <p:nvCxnSpPr>
+          <p:cNvPr id="86" name="Gerade Verbindung 85">
+            <a:extLst>
+              <a:ext uri="{FF2B5EF4-FFF2-40B4-BE49-F238E27FC236}">
+                <a16:creationId xmlns:a16="http://schemas.microsoft.com/office/drawing/2014/main" id="{CA2920EE-6099-66D1-3679-2F391AAB8ACD}"/>
+              </a:ext>
+            </a:extLst>
+          </p:cNvPr>
+          <p:cNvCxnSpPr>
+            <a:cxnSpLocks/>
+            <a:stCxn id="51" idx="6"/>
+            <a:endCxn id="38" idx="2"/>
+          </p:cNvCxnSpPr>
+          <p:nvPr/>
+        </p:nvCxnSpPr>
+        <p:spPr>
+          <a:xfrm flipV="1">
+            <a:off x="9166800" y="4190130"/>
+            <a:ext cx="1565919" cy="1265100"/>
+          </a:xfrm>
+          <a:prstGeom prst="line">
+            <a:avLst/>
+          </a:prstGeom>
+          <a:ln w="57150">
+            <a:solidFill>
+              <a:schemeClr val="bg1">
+                <a:lumMod val="75000"/>
+              </a:schemeClr>
+            </a:solidFill>
+          </a:ln>
+        </p:spPr>
+        <p:style>
+          <a:lnRef idx="2">
+            <a:schemeClr val="accent1"/>
+          </a:lnRef>
+          <a:fillRef idx="0">
+            <a:schemeClr val="accent1"/>
+          </a:fillRef>
+          <a:effectRef idx="1">
+            <a:schemeClr val="accent1"/>
+          </a:effectRef>
+          <a:fontRef idx="minor">
+            <a:schemeClr val="tx1"/>
+          </a:fontRef>
+        </p:style>
+      </p:cxnSp>
+      <p:cxnSp>
+        <p:nvCxnSpPr>
+          <p:cNvPr id="89" name="Gerade Verbindung 88">
+            <a:extLst>
+              <a:ext uri="{FF2B5EF4-FFF2-40B4-BE49-F238E27FC236}">
+                <a16:creationId xmlns:a16="http://schemas.microsoft.com/office/drawing/2014/main" id="{1C3A7F7A-9737-B81C-167E-F893461C662E}"/>
+              </a:ext>
+            </a:extLst>
+          </p:cNvPr>
+          <p:cNvCxnSpPr>
+            <a:cxnSpLocks/>
+            <a:stCxn id="51" idx="6"/>
+            <a:endCxn id="37" idx="2"/>
+          </p:cNvCxnSpPr>
+          <p:nvPr/>
+        </p:nvCxnSpPr>
+        <p:spPr>
+          <a:xfrm flipV="1">
+            <a:off x="9166800" y="3431598"/>
+            <a:ext cx="1565920" cy="2023632"/>
+          </a:xfrm>
+          <a:prstGeom prst="line">
+            <a:avLst/>
+          </a:prstGeom>
+          <a:ln w="57150">
+            <a:solidFill>
+              <a:schemeClr val="bg1">
+                <a:lumMod val="75000"/>
+              </a:schemeClr>
+            </a:solidFill>
+          </a:ln>
+        </p:spPr>
+        <p:style>
+          <a:lnRef idx="2">
+            <a:schemeClr val="accent1"/>
+          </a:lnRef>
+          <a:fillRef idx="0">
+            <a:schemeClr val="accent1"/>
+          </a:fillRef>
+          <a:effectRef idx="1">
+            <a:schemeClr val="accent1"/>
+          </a:effectRef>
+          <a:fontRef idx="minor">
+            <a:schemeClr val="tx1"/>
+          </a:fontRef>
+        </p:style>
+      </p:cxnSp>
+      <p:cxnSp>
+        <p:nvCxnSpPr>
+          <p:cNvPr id="92" name="Gerade Verbindung 91">
+            <a:extLst>
+              <a:ext uri="{FF2B5EF4-FFF2-40B4-BE49-F238E27FC236}">
+                <a16:creationId xmlns:a16="http://schemas.microsoft.com/office/drawing/2014/main" id="{FDC9AC04-735D-6FF7-99E1-6BB5EB285F76}"/>
+              </a:ext>
+            </a:extLst>
+          </p:cNvPr>
+          <p:cNvCxnSpPr>
+            <a:cxnSpLocks/>
+            <a:stCxn id="50" idx="6"/>
+            <a:endCxn id="37" idx="2"/>
+          </p:cNvCxnSpPr>
+          <p:nvPr/>
+        </p:nvCxnSpPr>
+        <p:spPr>
+          <a:xfrm>
+            <a:off x="9171999" y="1402770"/>
+            <a:ext cx="1560721" cy="2028828"/>
+          </a:xfrm>
+          <a:prstGeom prst="line">
+            <a:avLst/>
+          </a:prstGeom>
+          <a:ln w="57150">
+            <a:solidFill>
+              <a:schemeClr val="bg1">
+                <a:lumMod val="75000"/>
+              </a:schemeClr>
+            </a:solidFill>
+          </a:ln>
+        </p:spPr>
+        <p:style>
+          <a:lnRef idx="2">
+            <a:schemeClr val="accent1"/>
+          </a:lnRef>
+          <a:fillRef idx="0">
+            <a:schemeClr val="accent1"/>
+          </a:fillRef>
+          <a:effectRef idx="1">
+            <a:schemeClr val="accent1"/>
+          </a:effectRef>
+          <a:fontRef idx="minor">
+            <a:schemeClr val="tx1"/>
+          </a:fontRef>
+        </p:style>
+      </p:cxnSp>
+      <p:cxnSp>
+        <p:nvCxnSpPr>
+          <p:cNvPr id="80" name="Gerade Verbindung 79">
+            <a:extLst>
+              <a:ext uri="{FF2B5EF4-FFF2-40B4-BE49-F238E27FC236}">
+                <a16:creationId xmlns:a16="http://schemas.microsoft.com/office/drawing/2014/main" id="{7C14B303-3EA1-4EEF-09C0-45243F957212}"/>
+              </a:ext>
+            </a:extLst>
+          </p:cNvPr>
+          <p:cNvCxnSpPr>
+            <a:cxnSpLocks/>
+            <a:stCxn id="50" idx="6"/>
+            <a:endCxn id="35" idx="2"/>
+          </p:cNvCxnSpPr>
+          <p:nvPr/>
+        </p:nvCxnSpPr>
+        <p:spPr>
+          <a:xfrm>
+            <a:off x="9171999" y="1402770"/>
+            <a:ext cx="1560723" cy="1265100"/>
+          </a:xfrm>
+          <a:prstGeom prst="line">
+            <a:avLst/>
+          </a:prstGeom>
+          <a:ln w="57150">
+            <a:solidFill>
+              <a:schemeClr val="bg1">
+                <a:lumMod val="75000"/>
+              </a:schemeClr>
+            </a:solidFill>
+          </a:ln>
+        </p:spPr>
+        <p:style>
+          <a:lnRef idx="2">
+            <a:schemeClr val="accent1"/>
+          </a:lnRef>
+          <a:fillRef idx="0">
+            <a:schemeClr val="accent1"/>
+          </a:fillRef>
+          <a:effectRef idx="1">
+            <a:schemeClr val="accent1"/>
+          </a:effectRef>
+          <a:fontRef idx="minor">
+            <a:schemeClr val="tx1"/>
+          </a:fontRef>
+        </p:style>
+      </p:cxnSp>
+      <p:cxnSp>
+        <p:nvCxnSpPr>
+          <p:cNvPr id="77" name="Gerade Verbindung 76">
+            <a:extLst>
+              <a:ext uri="{FF2B5EF4-FFF2-40B4-BE49-F238E27FC236}">
+                <a16:creationId xmlns:a16="http://schemas.microsoft.com/office/drawing/2014/main" id="{BB6C7973-69D8-5C2B-25CC-428653001D5D}"/>
+              </a:ext>
+            </a:extLst>
+          </p:cNvPr>
+          <p:cNvCxnSpPr>
+            <a:cxnSpLocks/>
+            <a:stCxn id="50" idx="6"/>
+            <a:endCxn id="36" idx="2"/>
+          </p:cNvCxnSpPr>
+          <p:nvPr/>
+        </p:nvCxnSpPr>
+        <p:spPr>
+          <a:xfrm>
+            <a:off x="9171999" y="1402770"/>
+            <a:ext cx="1560722" cy="510025"/>
+          </a:xfrm>
+          <a:prstGeom prst="line">
+            <a:avLst/>
+          </a:prstGeom>
+          <a:ln w="57150">
+            <a:solidFill>
+              <a:schemeClr val="bg1">
+                <a:lumMod val="75000"/>
+              </a:schemeClr>
+            </a:solidFill>
+          </a:ln>
+        </p:spPr>
+        <p:style>
+          <a:lnRef idx="2">
+            <a:schemeClr val="accent1"/>
+          </a:lnRef>
+          <a:fillRef idx="0">
+            <a:schemeClr val="accent1"/>
+          </a:fillRef>
+          <a:effectRef idx="1">
+            <a:schemeClr val="accent1"/>
+          </a:effectRef>
+          <a:fontRef idx="minor">
+            <a:schemeClr val="tx1"/>
+          </a:fontRef>
+        </p:style>
+      </p:cxnSp>
+      <p:cxnSp>
+        <p:nvCxnSpPr>
+          <p:cNvPr id="68" name="Gerade Verbindung mit Pfeil 67">
+            <a:extLst>
+              <a:ext uri="{FF2B5EF4-FFF2-40B4-BE49-F238E27FC236}">
+                <a16:creationId xmlns:a16="http://schemas.microsoft.com/office/drawing/2014/main" id="{674884A8-AC62-CDD0-3044-339D3D90A9D8}"/>
+              </a:ext>
+            </a:extLst>
+          </p:cNvPr>
+          <p:cNvCxnSpPr>
+            <a:stCxn id="31" idx="6"/>
+          </p:cNvCxnSpPr>
+          <p:nvPr/>
+        </p:nvCxnSpPr>
+        <p:spPr>
+          <a:xfrm flipV="1">
+            <a:off x="4491764" y="1380303"/>
+            <a:ext cx="1416719" cy="1"/>
+          </a:xfrm>
+          <a:prstGeom prst="straightConnector1">
+            <a:avLst/>
+          </a:prstGeom>
+          <a:ln w="57150">
+            <a:solidFill>
+              <a:schemeClr val="bg1">
+                <a:lumMod val="75000"/>
+              </a:schemeClr>
+            </a:solidFill>
+            <a:tailEnd type="triangle"/>
+          </a:ln>
+        </p:spPr>
+        <p:style>
+          <a:lnRef idx="2">
+            <a:schemeClr val="accent1"/>
+          </a:lnRef>
+          <a:fillRef idx="0">
+            <a:schemeClr val="accent1"/>
+          </a:fillRef>
+          <a:effectRef idx="1">
+            <a:schemeClr val="accent1"/>
+          </a:effectRef>
+          <a:fontRef idx="minor">
+            <a:schemeClr val="tx1"/>
+          </a:fontRef>
+        </p:style>
+      </p:cxnSp>
+      <p:cxnSp>
+        <p:nvCxnSpPr>
+          <p:cNvPr id="74" name="Gerade Verbindung mit Pfeil 73">
+            <a:extLst>
+              <a:ext uri="{FF2B5EF4-FFF2-40B4-BE49-F238E27FC236}">
+                <a16:creationId xmlns:a16="http://schemas.microsoft.com/office/drawing/2014/main" id="{910941EA-D46B-EBBA-9462-0C443DCE1569}"/>
+              </a:ext>
+            </a:extLst>
+          </p:cNvPr>
+          <p:cNvCxnSpPr>
+            <a:cxnSpLocks/>
+            <a:endCxn id="51" idx="2"/>
+          </p:cNvCxnSpPr>
+          <p:nvPr/>
+        </p:nvCxnSpPr>
+        <p:spPr>
+          <a:xfrm>
+            <a:off x="7149995" y="5455230"/>
+            <a:ext cx="1393350" cy="0"/>
+          </a:xfrm>
+          <a:prstGeom prst="straightConnector1">
+            <a:avLst/>
+          </a:prstGeom>
+          <a:ln w="57150">
+            <a:solidFill>
+              <a:schemeClr val="bg1">
+                <a:lumMod val="75000"/>
+              </a:schemeClr>
+            </a:solidFill>
+            <a:tailEnd type="triangle"/>
+          </a:ln>
+        </p:spPr>
+        <p:style>
+          <a:lnRef idx="2">
+            <a:schemeClr val="accent1"/>
+          </a:lnRef>
+          <a:fillRef idx="0">
+            <a:schemeClr val="accent1"/>
+          </a:fillRef>
+          <a:effectRef idx="1">
+            <a:schemeClr val="accent1"/>
+          </a:effectRef>
+          <a:fontRef idx="minor">
+            <a:schemeClr val="tx1"/>
+          </a:fontRef>
+        </p:style>
+      </p:cxnSp>
+      <p:cxnSp>
+        <p:nvCxnSpPr>
+          <p:cNvPr id="69" name="Gerade Verbindung mit Pfeil 68">
+            <a:extLst>
+              <a:ext uri="{FF2B5EF4-FFF2-40B4-BE49-F238E27FC236}">
+                <a16:creationId xmlns:a16="http://schemas.microsoft.com/office/drawing/2014/main" id="{322AEBB2-3A08-19BB-DE30-86B77A233FF0}"/>
+              </a:ext>
+            </a:extLst>
+          </p:cNvPr>
+          <p:cNvCxnSpPr/>
+          <p:nvPr/>
+        </p:nvCxnSpPr>
+        <p:spPr>
+          <a:xfrm flipV="1">
+            <a:off x="4463196" y="5431959"/>
+            <a:ext cx="1416719" cy="1"/>
+          </a:xfrm>
+          <a:prstGeom prst="straightConnector1">
+            <a:avLst/>
+          </a:prstGeom>
+          <a:ln w="57150">
+            <a:solidFill>
+              <a:schemeClr val="bg1">
+                <a:lumMod val="75000"/>
+              </a:schemeClr>
+            </a:solidFill>
+            <a:tailEnd type="triangle"/>
+          </a:ln>
+        </p:spPr>
+        <p:style>
+          <a:lnRef idx="2">
+            <a:schemeClr val="accent1"/>
+          </a:lnRef>
+          <a:fillRef idx="0">
+            <a:schemeClr val="accent1"/>
+          </a:fillRef>
+          <a:effectRef idx="1">
+            <a:schemeClr val="accent1"/>
+          </a:effectRef>
+          <a:fontRef idx="minor">
+            <a:schemeClr val="tx1"/>
+          </a:fontRef>
+        </p:style>
+      </p:cxnSp>
+      <p:cxnSp>
+        <p:nvCxnSpPr>
+          <p:cNvPr id="64" name="Gerade Verbindung 63">
+            <a:extLst>
+              <a:ext uri="{FF2B5EF4-FFF2-40B4-BE49-F238E27FC236}">
+                <a16:creationId xmlns:a16="http://schemas.microsoft.com/office/drawing/2014/main" id="{27E76B74-5452-B695-6136-9FB1B4BE2543}"/>
+              </a:ext>
+            </a:extLst>
+          </p:cNvPr>
+          <p:cNvCxnSpPr>
+            <a:cxnSpLocks/>
+            <a:stCxn id="18" idx="6"/>
+            <a:endCxn id="32" idx="2"/>
+          </p:cNvCxnSpPr>
+          <p:nvPr/>
+        </p:nvCxnSpPr>
+        <p:spPr>
+          <a:xfrm flipV="1">
+            <a:off x="2092948" y="5432764"/>
+            <a:ext cx="1770162" cy="521228"/>
+          </a:xfrm>
+          <a:prstGeom prst="line">
+            <a:avLst/>
+          </a:prstGeom>
+          <a:ln w="57150">
+            <a:solidFill>
+              <a:schemeClr val="bg1">
+                <a:lumMod val="75000"/>
+              </a:schemeClr>
+            </a:solidFill>
+          </a:ln>
+        </p:spPr>
+        <p:style>
+          <a:lnRef idx="2">
+            <a:schemeClr val="accent1"/>
+          </a:lnRef>
+          <a:fillRef idx="0">
+            <a:schemeClr val="accent1"/>
+          </a:fillRef>
+          <a:effectRef idx="1">
+            <a:schemeClr val="accent1"/>
+          </a:effectRef>
+          <a:fontRef idx="minor">
+            <a:schemeClr val="tx1"/>
+          </a:fontRef>
+        </p:style>
+      </p:cxnSp>
+      <p:cxnSp>
+        <p:nvCxnSpPr>
+          <p:cNvPr id="61" name="Gerade Verbindung 60">
+            <a:extLst>
+              <a:ext uri="{FF2B5EF4-FFF2-40B4-BE49-F238E27FC236}">
+                <a16:creationId xmlns:a16="http://schemas.microsoft.com/office/drawing/2014/main" id="{FD2C9A6F-921A-EA01-4405-96769779BDCE}"/>
+              </a:ext>
+            </a:extLst>
+          </p:cNvPr>
+          <p:cNvCxnSpPr>
+            <a:cxnSpLocks/>
+            <a:stCxn id="17" idx="6"/>
+            <a:endCxn id="32" idx="2"/>
+          </p:cNvCxnSpPr>
+          <p:nvPr/>
+        </p:nvCxnSpPr>
+        <p:spPr>
+          <a:xfrm>
+            <a:off x="2092948" y="5198917"/>
+            <a:ext cx="1770162" cy="233847"/>
+          </a:xfrm>
+          <a:prstGeom prst="line">
+            <a:avLst/>
+          </a:prstGeom>
+          <a:ln w="57150">
+            <a:solidFill>
+              <a:schemeClr val="bg1">
+                <a:lumMod val="75000"/>
+              </a:schemeClr>
+            </a:solidFill>
+          </a:ln>
+        </p:spPr>
+        <p:style>
+          <a:lnRef idx="2">
+            <a:schemeClr val="accent1"/>
+          </a:lnRef>
+          <a:fillRef idx="0">
+            <a:schemeClr val="accent1"/>
+          </a:fillRef>
+          <a:effectRef idx="1">
+            <a:schemeClr val="accent1"/>
+          </a:effectRef>
+          <a:fontRef idx="minor">
+            <a:schemeClr val="tx1"/>
+          </a:fontRef>
+        </p:style>
+      </p:cxnSp>
+      <p:cxnSp>
+        <p:nvCxnSpPr>
+          <p:cNvPr id="58" name="Gerade Verbindung 57">
+            <a:extLst>
+              <a:ext uri="{FF2B5EF4-FFF2-40B4-BE49-F238E27FC236}">
+                <a16:creationId xmlns:a16="http://schemas.microsoft.com/office/drawing/2014/main" id="{86167EC8-D48D-5C25-DABE-8FA40BEC71B2}"/>
+              </a:ext>
+            </a:extLst>
+          </p:cNvPr>
+          <p:cNvCxnSpPr>
+            <a:cxnSpLocks/>
+            <a:stCxn id="20" idx="6"/>
+            <a:endCxn id="31" idx="2"/>
+          </p:cNvCxnSpPr>
+          <p:nvPr/>
+        </p:nvCxnSpPr>
+        <p:spPr>
+          <a:xfrm flipV="1">
+            <a:off x="2082736" y="1380304"/>
+            <a:ext cx="1785573" cy="278780"/>
+          </a:xfrm>
+          <a:prstGeom prst="line">
+            <a:avLst/>
+          </a:prstGeom>
+          <a:ln w="57150">
+            <a:solidFill>
+              <a:schemeClr val="bg1">
+                <a:lumMod val="75000"/>
+              </a:schemeClr>
+            </a:solidFill>
+          </a:ln>
+        </p:spPr>
+        <p:style>
+          <a:lnRef idx="2">
+            <a:schemeClr val="accent1"/>
+          </a:lnRef>
+          <a:fillRef idx="0">
+            <a:schemeClr val="accent1"/>
+          </a:fillRef>
+          <a:effectRef idx="1">
+            <a:schemeClr val="accent1"/>
+          </a:effectRef>
+          <a:fontRef idx="minor">
+            <a:schemeClr val="tx1"/>
+          </a:fontRef>
+        </p:style>
+      </p:cxnSp>
+      <p:cxnSp>
+        <p:nvCxnSpPr>
+          <p:cNvPr id="54" name="Gerade Verbindung 53">
+            <a:extLst>
+              <a:ext uri="{FF2B5EF4-FFF2-40B4-BE49-F238E27FC236}">
+                <a16:creationId xmlns:a16="http://schemas.microsoft.com/office/drawing/2014/main" id="{4EDBBAE8-7B62-1D39-1C6E-1CB948CDF024}"/>
+              </a:ext>
+            </a:extLst>
+          </p:cNvPr>
+          <p:cNvCxnSpPr>
+            <a:cxnSpLocks/>
+            <a:stCxn id="19" idx="6"/>
+            <a:endCxn id="31" idx="2"/>
+          </p:cNvCxnSpPr>
+          <p:nvPr/>
+        </p:nvCxnSpPr>
+        <p:spPr>
+          <a:xfrm>
+            <a:off x="2082736" y="904009"/>
+            <a:ext cx="1785573" cy="476295"/>
+          </a:xfrm>
+          <a:prstGeom prst="line">
+            <a:avLst/>
+          </a:prstGeom>
+          <a:ln w="57150">
+            <a:solidFill>
+              <a:schemeClr val="bg1">
+                <a:lumMod val="75000"/>
+              </a:schemeClr>
+            </a:solidFill>
+          </a:ln>
+        </p:spPr>
+        <p:style>
+          <a:lnRef idx="2">
+            <a:schemeClr val="accent1"/>
+          </a:lnRef>
+          <a:fillRef idx="0">
+            <a:schemeClr val="accent1"/>
+          </a:fillRef>
+          <a:effectRef idx="1">
+            <a:schemeClr val="accent1"/>
+          </a:effectRef>
+          <a:fontRef idx="minor">
+            <a:schemeClr val="tx1"/>
+          </a:fontRef>
+        </p:style>
+      </p:cxnSp>
+      <p:grpSp>
+        <p:nvGrpSpPr>
+          <p:cNvPr id="4" name="Gruppieren 3">
+            <a:extLst>
+              <a:ext uri="{FF2B5EF4-FFF2-40B4-BE49-F238E27FC236}">
+                <a16:creationId xmlns:a16="http://schemas.microsoft.com/office/drawing/2014/main" id="{4A9FB221-D215-ABD8-B6F3-273AF505873F}"/>
+              </a:ext>
+            </a:extLst>
+          </p:cNvPr>
+          <p:cNvGrpSpPr/>
+          <p:nvPr/>
+        </p:nvGrpSpPr>
+        <p:grpSpPr>
+          <a:xfrm>
+            <a:off x="1459281" y="592281"/>
+            <a:ext cx="633667" cy="5673438"/>
+            <a:chOff x="5214257" y="592281"/>
+            <a:chExt cx="633667" cy="5673438"/>
+          </a:xfrm>
+        </p:grpSpPr>
+        <p:grpSp>
+          <p:nvGrpSpPr>
+            <p:cNvPr id="5" name="Gruppieren 4">
+              <a:extLst>
+                <a:ext uri="{FF2B5EF4-FFF2-40B4-BE49-F238E27FC236}">
+                  <a16:creationId xmlns:a16="http://schemas.microsoft.com/office/drawing/2014/main" id="{25AE1F33-466D-2394-0806-717897750DBE}"/>
+                </a:ext>
+              </a:extLst>
+            </p:cNvPr>
+            <p:cNvGrpSpPr/>
+            <p:nvPr/>
+          </p:nvGrpSpPr>
+          <p:grpSpPr>
+            <a:xfrm>
+              <a:off x="5214257" y="592281"/>
+              <a:ext cx="633667" cy="5673438"/>
+              <a:chOff x="5784272" y="592281"/>
+              <a:chExt cx="633667" cy="5673438"/>
+            </a:xfrm>
+          </p:grpSpPr>
+          <p:grpSp>
+            <p:nvGrpSpPr>
+              <p:cNvPr id="14" name="Gruppieren 13">
+                <a:extLst>
+                  <a:ext uri="{FF2B5EF4-FFF2-40B4-BE49-F238E27FC236}">
+                    <a16:creationId xmlns:a16="http://schemas.microsoft.com/office/drawing/2014/main" id="{92973AB8-D010-5CFA-89E6-6820C5DC01C5}"/>
+                  </a:ext>
+                </a:extLst>
+              </p:cNvPr>
+              <p:cNvGrpSpPr/>
+              <p:nvPr/>
+            </p:nvGrpSpPr>
+            <p:grpSpPr>
+              <a:xfrm>
+                <a:off x="5784272" y="592281"/>
+                <a:ext cx="623455" cy="1378530"/>
+                <a:chOff x="3176153" y="4429990"/>
+                <a:chExt cx="623455" cy="1378530"/>
+              </a:xfrm>
+            </p:grpSpPr>
+            <p:sp>
+              <p:nvSpPr>
+                <p:cNvPr id="19" name="Oval 18">
+                  <a:extLst>
+                    <a:ext uri="{FF2B5EF4-FFF2-40B4-BE49-F238E27FC236}">
+                      <a16:creationId xmlns:a16="http://schemas.microsoft.com/office/drawing/2014/main" id="{9499702D-D182-2598-FFAF-56D9B03D1527}"/>
+                    </a:ext>
+                  </a:extLst>
+                </p:cNvPr>
+                <p:cNvSpPr/>
+                <p:nvPr/>
+              </p:nvSpPr>
+              <p:spPr>
+                <a:xfrm>
+                  <a:off x="3176153" y="4429990"/>
+                  <a:ext cx="623455" cy="623455"/>
+                </a:xfrm>
+                <a:prstGeom prst="ellipse">
+                  <a:avLst/>
+                </a:prstGeom>
+                <a:noFill/>
+                <a:ln w="57150"/>
+              </p:spPr>
+              <p:style>
+                <a:lnRef idx="2">
+                  <a:schemeClr val="accent1">
+                    <a:shade val="15000"/>
+                  </a:schemeClr>
+                </a:lnRef>
+                <a:fillRef idx="1">
+                  <a:schemeClr val="accent1"/>
+                </a:fillRef>
+                <a:effectRef idx="0">
+                  <a:schemeClr val="accent1"/>
+                </a:effectRef>
+                <a:fontRef idx="minor">
+                  <a:schemeClr val="lt1"/>
+                </a:fontRef>
+              </p:style>
+              <p:txBody>
+                <a:bodyPr rtlCol="0" anchor="ctr"/>
+                <a:lstStyle/>
+                <a:p>
+                  <a:pPr algn="ctr"/>
+                  <a:endParaRPr lang="de-DE" dirty="0"/>
+                </a:p>
+              </p:txBody>
+            </p:sp>
+            <p:sp>
+              <p:nvSpPr>
+                <p:cNvPr id="20" name="Oval 19">
+                  <a:extLst>
+                    <a:ext uri="{FF2B5EF4-FFF2-40B4-BE49-F238E27FC236}">
+                      <a16:creationId xmlns:a16="http://schemas.microsoft.com/office/drawing/2014/main" id="{F72367A3-A8A9-48FC-9A58-D188CED4D3E7}"/>
+                    </a:ext>
+                  </a:extLst>
+                </p:cNvPr>
+                <p:cNvSpPr/>
+                <p:nvPr/>
+              </p:nvSpPr>
+              <p:spPr>
+                <a:xfrm>
+                  <a:off x="3176153" y="5185065"/>
+                  <a:ext cx="623455" cy="623455"/>
+                </a:xfrm>
+                <a:prstGeom prst="ellipse">
+                  <a:avLst/>
+                </a:prstGeom>
+                <a:noFill/>
+                <a:ln w="57150"/>
+              </p:spPr>
+              <p:style>
+                <a:lnRef idx="2">
+                  <a:schemeClr val="accent1">
+                    <a:shade val="15000"/>
+                  </a:schemeClr>
+                </a:lnRef>
+                <a:fillRef idx="1">
+                  <a:schemeClr val="accent1"/>
+                </a:fillRef>
+                <a:effectRef idx="0">
+                  <a:schemeClr val="accent1"/>
+                </a:effectRef>
+                <a:fontRef idx="minor">
+                  <a:schemeClr val="lt1"/>
+                </a:fontRef>
+              </p:style>
+              <p:txBody>
+                <a:bodyPr rtlCol="0" anchor="ctr"/>
+                <a:lstStyle/>
+                <a:p>
+                  <a:pPr algn="ctr"/>
+                  <a:endParaRPr lang="de-DE"/>
+                </a:p>
+              </p:txBody>
+            </p:sp>
+          </p:grpSp>
+          <p:grpSp>
+            <p:nvGrpSpPr>
+              <p:cNvPr id="15" name="Gruppieren 14">
+                <a:extLst>
+                  <a:ext uri="{FF2B5EF4-FFF2-40B4-BE49-F238E27FC236}">
+                    <a16:creationId xmlns:a16="http://schemas.microsoft.com/office/drawing/2014/main" id="{7D665466-383D-0F8E-1A2A-FE3046741953}"/>
+                  </a:ext>
+                </a:extLst>
+              </p:cNvPr>
+              <p:cNvGrpSpPr/>
+              <p:nvPr/>
+            </p:nvGrpSpPr>
+            <p:grpSpPr>
+              <a:xfrm>
+                <a:off x="5794484" y="4887189"/>
+                <a:ext cx="623455" cy="1378530"/>
+                <a:chOff x="3176153" y="4429990"/>
+                <a:chExt cx="623455" cy="1378530"/>
+              </a:xfrm>
+            </p:grpSpPr>
+            <p:sp>
+              <p:nvSpPr>
+                <p:cNvPr id="17" name="Oval 16">
+                  <a:extLst>
+                    <a:ext uri="{FF2B5EF4-FFF2-40B4-BE49-F238E27FC236}">
+                      <a16:creationId xmlns:a16="http://schemas.microsoft.com/office/drawing/2014/main" id="{F7CAA32F-1471-EF73-F6D0-D8F997020E41}"/>
+                    </a:ext>
+                  </a:extLst>
+                </p:cNvPr>
+                <p:cNvSpPr/>
+                <p:nvPr/>
+              </p:nvSpPr>
+              <p:spPr>
+                <a:xfrm>
+                  <a:off x="3176153" y="4429990"/>
+                  <a:ext cx="623455" cy="623455"/>
+                </a:xfrm>
+                <a:prstGeom prst="ellipse">
+                  <a:avLst/>
+                </a:prstGeom>
+                <a:noFill/>
+                <a:ln w="57150"/>
+              </p:spPr>
+              <p:style>
+                <a:lnRef idx="2">
+                  <a:schemeClr val="accent1">
+                    <a:shade val="15000"/>
+                  </a:schemeClr>
+                </a:lnRef>
+                <a:fillRef idx="1">
+                  <a:schemeClr val="accent1"/>
+                </a:fillRef>
+                <a:effectRef idx="0">
+                  <a:schemeClr val="accent1"/>
+                </a:effectRef>
+                <a:fontRef idx="minor">
+                  <a:schemeClr val="lt1"/>
+                </a:fontRef>
+              </p:style>
+              <p:txBody>
+                <a:bodyPr rtlCol="0" anchor="ctr"/>
+                <a:lstStyle/>
+                <a:p>
+                  <a:pPr algn="ctr"/>
+                  <a:endParaRPr lang="de-DE" dirty="0"/>
+                </a:p>
+              </p:txBody>
+            </p:sp>
+            <p:sp>
+              <p:nvSpPr>
+                <p:cNvPr id="18" name="Oval 17">
+                  <a:extLst>
+                    <a:ext uri="{FF2B5EF4-FFF2-40B4-BE49-F238E27FC236}">
+                      <a16:creationId xmlns:a16="http://schemas.microsoft.com/office/drawing/2014/main" id="{96089C41-96F9-6292-885D-E25EFA21C4FF}"/>
+                    </a:ext>
+                  </a:extLst>
+                </p:cNvPr>
+                <p:cNvSpPr/>
+                <p:nvPr/>
+              </p:nvSpPr>
+              <p:spPr>
+                <a:xfrm>
+                  <a:off x="3176153" y="5185065"/>
+                  <a:ext cx="623455" cy="623455"/>
+                </a:xfrm>
+                <a:prstGeom prst="ellipse">
+                  <a:avLst/>
+                </a:prstGeom>
+                <a:noFill/>
+                <a:ln w="57150"/>
+              </p:spPr>
+              <p:style>
+                <a:lnRef idx="2">
+                  <a:schemeClr val="accent1">
+                    <a:shade val="15000"/>
+                  </a:schemeClr>
+                </a:lnRef>
+                <a:fillRef idx="1">
+                  <a:schemeClr val="accent1"/>
+                </a:fillRef>
+                <a:effectRef idx="0">
+                  <a:schemeClr val="accent1"/>
+                </a:effectRef>
+                <a:fontRef idx="minor">
+                  <a:schemeClr val="lt1"/>
+                </a:fontRef>
+              </p:style>
+              <p:txBody>
+                <a:bodyPr rtlCol="0" anchor="ctr"/>
+                <a:lstStyle/>
+                <a:p>
+                  <a:pPr algn="ctr"/>
+                  <a:endParaRPr lang="de-DE"/>
+                </a:p>
+              </p:txBody>
+            </p:sp>
+          </p:grpSp>
+          <p:sp>
+            <p:nvSpPr>
+              <p:cNvPr id="16" name="Textfeld 15">
+                <a:extLst>
+                  <a:ext uri="{FF2B5EF4-FFF2-40B4-BE49-F238E27FC236}">
+                    <a16:creationId xmlns:a16="http://schemas.microsoft.com/office/drawing/2014/main" id="{D58CF749-5420-DDC5-BDCC-F8962F1D9838}"/>
+                  </a:ext>
+                </a:extLst>
+              </p:cNvPr>
+              <p:cNvSpPr txBox="1"/>
+              <p:nvPr/>
+            </p:nvSpPr>
+            <p:spPr>
+              <a:xfrm>
+                <a:off x="5849777" y="2944869"/>
+                <a:ext cx="492443" cy="923330"/>
+              </a:xfrm>
+              <a:prstGeom prst="rect">
+                <a:avLst/>
+              </a:prstGeom>
+              <a:noFill/>
+            </p:spPr>
+            <p:txBody>
+              <a:bodyPr wrap="square" rtlCol="0">
+                <a:spAutoFit/>
+              </a:bodyPr>
+              <a:lstStyle/>
+              <a:p>
+                <a:pPr algn="ctr"/>
+                <a:r>
+                  <a:rPr lang="de-DE" sz="5400" dirty="0">
+                    <a:latin typeface="Times New Roman" panose="02020603050405020304" pitchFamily="18" charset="0"/>
+                    <a:cs typeface="Times New Roman" panose="02020603050405020304" pitchFamily="18" charset="0"/>
+                  </a:rPr>
+                  <a:t>h</a:t>
+                </a:r>
+              </a:p>
+            </p:txBody>
+          </p:sp>
+        </p:grpSp>
+        <p:grpSp>
+          <p:nvGrpSpPr>
+            <p:cNvPr id="6" name="Gruppieren 5">
+              <a:extLst>
+                <a:ext uri="{FF2B5EF4-FFF2-40B4-BE49-F238E27FC236}">
+                  <a16:creationId xmlns:a16="http://schemas.microsoft.com/office/drawing/2014/main" id="{DC8DEE95-4AEB-7C89-D204-A276148E2327}"/>
+                </a:ext>
+              </a:extLst>
+            </p:cNvPr>
+            <p:cNvGrpSpPr/>
+            <p:nvPr/>
+          </p:nvGrpSpPr>
+          <p:grpSpPr>
+            <a:xfrm>
+              <a:off x="5459909" y="4058654"/>
+              <a:ext cx="116676" cy="514925"/>
+              <a:chOff x="4230543" y="2678608"/>
+              <a:chExt cx="116676" cy="514925"/>
+            </a:xfrm>
+          </p:grpSpPr>
+          <p:sp>
+            <p:nvSpPr>
+              <p:cNvPr id="11" name="Oval 10">
+                <a:extLst>
+                  <a:ext uri="{FF2B5EF4-FFF2-40B4-BE49-F238E27FC236}">
+                    <a16:creationId xmlns:a16="http://schemas.microsoft.com/office/drawing/2014/main" id="{BEA61255-D04E-2EE9-2645-BAF8EE3E74BE}"/>
+                  </a:ext>
+                </a:extLst>
+              </p:cNvPr>
+              <p:cNvSpPr/>
+              <p:nvPr/>
+            </p:nvSpPr>
+            <p:spPr>
+              <a:xfrm>
+                <a:off x="4230543" y="2678608"/>
+                <a:ext cx="108940" cy="108940"/>
+              </a:xfrm>
+              <a:prstGeom prst="ellipse">
+                <a:avLst/>
+              </a:prstGeom>
+            </p:spPr>
+            <p:style>
+              <a:lnRef idx="2">
+                <a:schemeClr val="dk1">
+                  <a:shade val="15000"/>
+                </a:schemeClr>
+              </a:lnRef>
+              <a:fillRef idx="1">
+                <a:schemeClr val="dk1"/>
+              </a:fillRef>
+              <a:effectRef idx="0">
+                <a:schemeClr val="dk1"/>
+              </a:effectRef>
+              <a:fontRef idx="minor">
+                <a:schemeClr val="lt1"/>
+              </a:fontRef>
+            </p:style>
+            <p:txBody>
+              <a:bodyPr rtlCol="0" anchor="ctr"/>
+              <a:lstStyle/>
+              <a:p>
+                <a:pPr algn="ctr"/>
+                <a:endParaRPr lang="de-DE"/>
+              </a:p>
+            </p:txBody>
+          </p:sp>
+          <p:sp>
+            <p:nvSpPr>
+              <p:cNvPr id="12" name="Oval 11">
+                <a:extLst>
+                  <a:ext uri="{FF2B5EF4-FFF2-40B4-BE49-F238E27FC236}">
+                    <a16:creationId xmlns:a16="http://schemas.microsoft.com/office/drawing/2014/main" id="{6B54D717-4D7E-E9DF-4AD5-7837992850A6}"/>
+                  </a:ext>
+                </a:extLst>
+              </p:cNvPr>
+              <p:cNvSpPr/>
+              <p:nvPr/>
+            </p:nvSpPr>
+            <p:spPr>
+              <a:xfrm>
+                <a:off x="4233182" y="2880885"/>
+                <a:ext cx="108940" cy="108940"/>
+              </a:xfrm>
+              <a:prstGeom prst="ellipse">
+                <a:avLst/>
+              </a:prstGeom>
+            </p:spPr>
+            <p:style>
+              <a:lnRef idx="2">
+                <a:schemeClr val="dk1">
+                  <a:shade val="15000"/>
+                </a:schemeClr>
+              </a:lnRef>
+              <a:fillRef idx="1">
+                <a:schemeClr val="dk1"/>
+              </a:fillRef>
+              <a:effectRef idx="0">
+                <a:schemeClr val="dk1"/>
+              </a:effectRef>
+              <a:fontRef idx="minor">
+                <a:schemeClr val="lt1"/>
+              </a:fontRef>
+            </p:style>
+            <p:txBody>
+              <a:bodyPr rtlCol="0" anchor="ctr"/>
+              <a:lstStyle/>
+              <a:p>
+                <a:pPr algn="ctr"/>
+                <a:endParaRPr lang="de-DE"/>
+              </a:p>
+            </p:txBody>
+          </p:sp>
+          <p:sp>
+            <p:nvSpPr>
+              <p:cNvPr id="13" name="Oval 12">
+                <a:extLst>
+                  <a:ext uri="{FF2B5EF4-FFF2-40B4-BE49-F238E27FC236}">
+                    <a16:creationId xmlns:a16="http://schemas.microsoft.com/office/drawing/2014/main" id="{011A7D95-E4F3-DBE8-B4FD-FADAE7C77C82}"/>
+                  </a:ext>
+                </a:extLst>
+              </p:cNvPr>
+              <p:cNvSpPr/>
+              <p:nvPr/>
+            </p:nvSpPr>
+            <p:spPr>
+              <a:xfrm>
+                <a:off x="4238279" y="3084593"/>
+                <a:ext cx="108940" cy="108940"/>
+              </a:xfrm>
+              <a:prstGeom prst="ellipse">
+                <a:avLst/>
+              </a:prstGeom>
+            </p:spPr>
+            <p:style>
+              <a:lnRef idx="2">
+                <a:schemeClr val="dk1">
+                  <a:shade val="15000"/>
+                </a:schemeClr>
+              </a:lnRef>
+              <a:fillRef idx="1">
+                <a:schemeClr val="dk1"/>
+              </a:fillRef>
+              <a:effectRef idx="0">
+                <a:schemeClr val="dk1"/>
+              </a:effectRef>
+              <a:fontRef idx="minor">
+                <a:schemeClr val="lt1"/>
+              </a:fontRef>
+            </p:style>
+            <p:txBody>
+              <a:bodyPr rtlCol="0" anchor="ctr"/>
+              <a:lstStyle/>
+              <a:p>
+                <a:pPr algn="ctr"/>
+                <a:endParaRPr lang="de-DE"/>
+              </a:p>
+            </p:txBody>
+          </p:sp>
+        </p:grpSp>
+        <p:grpSp>
+          <p:nvGrpSpPr>
+            <p:cNvPr id="7" name="Gruppieren 6">
+              <a:extLst>
+                <a:ext uri="{FF2B5EF4-FFF2-40B4-BE49-F238E27FC236}">
+                  <a16:creationId xmlns:a16="http://schemas.microsoft.com/office/drawing/2014/main" id="{46B417E3-40EB-6E8B-BE26-5E934091F765}"/>
+                </a:ext>
+              </a:extLst>
+            </p:cNvPr>
+            <p:cNvGrpSpPr/>
+            <p:nvPr/>
+          </p:nvGrpSpPr>
+          <p:grpSpPr>
+            <a:xfrm>
+              <a:off x="5467645" y="2430812"/>
+              <a:ext cx="116676" cy="514925"/>
+              <a:chOff x="4230543" y="2678608"/>
+              <a:chExt cx="116676" cy="514925"/>
+            </a:xfrm>
+          </p:grpSpPr>
+          <p:sp>
+            <p:nvSpPr>
+              <p:cNvPr id="8" name="Oval 7">
+                <a:extLst>
+                  <a:ext uri="{FF2B5EF4-FFF2-40B4-BE49-F238E27FC236}">
+                    <a16:creationId xmlns:a16="http://schemas.microsoft.com/office/drawing/2014/main" id="{3233C267-9FA7-F622-D311-B887CF8E815C}"/>
+                  </a:ext>
+                </a:extLst>
+              </p:cNvPr>
+              <p:cNvSpPr/>
+              <p:nvPr/>
+            </p:nvSpPr>
+            <p:spPr>
+              <a:xfrm>
+                <a:off x="4230543" y="2678608"/>
+                <a:ext cx="108940" cy="108940"/>
+              </a:xfrm>
+              <a:prstGeom prst="ellipse">
+                <a:avLst/>
+              </a:prstGeom>
+            </p:spPr>
+            <p:style>
+              <a:lnRef idx="2">
+                <a:schemeClr val="dk1">
+                  <a:shade val="15000"/>
+                </a:schemeClr>
+              </a:lnRef>
+              <a:fillRef idx="1">
+                <a:schemeClr val="dk1"/>
+              </a:fillRef>
+              <a:effectRef idx="0">
+                <a:schemeClr val="dk1"/>
+              </a:effectRef>
+              <a:fontRef idx="minor">
+                <a:schemeClr val="lt1"/>
+              </a:fontRef>
+            </p:style>
+            <p:txBody>
+              <a:bodyPr rtlCol="0" anchor="ctr"/>
+              <a:lstStyle/>
+              <a:p>
+                <a:pPr algn="ctr"/>
+                <a:endParaRPr lang="de-DE"/>
+              </a:p>
+            </p:txBody>
+          </p:sp>
+          <p:sp>
+            <p:nvSpPr>
+              <p:cNvPr id="9" name="Oval 8">
+                <a:extLst>
+                  <a:ext uri="{FF2B5EF4-FFF2-40B4-BE49-F238E27FC236}">
+                    <a16:creationId xmlns:a16="http://schemas.microsoft.com/office/drawing/2014/main" id="{07BC157F-9859-1AB7-0801-1AB8FAFCC60F}"/>
+                  </a:ext>
+                </a:extLst>
+              </p:cNvPr>
+              <p:cNvSpPr/>
+              <p:nvPr/>
+            </p:nvSpPr>
+            <p:spPr>
+              <a:xfrm>
+                <a:off x="4233182" y="2880885"/>
+                <a:ext cx="108940" cy="108940"/>
+              </a:xfrm>
+              <a:prstGeom prst="ellipse">
+                <a:avLst/>
+              </a:prstGeom>
+            </p:spPr>
+            <p:style>
+              <a:lnRef idx="2">
+                <a:schemeClr val="dk1">
+                  <a:shade val="15000"/>
+                </a:schemeClr>
+              </a:lnRef>
+              <a:fillRef idx="1">
+                <a:schemeClr val="dk1"/>
+              </a:fillRef>
+              <a:effectRef idx="0">
+                <a:schemeClr val="dk1"/>
+              </a:effectRef>
+              <a:fontRef idx="minor">
+                <a:schemeClr val="lt1"/>
+              </a:fontRef>
+            </p:style>
+            <p:txBody>
+              <a:bodyPr rtlCol="0" anchor="ctr"/>
+              <a:lstStyle/>
+              <a:p>
+                <a:pPr algn="ctr"/>
+                <a:endParaRPr lang="de-DE"/>
+              </a:p>
+            </p:txBody>
+          </p:sp>
+          <p:sp>
+            <p:nvSpPr>
+              <p:cNvPr id="10" name="Oval 9">
+                <a:extLst>
+                  <a:ext uri="{FF2B5EF4-FFF2-40B4-BE49-F238E27FC236}">
+                    <a16:creationId xmlns:a16="http://schemas.microsoft.com/office/drawing/2014/main" id="{4F52D426-5FFB-4FD0-B314-62A60ABA64C9}"/>
+                  </a:ext>
+                </a:extLst>
+              </p:cNvPr>
+              <p:cNvSpPr/>
+              <p:nvPr/>
+            </p:nvSpPr>
+            <p:spPr>
+              <a:xfrm>
+                <a:off x="4238279" y="3084593"/>
+                <a:ext cx="108940" cy="108940"/>
+              </a:xfrm>
+              <a:prstGeom prst="ellipse">
+                <a:avLst/>
+              </a:prstGeom>
+            </p:spPr>
+            <p:style>
+              <a:lnRef idx="2">
+                <a:schemeClr val="dk1">
+                  <a:shade val="15000"/>
+                </a:schemeClr>
+              </a:lnRef>
+              <a:fillRef idx="1">
+                <a:schemeClr val="dk1"/>
+              </a:fillRef>
+              <a:effectRef idx="0">
+                <a:schemeClr val="dk1"/>
+              </a:effectRef>
+              <a:fontRef idx="minor">
+                <a:schemeClr val="lt1"/>
+              </a:fontRef>
+            </p:style>
+            <p:txBody>
+              <a:bodyPr rtlCol="0" anchor="ctr"/>
+              <a:lstStyle/>
+              <a:p>
+                <a:pPr algn="ctr"/>
+                <a:endParaRPr lang="de-DE"/>
+              </a:p>
+            </p:txBody>
+          </p:sp>
+        </p:grpSp>
+      </p:grpSp>
+      <p:grpSp>
+        <p:nvGrpSpPr>
+          <p:cNvPr id="21" name="Gruppieren 20">
+            <a:extLst>
+              <a:ext uri="{FF2B5EF4-FFF2-40B4-BE49-F238E27FC236}">
+                <a16:creationId xmlns:a16="http://schemas.microsoft.com/office/drawing/2014/main" id="{8C4439F7-0175-3D09-44CC-9E247A303DDC}"/>
+              </a:ext>
+            </a:extLst>
+          </p:cNvPr>
+          <p:cNvGrpSpPr/>
+          <p:nvPr/>
+        </p:nvGrpSpPr>
+        <p:grpSpPr>
+          <a:xfrm>
+            <a:off x="3636833" y="1068576"/>
+            <a:ext cx="1104319" cy="4675915"/>
+            <a:chOff x="2388512" y="1091042"/>
+            <a:chExt cx="1104319" cy="4675915"/>
+          </a:xfrm>
+        </p:grpSpPr>
+        <p:grpSp>
+          <p:nvGrpSpPr>
+            <p:cNvPr id="22" name="Gruppieren 21">
+              <a:extLst>
+                <a:ext uri="{FF2B5EF4-FFF2-40B4-BE49-F238E27FC236}">
+                  <a16:creationId xmlns:a16="http://schemas.microsoft.com/office/drawing/2014/main" id="{8CC62DBB-D13C-4DE1-24A4-31CBED138F1F}"/>
+                </a:ext>
+              </a:extLst>
+            </p:cNvPr>
+            <p:cNvGrpSpPr/>
+            <p:nvPr/>
+          </p:nvGrpSpPr>
+          <p:grpSpPr>
+            <a:xfrm>
+              <a:off x="2388512" y="1091042"/>
+              <a:ext cx="1104319" cy="4675915"/>
+              <a:chOff x="2958527" y="1091042"/>
+              <a:chExt cx="1104319" cy="4675915"/>
+            </a:xfrm>
+          </p:grpSpPr>
+          <p:sp>
+            <p:nvSpPr>
+              <p:cNvPr id="31" name="Oval 30">
+                <a:extLst>
+                  <a:ext uri="{FF2B5EF4-FFF2-40B4-BE49-F238E27FC236}">
+                    <a16:creationId xmlns:a16="http://schemas.microsoft.com/office/drawing/2014/main" id="{BDC601FA-05C6-7C02-3302-7505C42D511D}"/>
+                  </a:ext>
+                </a:extLst>
+              </p:cNvPr>
+              <p:cNvSpPr/>
+              <p:nvPr/>
+            </p:nvSpPr>
+            <p:spPr>
+              <a:xfrm>
+                <a:off x="3190003" y="1091042"/>
+                <a:ext cx="623455" cy="623455"/>
+              </a:xfrm>
+              <a:prstGeom prst="ellipse">
+                <a:avLst/>
+              </a:prstGeom>
+              <a:noFill/>
+              <a:ln w="57150"/>
+            </p:spPr>
+            <p:style>
+              <a:lnRef idx="2">
+                <a:schemeClr val="accent1">
+                  <a:shade val="15000"/>
+                </a:schemeClr>
+              </a:lnRef>
+              <a:fillRef idx="1">
+                <a:schemeClr val="accent1"/>
+              </a:fillRef>
+              <a:effectRef idx="0">
+                <a:schemeClr val="accent1"/>
+              </a:effectRef>
+              <a:fontRef idx="minor">
+                <a:schemeClr val="lt1"/>
+              </a:fontRef>
+            </p:style>
+            <p:txBody>
+              <a:bodyPr rtlCol="0" anchor="ctr"/>
+              <a:lstStyle/>
+              <a:p>
+                <a:pPr algn="ctr"/>
+                <a:endParaRPr lang="de-DE"/>
+              </a:p>
+            </p:txBody>
+          </p:sp>
+          <p:sp>
+            <p:nvSpPr>
+              <p:cNvPr id="32" name="Oval 31">
+                <a:extLst>
+                  <a:ext uri="{FF2B5EF4-FFF2-40B4-BE49-F238E27FC236}">
+                    <a16:creationId xmlns:a16="http://schemas.microsoft.com/office/drawing/2014/main" id="{D71DE0EC-7268-53C4-E269-C34E56E1482E}"/>
+                  </a:ext>
+                </a:extLst>
+              </p:cNvPr>
+              <p:cNvSpPr/>
+              <p:nvPr/>
+            </p:nvSpPr>
+            <p:spPr>
+              <a:xfrm>
+                <a:off x="3184804" y="5143502"/>
+                <a:ext cx="623455" cy="623455"/>
+              </a:xfrm>
+              <a:prstGeom prst="ellipse">
+                <a:avLst/>
+              </a:prstGeom>
+              <a:noFill/>
+              <a:ln w="57150"/>
+            </p:spPr>
+            <p:style>
+              <a:lnRef idx="2">
+                <a:schemeClr val="accent1">
+                  <a:shade val="15000"/>
+                </a:schemeClr>
+              </a:lnRef>
+              <a:fillRef idx="1">
+                <a:schemeClr val="accent1"/>
+              </a:fillRef>
+              <a:effectRef idx="0">
+                <a:schemeClr val="accent1"/>
+              </a:effectRef>
+              <a:fontRef idx="minor">
+                <a:schemeClr val="lt1"/>
+              </a:fontRef>
+            </p:style>
+            <p:txBody>
+              <a:bodyPr rtlCol="0" anchor="ctr"/>
+              <a:lstStyle/>
+              <a:p>
+                <a:pPr algn="ctr"/>
+                <a:endParaRPr lang="de-DE" dirty="0"/>
+              </a:p>
+            </p:txBody>
+          </p:sp>
+          <p:sp>
+            <p:nvSpPr>
+              <p:cNvPr id="33" name="Textfeld 32">
+                <a:extLst>
+                  <a:ext uri="{FF2B5EF4-FFF2-40B4-BE49-F238E27FC236}">
+                    <a16:creationId xmlns:a16="http://schemas.microsoft.com/office/drawing/2014/main" id="{44C88EF0-15CC-6BC6-F2BF-09E095087E15}"/>
+                  </a:ext>
+                </a:extLst>
+              </p:cNvPr>
+              <p:cNvSpPr txBox="1"/>
+              <p:nvPr/>
+            </p:nvSpPr>
+            <p:spPr>
+              <a:xfrm>
+                <a:off x="2958527" y="2967335"/>
+                <a:ext cx="1104319" cy="923330"/>
+              </a:xfrm>
+              <a:prstGeom prst="rect">
+                <a:avLst/>
+              </a:prstGeom>
+              <a:noFill/>
+            </p:spPr>
+            <p:txBody>
+              <a:bodyPr wrap="square" rtlCol="0">
+                <a:spAutoFit/>
+              </a:bodyPr>
+              <a:lstStyle/>
+              <a:p>
+                <a:pPr algn="ctr"/>
+                <a:r>
+                  <a:rPr lang="de-DE" sz="5400" dirty="0">
+                    <a:latin typeface="Times New Roman" panose="02020603050405020304" pitchFamily="18" charset="0"/>
+                    <a:cs typeface="Times New Roman" panose="02020603050405020304" pitchFamily="18" charset="0"/>
+                  </a:rPr>
+                  <a:t>d</a:t>
+                </a:r>
+              </a:p>
+            </p:txBody>
+          </p:sp>
+        </p:grpSp>
+        <p:grpSp>
+          <p:nvGrpSpPr>
+            <p:cNvPr id="23" name="Gruppieren 22">
+              <a:extLst>
+                <a:ext uri="{FF2B5EF4-FFF2-40B4-BE49-F238E27FC236}">
+                  <a16:creationId xmlns:a16="http://schemas.microsoft.com/office/drawing/2014/main" id="{6CEF01BF-32B4-863E-8DDD-DB314AD76146}"/>
+                </a:ext>
+              </a:extLst>
+            </p:cNvPr>
+            <p:cNvGrpSpPr/>
+            <p:nvPr/>
+          </p:nvGrpSpPr>
+          <p:grpSpPr>
+            <a:xfrm>
+              <a:off x="2886920" y="2118164"/>
+              <a:ext cx="116676" cy="514925"/>
+              <a:chOff x="4230543" y="2678608"/>
+              <a:chExt cx="116676" cy="514925"/>
+            </a:xfrm>
+          </p:grpSpPr>
+          <p:sp>
+            <p:nvSpPr>
+              <p:cNvPr id="28" name="Oval 27">
+                <a:extLst>
+                  <a:ext uri="{FF2B5EF4-FFF2-40B4-BE49-F238E27FC236}">
+                    <a16:creationId xmlns:a16="http://schemas.microsoft.com/office/drawing/2014/main" id="{897A0313-2656-B679-5BE8-FDE7C437D510}"/>
+                  </a:ext>
+                </a:extLst>
+              </p:cNvPr>
+              <p:cNvSpPr/>
+              <p:nvPr/>
+            </p:nvSpPr>
+            <p:spPr>
+              <a:xfrm>
+                <a:off x="4230543" y="2678608"/>
+                <a:ext cx="108940" cy="108940"/>
+              </a:xfrm>
+              <a:prstGeom prst="ellipse">
+                <a:avLst/>
+              </a:prstGeom>
+            </p:spPr>
+            <p:style>
+              <a:lnRef idx="2">
+                <a:schemeClr val="dk1">
+                  <a:shade val="15000"/>
+                </a:schemeClr>
+              </a:lnRef>
+              <a:fillRef idx="1">
+                <a:schemeClr val="dk1"/>
+              </a:fillRef>
+              <a:effectRef idx="0">
+                <a:schemeClr val="dk1"/>
+              </a:effectRef>
+              <a:fontRef idx="minor">
+                <a:schemeClr val="lt1"/>
+              </a:fontRef>
+            </p:style>
+            <p:txBody>
+              <a:bodyPr rtlCol="0" anchor="ctr"/>
+              <a:lstStyle/>
+              <a:p>
+                <a:pPr algn="ctr"/>
+                <a:endParaRPr lang="de-DE"/>
+              </a:p>
+            </p:txBody>
+          </p:sp>
+          <p:sp>
+            <p:nvSpPr>
+              <p:cNvPr id="29" name="Oval 28">
+                <a:extLst>
+                  <a:ext uri="{FF2B5EF4-FFF2-40B4-BE49-F238E27FC236}">
+                    <a16:creationId xmlns:a16="http://schemas.microsoft.com/office/drawing/2014/main" id="{DFF93C3D-6FCE-F258-F96C-505ECDD47412}"/>
+                  </a:ext>
+                </a:extLst>
+              </p:cNvPr>
+              <p:cNvSpPr/>
+              <p:nvPr/>
+            </p:nvSpPr>
+            <p:spPr>
+              <a:xfrm>
+                <a:off x="4233182" y="2880885"/>
+                <a:ext cx="108940" cy="108940"/>
+              </a:xfrm>
+              <a:prstGeom prst="ellipse">
+                <a:avLst/>
+              </a:prstGeom>
+            </p:spPr>
+            <p:style>
+              <a:lnRef idx="2">
+                <a:schemeClr val="dk1">
+                  <a:shade val="15000"/>
+                </a:schemeClr>
+              </a:lnRef>
+              <a:fillRef idx="1">
+                <a:schemeClr val="dk1"/>
+              </a:fillRef>
+              <a:effectRef idx="0">
+                <a:schemeClr val="dk1"/>
+              </a:effectRef>
+              <a:fontRef idx="minor">
+                <a:schemeClr val="lt1"/>
+              </a:fontRef>
+            </p:style>
+            <p:txBody>
+              <a:bodyPr rtlCol="0" anchor="ctr"/>
+              <a:lstStyle/>
+              <a:p>
+                <a:pPr algn="ctr"/>
+                <a:endParaRPr lang="de-DE"/>
+              </a:p>
+            </p:txBody>
+          </p:sp>
+          <p:sp>
+            <p:nvSpPr>
+              <p:cNvPr id="30" name="Oval 29">
+                <a:extLst>
+                  <a:ext uri="{FF2B5EF4-FFF2-40B4-BE49-F238E27FC236}">
+                    <a16:creationId xmlns:a16="http://schemas.microsoft.com/office/drawing/2014/main" id="{9E89BAFF-B7F6-43D9-4427-A13C38C4F45F}"/>
+                  </a:ext>
+                </a:extLst>
+              </p:cNvPr>
+              <p:cNvSpPr/>
+              <p:nvPr/>
+            </p:nvSpPr>
+            <p:spPr>
+              <a:xfrm>
+                <a:off x="4238279" y="3084593"/>
+                <a:ext cx="108940" cy="108940"/>
+              </a:xfrm>
+              <a:prstGeom prst="ellipse">
+                <a:avLst/>
+              </a:prstGeom>
+            </p:spPr>
+            <p:style>
+              <a:lnRef idx="2">
+                <a:schemeClr val="dk1">
+                  <a:shade val="15000"/>
+                </a:schemeClr>
+              </a:lnRef>
+              <a:fillRef idx="1">
+                <a:schemeClr val="dk1"/>
+              </a:fillRef>
+              <a:effectRef idx="0">
+                <a:schemeClr val="dk1"/>
+              </a:effectRef>
+              <a:fontRef idx="minor">
+                <a:schemeClr val="lt1"/>
+              </a:fontRef>
+            </p:style>
+            <p:txBody>
+              <a:bodyPr rtlCol="0" anchor="ctr"/>
+              <a:lstStyle/>
+              <a:p>
+                <a:pPr algn="ctr"/>
+                <a:endParaRPr lang="de-DE"/>
+              </a:p>
+            </p:txBody>
+          </p:sp>
+        </p:grpSp>
+        <p:grpSp>
+          <p:nvGrpSpPr>
+            <p:cNvPr id="24" name="Gruppieren 23">
+              <a:extLst>
+                <a:ext uri="{FF2B5EF4-FFF2-40B4-BE49-F238E27FC236}">
+                  <a16:creationId xmlns:a16="http://schemas.microsoft.com/office/drawing/2014/main" id="{E9539598-281C-5E64-3C86-F58F48F809CC}"/>
+                </a:ext>
+              </a:extLst>
+            </p:cNvPr>
+            <p:cNvGrpSpPr/>
+            <p:nvPr/>
+          </p:nvGrpSpPr>
+          <p:grpSpPr>
+            <a:xfrm>
+              <a:off x="2870294" y="4226408"/>
+              <a:ext cx="116676" cy="514925"/>
+              <a:chOff x="4230543" y="2678608"/>
+              <a:chExt cx="116676" cy="514925"/>
+            </a:xfrm>
+          </p:grpSpPr>
+          <p:sp>
+            <p:nvSpPr>
+              <p:cNvPr id="25" name="Oval 24">
+                <a:extLst>
+                  <a:ext uri="{FF2B5EF4-FFF2-40B4-BE49-F238E27FC236}">
+                    <a16:creationId xmlns:a16="http://schemas.microsoft.com/office/drawing/2014/main" id="{4DF19DEC-DBFF-01B3-D213-6659FB37ECE4}"/>
+                  </a:ext>
+                </a:extLst>
+              </p:cNvPr>
+              <p:cNvSpPr/>
+              <p:nvPr/>
+            </p:nvSpPr>
+            <p:spPr>
+              <a:xfrm>
+                <a:off x="4230543" y="2678608"/>
+                <a:ext cx="108940" cy="108940"/>
+              </a:xfrm>
+              <a:prstGeom prst="ellipse">
+                <a:avLst/>
+              </a:prstGeom>
+            </p:spPr>
+            <p:style>
+              <a:lnRef idx="2">
+                <a:schemeClr val="dk1">
+                  <a:shade val="15000"/>
+                </a:schemeClr>
+              </a:lnRef>
+              <a:fillRef idx="1">
+                <a:schemeClr val="dk1"/>
+              </a:fillRef>
+              <a:effectRef idx="0">
+                <a:schemeClr val="dk1"/>
+              </a:effectRef>
+              <a:fontRef idx="minor">
+                <a:schemeClr val="lt1"/>
+              </a:fontRef>
+            </p:style>
+            <p:txBody>
+              <a:bodyPr rtlCol="0" anchor="ctr"/>
+              <a:lstStyle/>
+              <a:p>
+                <a:pPr algn="ctr"/>
+                <a:endParaRPr lang="de-DE"/>
+              </a:p>
+            </p:txBody>
+          </p:sp>
+          <p:sp>
+            <p:nvSpPr>
+              <p:cNvPr id="26" name="Oval 25">
+                <a:extLst>
+                  <a:ext uri="{FF2B5EF4-FFF2-40B4-BE49-F238E27FC236}">
+                    <a16:creationId xmlns:a16="http://schemas.microsoft.com/office/drawing/2014/main" id="{4517E2AB-7A2E-4950-A3ED-EF36567F1CE9}"/>
+                  </a:ext>
+                </a:extLst>
+              </p:cNvPr>
+              <p:cNvSpPr/>
+              <p:nvPr/>
+            </p:nvSpPr>
+            <p:spPr>
+              <a:xfrm>
+                <a:off x="4233182" y="2880885"/>
+                <a:ext cx="108940" cy="108940"/>
+              </a:xfrm>
+              <a:prstGeom prst="ellipse">
+                <a:avLst/>
+              </a:prstGeom>
+            </p:spPr>
+            <p:style>
+              <a:lnRef idx="2">
+                <a:schemeClr val="dk1">
+                  <a:shade val="15000"/>
+                </a:schemeClr>
+              </a:lnRef>
+              <a:fillRef idx="1">
+                <a:schemeClr val="dk1"/>
+              </a:fillRef>
+              <a:effectRef idx="0">
+                <a:schemeClr val="dk1"/>
+              </a:effectRef>
+              <a:fontRef idx="minor">
+                <a:schemeClr val="lt1"/>
+              </a:fontRef>
+            </p:style>
+            <p:txBody>
+              <a:bodyPr rtlCol="0" anchor="ctr"/>
+              <a:lstStyle/>
+              <a:p>
+                <a:pPr algn="ctr"/>
+                <a:endParaRPr lang="de-DE"/>
+              </a:p>
+            </p:txBody>
+          </p:sp>
+          <p:sp>
+            <p:nvSpPr>
+              <p:cNvPr id="27" name="Oval 26">
+                <a:extLst>
+                  <a:ext uri="{FF2B5EF4-FFF2-40B4-BE49-F238E27FC236}">
+                    <a16:creationId xmlns:a16="http://schemas.microsoft.com/office/drawing/2014/main" id="{09769808-D6B2-E1F7-D0C4-F4200776736E}"/>
+                  </a:ext>
+                </a:extLst>
+              </p:cNvPr>
+              <p:cNvSpPr/>
+              <p:nvPr/>
+            </p:nvSpPr>
+            <p:spPr>
+              <a:xfrm>
+                <a:off x="4238279" y="3084593"/>
+                <a:ext cx="108940" cy="108940"/>
+              </a:xfrm>
+              <a:prstGeom prst="ellipse">
+                <a:avLst/>
+              </a:prstGeom>
+            </p:spPr>
+            <p:style>
+              <a:lnRef idx="2">
+                <a:schemeClr val="dk1">
+                  <a:shade val="15000"/>
+                </a:schemeClr>
+              </a:lnRef>
+              <a:fillRef idx="1">
+                <a:schemeClr val="dk1"/>
+              </a:fillRef>
+              <a:effectRef idx="0">
+                <a:schemeClr val="dk1"/>
+              </a:effectRef>
+              <a:fontRef idx="minor">
+                <a:schemeClr val="lt1"/>
+              </a:fontRef>
+            </p:style>
+            <p:txBody>
+              <a:bodyPr rtlCol="0" anchor="ctr"/>
+              <a:lstStyle/>
+              <a:p>
+                <a:pPr algn="ctr"/>
+                <a:endParaRPr lang="de-DE"/>
+              </a:p>
+            </p:txBody>
+          </p:sp>
+        </p:grpSp>
+      </p:grpSp>
+      <p:grpSp>
+        <p:nvGrpSpPr>
+          <p:cNvPr id="34" name="Gruppieren 33">
+            <a:extLst>
+              <a:ext uri="{FF2B5EF4-FFF2-40B4-BE49-F238E27FC236}">
+                <a16:creationId xmlns:a16="http://schemas.microsoft.com/office/drawing/2014/main" id="{DE092376-AC17-8CF2-B9EC-F0DA8487CFEF}"/>
+              </a:ext>
+            </a:extLst>
+          </p:cNvPr>
+          <p:cNvGrpSpPr/>
+          <p:nvPr/>
+        </p:nvGrpSpPr>
+        <p:grpSpPr>
+          <a:xfrm>
+            <a:off x="10732719" y="1601067"/>
+            <a:ext cx="623458" cy="3655865"/>
+            <a:chOff x="8555177" y="1738746"/>
+            <a:chExt cx="623458" cy="3655865"/>
+          </a:xfrm>
+        </p:grpSpPr>
+        <p:sp>
+          <p:nvSpPr>
+            <p:cNvPr id="35" name="Oval 34">
+              <a:extLst>
+                <a:ext uri="{FF2B5EF4-FFF2-40B4-BE49-F238E27FC236}">
+                  <a16:creationId xmlns:a16="http://schemas.microsoft.com/office/drawing/2014/main" id="{8734EE32-A852-421E-AE13-4401F596424B}"/>
+                </a:ext>
+              </a:extLst>
+            </p:cNvPr>
+            <p:cNvSpPr/>
+            <p:nvPr/>
+          </p:nvSpPr>
+          <p:spPr>
+            <a:xfrm>
+              <a:off x="8555180" y="2493821"/>
+              <a:ext cx="623455" cy="623455"/>
+            </a:xfrm>
+            <a:prstGeom prst="ellipse">
+              <a:avLst/>
+            </a:prstGeom>
+            <a:noFill/>
+            <a:ln w="57150"/>
+          </p:spPr>
+          <p:style>
+            <a:lnRef idx="2">
+              <a:schemeClr val="accent1">
+                <a:shade val="15000"/>
+              </a:schemeClr>
+            </a:lnRef>
+            <a:fillRef idx="1">
+              <a:schemeClr val="accent1"/>
+            </a:fillRef>
+            <a:effectRef idx="0">
+              <a:schemeClr val="accent1"/>
+            </a:effectRef>
+            <a:fontRef idx="minor">
+              <a:schemeClr val="lt1"/>
+            </a:fontRef>
+          </p:style>
+          <p:txBody>
+            <a:bodyPr rtlCol="0" anchor="ctr"/>
+            <a:lstStyle/>
+            <a:p>
+              <a:pPr algn="ctr"/>
+              <a:endParaRPr lang="de-DE"/>
+            </a:p>
+          </p:txBody>
+        </p:sp>
+        <p:sp>
+          <p:nvSpPr>
+            <p:cNvPr id="36" name="Oval 35">
+              <a:extLst>
+                <a:ext uri="{FF2B5EF4-FFF2-40B4-BE49-F238E27FC236}">
+                  <a16:creationId xmlns:a16="http://schemas.microsoft.com/office/drawing/2014/main" id="{C8D84A6F-0BB8-C510-1522-FBC1D43784F9}"/>
+                </a:ext>
+              </a:extLst>
+            </p:cNvPr>
+            <p:cNvSpPr/>
+            <p:nvPr/>
+          </p:nvSpPr>
+          <p:spPr>
+            <a:xfrm>
+              <a:off x="8555179" y="1738746"/>
+              <a:ext cx="623455" cy="623455"/>
+            </a:xfrm>
+            <a:prstGeom prst="ellipse">
+              <a:avLst/>
+            </a:prstGeom>
+            <a:noFill/>
+            <a:ln w="57150"/>
+          </p:spPr>
+          <p:style>
+            <a:lnRef idx="2">
+              <a:schemeClr val="accent1">
+                <a:shade val="15000"/>
+              </a:schemeClr>
+            </a:lnRef>
+            <a:fillRef idx="1">
+              <a:schemeClr val="accent1"/>
+            </a:fillRef>
+            <a:effectRef idx="0">
+              <a:schemeClr val="accent1"/>
+            </a:effectRef>
+            <a:fontRef idx="minor">
+              <a:schemeClr val="lt1"/>
+            </a:fontRef>
+          </p:style>
+          <p:txBody>
+            <a:bodyPr rtlCol="0" anchor="ctr"/>
+            <a:lstStyle/>
+            <a:p>
+              <a:pPr algn="ctr"/>
+              <a:endParaRPr lang="de-DE"/>
+            </a:p>
+          </p:txBody>
+        </p:sp>
+        <p:sp>
+          <p:nvSpPr>
+            <p:cNvPr id="37" name="Oval 36">
+              <a:extLst>
+                <a:ext uri="{FF2B5EF4-FFF2-40B4-BE49-F238E27FC236}">
+                  <a16:creationId xmlns:a16="http://schemas.microsoft.com/office/drawing/2014/main" id="{2AC774FD-5699-B3B3-87C9-DA6B71FB2E7A}"/>
+                </a:ext>
+              </a:extLst>
+            </p:cNvPr>
+            <p:cNvSpPr/>
+            <p:nvPr/>
+          </p:nvSpPr>
+          <p:spPr>
+            <a:xfrm>
+              <a:off x="8555178" y="3257549"/>
+              <a:ext cx="623455" cy="623455"/>
+            </a:xfrm>
+            <a:prstGeom prst="ellipse">
+              <a:avLst/>
+            </a:prstGeom>
+            <a:noFill/>
+            <a:ln w="57150"/>
+          </p:spPr>
+          <p:style>
+            <a:lnRef idx="2">
+              <a:schemeClr val="accent1">
+                <a:shade val="15000"/>
+              </a:schemeClr>
+            </a:lnRef>
+            <a:fillRef idx="1">
+              <a:schemeClr val="accent1"/>
+            </a:fillRef>
+            <a:effectRef idx="0">
+              <a:schemeClr val="accent1"/>
+            </a:effectRef>
+            <a:fontRef idx="minor">
+              <a:schemeClr val="lt1"/>
+            </a:fontRef>
+          </p:style>
+          <p:txBody>
+            <a:bodyPr rtlCol="0" anchor="ctr"/>
+            <a:lstStyle/>
+            <a:p>
+              <a:pPr algn="ctr"/>
+              <a:endParaRPr lang="de-DE"/>
+            </a:p>
+          </p:txBody>
+        </p:sp>
+        <p:sp>
+          <p:nvSpPr>
+            <p:cNvPr id="38" name="Oval 37">
+              <a:extLst>
+                <a:ext uri="{FF2B5EF4-FFF2-40B4-BE49-F238E27FC236}">
+                  <a16:creationId xmlns:a16="http://schemas.microsoft.com/office/drawing/2014/main" id="{D9104A03-F299-8CAC-7B0D-DF7C3BFE3068}"/>
+                </a:ext>
+              </a:extLst>
+            </p:cNvPr>
+            <p:cNvSpPr/>
+            <p:nvPr/>
+          </p:nvSpPr>
+          <p:spPr>
+            <a:xfrm>
+              <a:off x="8555177" y="4016081"/>
+              <a:ext cx="623455" cy="623455"/>
+            </a:xfrm>
+            <a:prstGeom prst="ellipse">
+              <a:avLst/>
+            </a:prstGeom>
+            <a:noFill/>
+            <a:ln w="57150"/>
+          </p:spPr>
+          <p:style>
+            <a:lnRef idx="2">
+              <a:schemeClr val="accent1">
+                <a:shade val="15000"/>
+              </a:schemeClr>
+            </a:lnRef>
+            <a:fillRef idx="1">
+              <a:schemeClr val="accent1"/>
+            </a:fillRef>
+            <a:effectRef idx="0">
+              <a:schemeClr val="accent1"/>
+            </a:effectRef>
+            <a:fontRef idx="minor">
+              <a:schemeClr val="lt1"/>
+            </a:fontRef>
+          </p:style>
+          <p:txBody>
+            <a:bodyPr rtlCol="0" anchor="ctr"/>
+            <a:lstStyle/>
+            <a:p>
+              <a:pPr algn="ctr"/>
+              <a:endParaRPr lang="de-DE"/>
+            </a:p>
+          </p:txBody>
+        </p:sp>
+        <p:sp>
+          <p:nvSpPr>
+            <p:cNvPr id="39" name="Oval 38">
+              <a:extLst>
+                <a:ext uri="{FF2B5EF4-FFF2-40B4-BE49-F238E27FC236}">
+                  <a16:creationId xmlns:a16="http://schemas.microsoft.com/office/drawing/2014/main" id="{24906DEC-51EF-CB16-21DA-9F99EBFBC915}"/>
+                </a:ext>
+              </a:extLst>
+            </p:cNvPr>
+            <p:cNvSpPr/>
+            <p:nvPr/>
+          </p:nvSpPr>
+          <p:spPr>
+            <a:xfrm>
+              <a:off x="8555177" y="4771156"/>
+              <a:ext cx="623455" cy="623455"/>
+            </a:xfrm>
+            <a:prstGeom prst="ellipse">
+              <a:avLst/>
+            </a:prstGeom>
+            <a:noFill/>
+            <a:ln w="57150"/>
+          </p:spPr>
+          <p:style>
+            <a:lnRef idx="2">
+              <a:schemeClr val="accent1">
+                <a:shade val="15000"/>
+              </a:schemeClr>
+            </a:lnRef>
+            <a:fillRef idx="1">
+              <a:schemeClr val="accent1"/>
+            </a:fillRef>
+            <a:effectRef idx="0">
+              <a:schemeClr val="accent1"/>
+            </a:effectRef>
+            <a:fontRef idx="minor">
+              <a:schemeClr val="lt1"/>
+            </a:fontRef>
+          </p:style>
+          <p:txBody>
+            <a:bodyPr rtlCol="0" anchor="ctr"/>
+            <a:lstStyle/>
+            <a:p>
+              <a:pPr algn="ctr"/>
+              <a:endParaRPr lang="de-DE"/>
+            </a:p>
+          </p:txBody>
+        </p:sp>
+      </p:grpSp>
+      <p:grpSp>
+        <p:nvGrpSpPr>
+          <p:cNvPr id="40" name="Gruppieren 39">
+            <a:extLst>
+              <a:ext uri="{FF2B5EF4-FFF2-40B4-BE49-F238E27FC236}">
+                <a16:creationId xmlns:a16="http://schemas.microsoft.com/office/drawing/2014/main" id="{34B066CB-95C7-4F77-1FC9-ED51823490C7}"/>
+              </a:ext>
+            </a:extLst>
+          </p:cNvPr>
+          <p:cNvGrpSpPr/>
+          <p:nvPr/>
+        </p:nvGrpSpPr>
+        <p:grpSpPr>
+          <a:xfrm>
+            <a:off x="8317068" y="1091042"/>
+            <a:ext cx="1104319" cy="4675915"/>
+            <a:chOff x="2388512" y="1091042"/>
+            <a:chExt cx="1104319" cy="4675915"/>
+          </a:xfrm>
+        </p:grpSpPr>
+        <p:grpSp>
+          <p:nvGrpSpPr>
+            <p:cNvPr id="41" name="Gruppieren 40">
+              <a:extLst>
+                <a:ext uri="{FF2B5EF4-FFF2-40B4-BE49-F238E27FC236}">
+                  <a16:creationId xmlns:a16="http://schemas.microsoft.com/office/drawing/2014/main" id="{8B82C027-D7AC-453A-092F-45A762CC16F2}"/>
+                </a:ext>
+              </a:extLst>
+            </p:cNvPr>
+            <p:cNvGrpSpPr/>
+            <p:nvPr/>
+          </p:nvGrpSpPr>
+          <p:grpSpPr>
+            <a:xfrm>
+              <a:off x="2388512" y="1091042"/>
+              <a:ext cx="1104319" cy="4675915"/>
+              <a:chOff x="2958527" y="1091042"/>
+              <a:chExt cx="1104319" cy="4675915"/>
+            </a:xfrm>
+          </p:grpSpPr>
+          <p:sp>
+            <p:nvSpPr>
+              <p:cNvPr id="50" name="Oval 49">
+                <a:extLst>
+                  <a:ext uri="{FF2B5EF4-FFF2-40B4-BE49-F238E27FC236}">
+                    <a16:creationId xmlns:a16="http://schemas.microsoft.com/office/drawing/2014/main" id="{6E53DD25-3177-9C24-4BDD-0547D8EF94DA}"/>
+                  </a:ext>
+                </a:extLst>
+              </p:cNvPr>
+              <p:cNvSpPr/>
+              <p:nvPr/>
+            </p:nvSpPr>
+            <p:spPr>
+              <a:xfrm>
+                <a:off x="3190003" y="1091042"/>
+                <a:ext cx="623455" cy="623455"/>
+              </a:xfrm>
+              <a:prstGeom prst="ellipse">
+                <a:avLst/>
+              </a:prstGeom>
+              <a:noFill/>
+              <a:ln w="57150"/>
+            </p:spPr>
+            <p:style>
+              <a:lnRef idx="2">
+                <a:schemeClr val="accent1">
+                  <a:shade val="15000"/>
+                </a:schemeClr>
+              </a:lnRef>
+              <a:fillRef idx="1">
+                <a:schemeClr val="accent1"/>
+              </a:fillRef>
+              <a:effectRef idx="0">
+                <a:schemeClr val="accent1"/>
+              </a:effectRef>
+              <a:fontRef idx="minor">
+                <a:schemeClr val="lt1"/>
+              </a:fontRef>
+            </p:style>
+            <p:txBody>
+              <a:bodyPr rtlCol="0" anchor="ctr"/>
+              <a:lstStyle/>
+              <a:p>
+                <a:pPr algn="ctr"/>
+                <a:endParaRPr lang="de-DE"/>
+              </a:p>
+            </p:txBody>
+          </p:sp>
+          <p:sp>
+            <p:nvSpPr>
+              <p:cNvPr id="51" name="Oval 50">
+                <a:extLst>
+                  <a:ext uri="{FF2B5EF4-FFF2-40B4-BE49-F238E27FC236}">
+                    <a16:creationId xmlns:a16="http://schemas.microsoft.com/office/drawing/2014/main" id="{AA33EE40-B504-CA78-DDAE-41517A1D78D5}"/>
+                  </a:ext>
+                </a:extLst>
+              </p:cNvPr>
+              <p:cNvSpPr/>
+              <p:nvPr/>
+            </p:nvSpPr>
+            <p:spPr>
+              <a:xfrm>
+                <a:off x="3184804" y="5143502"/>
+                <a:ext cx="623455" cy="623455"/>
+              </a:xfrm>
+              <a:prstGeom prst="ellipse">
+                <a:avLst/>
+              </a:prstGeom>
+              <a:noFill/>
+              <a:ln w="57150"/>
+            </p:spPr>
+            <p:style>
+              <a:lnRef idx="2">
+                <a:schemeClr val="accent1">
+                  <a:shade val="15000"/>
+                </a:schemeClr>
+              </a:lnRef>
+              <a:fillRef idx="1">
+                <a:schemeClr val="accent1"/>
+              </a:fillRef>
+              <a:effectRef idx="0">
+                <a:schemeClr val="accent1"/>
+              </a:effectRef>
+              <a:fontRef idx="minor">
+                <a:schemeClr val="lt1"/>
+              </a:fontRef>
+            </p:style>
+            <p:txBody>
+              <a:bodyPr rtlCol="0" anchor="ctr"/>
+              <a:lstStyle/>
+              <a:p>
+                <a:pPr algn="ctr"/>
+                <a:endParaRPr lang="de-DE" dirty="0"/>
+              </a:p>
+            </p:txBody>
+          </p:sp>
+          <p:sp>
+            <p:nvSpPr>
+              <p:cNvPr id="52" name="Textfeld 51">
+                <a:extLst>
+                  <a:ext uri="{FF2B5EF4-FFF2-40B4-BE49-F238E27FC236}">
+                    <a16:creationId xmlns:a16="http://schemas.microsoft.com/office/drawing/2014/main" id="{FD6EAAF5-AAF1-F49E-57C2-7E82C178DF7C}"/>
+                  </a:ext>
+                </a:extLst>
+              </p:cNvPr>
+              <p:cNvSpPr txBox="1"/>
+              <p:nvPr/>
+            </p:nvSpPr>
+            <p:spPr>
+              <a:xfrm>
+                <a:off x="2958527" y="2967335"/>
+                <a:ext cx="1104319" cy="923330"/>
+              </a:xfrm>
+              <a:prstGeom prst="rect">
+                <a:avLst/>
+              </a:prstGeom>
+              <a:noFill/>
+            </p:spPr>
+            <p:txBody>
+              <a:bodyPr wrap="square" rtlCol="0">
+                <a:spAutoFit/>
+              </a:bodyPr>
+              <a:lstStyle/>
+              <a:p>
+                <a:pPr algn="ctr"/>
+                <a:r>
+                  <a:rPr lang="de-DE" sz="5400" dirty="0">
+                    <a:latin typeface="Times New Roman" panose="02020603050405020304" pitchFamily="18" charset="0"/>
+                    <a:cs typeface="Times New Roman" panose="02020603050405020304" pitchFamily="18" charset="0"/>
+                  </a:rPr>
+                  <a:t>d</a:t>
+                </a:r>
+              </a:p>
+            </p:txBody>
+          </p:sp>
+        </p:grpSp>
+        <p:grpSp>
+          <p:nvGrpSpPr>
+            <p:cNvPr id="42" name="Gruppieren 41">
+              <a:extLst>
+                <a:ext uri="{FF2B5EF4-FFF2-40B4-BE49-F238E27FC236}">
+                  <a16:creationId xmlns:a16="http://schemas.microsoft.com/office/drawing/2014/main" id="{4F851A7C-A8A8-C4E7-9D51-8698116C4D15}"/>
+                </a:ext>
+              </a:extLst>
+            </p:cNvPr>
+            <p:cNvGrpSpPr/>
+            <p:nvPr/>
+          </p:nvGrpSpPr>
+          <p:grpSpPr>
+            <a:xfrm>
+              <a:off x="2886920" y="2118164"/>
+              <a:ext cx="116676" cy="514925"/>
+              <a:chOff x="4230543" y="2678608"/>
+              <a:chExt cx="116676" cy="514925"/>
+            </a:xfrm>
+          </p:grpSpPr>
+          <p:sp>
+            <p:nvSpPr>
+              <p:cNvPr id="47" name="Oval 46">
+                <a:extLst>
+                  <a:ext uri="{FF2B5EF4-FFF2-40B4-BE49-F238E27FC236}">
+                    <a16:creationId xmlns:a16="http://schemas.microsoft.com/office/drawing/2014/main" id="{4FD95475-27F1-327A-0048-3D07591A0565}"/>
+                  </a:ext>
+                </a:extLst>
+              </p:cNvPr>
+              <p:cNvSpPr/>
+              <p:nvPr/>
+            </p:nvSpPr>
+            <p:spPr>
+              <a:xfrm>
+                <a:off x="4230543" y="2678608"/>
+                <a:ext cx="108940" cy="108940"/>
+              </a:xfrm>
+              <a:prstGeom prst="ellipse">
+                <a:avLst/>
+              </a:prstGeom>
+            </p:spPr>
+            <p:style>
+              <a:lnRef idx="2">
+                <a:schemeClr val="dk1">
+                  <a:shade val="15000"/>
+                </a:schemeClr>
+              </a:lnRef>
+              <a:fillRef idx="1">
+                <a:schemeClr val="dk1"/>
+              </a:fillRef>
+              <a:effectRef idx="0">
+                <a:schemeClr val="dk1"/>
+              </a:effectRef>
+              <a:fontRef idx="minor">
+                <a:schemeClr val="lt1"/>
+              </a:fontRef>
+            </p:style>
+            <p:txBody>
+              <a:bodyPr rtlCol="0" anchor="ctr"/>
+              <a:lstStyle/>
+              <a:p>
+                <a:pPr algn="ctr"/>
+                <a:endParaRPr lang="de-DE"/>
+              </a:p>
+            </p:txBody>
+          </p:sp>
+          <p:sp>
+            <p:nvSpPr>
+              <p:cNvPr id="48" name="Oval 47">
+                <a:extLst>
+                  <a:ext uri="{FF2B5EF4-FFF2-40B4-BE49-F238E27FC236}">
+                    <a16:creationId xmlns:a16="http://schemas.microsoft.com/office/drawing/2014/main" id="{B4EE2655-9B4A-9671-BB53-2F8B7068794F}"/>
+                  </a:ext>
+                </a:extLst>
+              </p:cNvPr>
+              <p:cNvSpPr/>
+              <p:nvPr/>
+            </p:nvSpPr>
+            <p:spPr>
+              <a:xfrm>
+                <a:off x="4233182" y="2880885"/>
+                <a:ext cx="108940" cy="108940"/>
+              </a:xfrm>
+              <a:prstGeom prst="ellipse">
+                <a:avLst/>
+              </a:prstGeom>
+            </p:spPr>
+            <p:style>
+              <a:lnRef idx="2">
+                <a:schemeClr val="dk1">
+                  <a:shade val="15000"/>
+                </a:schemeClr>
+              </a:lnRef>
+              <a:fillRef idx="1">
+                <a:schemeClr val="dk1"/>
+              </a:fillRef>
+              <a:effectRef idx="0">
+                <a:schemeClr val="dk1"/>
+              </a:effectRef>
+              <a:fontRef idx="minor">
+                <a:schemeClr val="lt1"/>
+              </a:fontRef>
+            </p:style>
+            <p:txBody>
+              <a:bodyPr rtlCol="0" anchor="ctr"/>
+              <a:lstStyle/>
+              <a:p>
+                <a:pPr algn="ctr"/>
+                <a:endParaRPr lang="de-DE"/>
+              </a:p>
+            </p:txBody>
+          </p:sp>
+          <p:sp>
+            <p:nvSpPr>
+              <p:cNvPr id="49" name="Oval 48">
+                <a:extLst>
+                  <a:ext uri="{FF2B5EF4-FFF2-40B4-BE49-F238E27FC236}">
+                    <a16:creationId xmlns:a16="http://schemas.microsoft.com/office/drawing/2014/main" id="{0124DDE0-3CC4-F40F-323E-9B348F48DB42}"/>
+                  </a:ext>
+                </a:extLst>
+              </p:cNvPr>
+              <p:cNvSpPr/>
+              <p:nvPr/>
+            </p:nvSpPr>
+            <p:spPr>
+              <a:xfrm>
+                <a:off x="4238279" y="3084593"/>
+                <a:ext cx="108940" cy="108940"/>
+              </a:xfrm>
+              <a:prstGeom prst="ellipse">
+                <a:avLst/>
+              </a:prstGeom>
+            </p:spPr>
+            <p:style>
+              <a:lnRef idx="2">
+                <a:schemeClr val="dk1">
+                  <a:shade val="15000"/>
+                </a:schemeClr>
+              </a:lnRef>
+              <a:fillRef idx="1">
+                <a:schemeClr val="dk1"/>
+              </a:fillRef>
+              <a:effectRef idx="0">
+                <a:schemeClr val="dk1"/>
+              </a:effectRef>
+              <a:fontRef idx="minor">
+                <a:schemeClr val="lt1"/>
+              </a:fontRef>
+            </p:style>
+            <p:txBody>
+              <a:bodyPr rtlCol="0" anchor="ctr"/>
+              <a:lstStyle/>
+              <a:p>
+                <a:pPr algn="ctr"/>
+                <a:endParaRPr lang="de-DE"/>
+              </a:p>
+            </p:txBody>
+          </p:sp>
+        </p:grpSp>
+        <p:grpSp>
+          <p:nvGrpSpPr>
+            <p:cNvPr id="43" name="Gruppieren 42">
+              <a:extLst>
+                <a:ext uri="{FF2B5EF4-FFF2-40B4-BE49-F238E27FC236}">
+                  <a16:creationId xmlns:a16="http://schemas.microsoft.com/office/drawing/2014/main" id="{78D0D362-1858-F75A-2C6A-0A4E210AFDF3}"/>
+                </a:ext>
+              </a:extLst>
+            </p:cNvPr>
+            <p:cNvGrpSpPr/>
+            <p:nvPr/>
+          </p:nvGrpSpPr>
+          <p:grpSpPr>
+            <a:xfrm>
+              <a:off x="2870294" y="4226408"/>
+              <a:ext cx="116676" cy="514925"/>
+              <a:chOff x="4230543" y="2678608"/>
+              <a:chExt cx="116676" cy="514925"/>
+            </a:xfrm>
+          </p:grpSpPr>
+          <p:sp>
+            <p:nvSpPr>
+              <p:cNvPr id="44" name="Oval 43">
+                <a:extLst>
+                  <a:ext uri="{FF2B5EF4-FFF2-40B4-BE49-F238E27FC236}">
+                    <a16:creationId xmlns:a16="http://schemas.microsoft.com/office/drawing/2014/main" id="{EF78239F-BEF5-4F20-B772-DB3FB5836A32}"/>
+                  </a:ext>
+                </a:extLst>
+              </p:cNvPr>
+              <p:cNvSpPr/>
+              <p:nvPr/>
+            </p:nvSpPr>
+            <p:spPr>
+              <a:xfrm>
+                <a:off x="4230543" y="2678608"/>
+                <a:ext cx="108940" cy="108940"/>
+              </a:xfrm>
+              <a:prstGeom prst="ellipse">
+                <a:avLst/>
+              </a:prstGeom>
+            </p:spPr>
+            <p:style>
+              <a:lnRef idx="2">
+                <a:schemeClr val="dk1">
+                  <a:shade val="15000"/>
+                </a:schemeClr>
+              </a:lnRef>
+              <a:fillRef idx="1">
+                <a:schemeClr val="dk1"/>
+              </a:fillRef>
+              <a:effectRef idx="0">
+                <a:schemeClr val="dk1"/>
+              </a:effectRef>
+              <a:fontRef idx="minor">
+                <a:schemeClr val="lt1"/>
+              </a:fontRef>
+            </p:style>
+            <p:txBody>
+              <a:bodyPr rtlCol="0" anchor="ctr"/>
+              <a:lstStyle/>
+              <a:p>
+                <a:pPr algn="ctr"/>
+                <a:endParaRPr lang="de-DE"/>
+              </a:p>
+            </p:txBody>
+          </p:sp>
+          <p:sp>
+            <p:nvSpPr>
+              <p:cNvPr id="45" name="Oval 44">
+                <a:extLst>
+                  <a:ext uri="{FF2B5EF4-FFF2-40B4-BE49-F238E27FC236}">
+                    <a16:creationId xmlns:a16="http://schemas.microsoft.com/office/drawing/2014/main" id="{628E49E7-4182-45CB-9957-91EC037955A9}"/>
+                  </a:ext>
+                </a:extLst>
+              </p:cNvPr>
+              <p:cNvSpPr/>
+              <p:nvPr/>
+            </p:nvSpPr>
+            <p:spPr>
+              <a:xfrm>
+                <a:off x="4233182" y="2880885"/>
+                <a:ext cx="108940" cy="108940"/>
+              </a:xfrm>
+              <a:prstGeom prst="ellipse">
+                <a:avLst/>
+              </a:prstGeom>
+            </p:spPr>
+            <p:style>
+              <a:lnRef idx="2">
+                <a:schemeClr val="dk1">
+                  <a:shade val="15000"/>
+                </a:schemeClr>
+              </a:lnRef>
+              <a:fillRef idx="1">
+                <a:schemeClr val="dk1"/>
+              </a:fillRef>
+              <a:effectRef idx="0">
+                <a:schemeClr val="dk1"/>
+              </a:effectRef>
+              <a:fontRef idx="minor">
+                <a:schemeClr val="lt1"/>
+              </a:fontRef>
+            </p:style>
+            <p:txBody>
+              <a:bodyPr rtlCol="0" anchor="ctr"/>
+              <a:lstStyle/>
+              <a:p>
+                <a:pPr algn="ctr"/>
+                <a:endParaRPr lang="de-DE"/>
+              </a:p>
+            </p:txBody>
+          </p:sp>
+          <p:sp>
+            <p:nvSpPr>
+              <p:cNvPr id="46" name="Oval 45">
+                <a:extLst>
+                  <a:ext uri="{FF2B5EF4-FFF2-40B4-BE49-F238E27FC236}">
+                    <a16:creationId xmlns:a16="http://schemas.microsoft.com/office/drawing/2014/main" id="{48A38CDC-814E-FC84-E44D-7E75F16C2DC0}"/>
+                  </a:ext>
+                </a:extLst>
+              </p:cNvPr>
+              <p:cNvSpPr/>
+              <p:nvPr/>
+            </p:nvSpPr>
+            <p:spPr>
+              <a:xfrm>
+                <a:off x="4238279" y="3084593"/>
+                <a:ext cx="108940" cy="108940"/>
+              </a:xfrm>
+              <a:prstGeom prst="ellipse">
+                <a:avLst/>
+              </a:prstGeom>
+            </p:spPr>
+            <p:style>
+              <a:lnRef idx="2">
+                <a:schemeClr val="dk1">
+                  <a:shade val="15000"/>
+                </a:schemeClr>
+              </a:lnRef>
+              <a:fillRef idx="1">
+                <a:schemeClr val="dk1"/>
+              </a:fillRef>
+              <a:effectRef idx="0">
+                <a:schemeClr val="dk1"/>
+              </a:effectRef>
+              <a:fontRef idx="minor">
+                <a:schemeClr val="lt1"/>
+              </a:fontRef>
+            </p:style>
+            <p:txBody>
+              <a:bodyPr rtlCol="0" anchor="ctr"/>
+              <a:lstStyle/>
+              <a:p>
+                <a:pPr algn="ctr"/>
+                <a:endParaRPr lang="de-DE"/>
+              </a:p>
+            </p:txBody>
+          </p:sp>
+        </p:grpSp>
+      </p:grpSp>
+      <p:sp>
+        <p:nvSpPr>
+          <p:cNvPr id="53" name="Abgerundetes Rechteck 52">
+            <a:extLst>
+              <a:ext uri="{FF2B5EF4-FFF2-40B4-BE49-F238E27FC236}">
+                <a16:creationId xmlns:a16="http://schemas.microsoft.com/office/drawing/2014/main" id="{F0C4CB49-537E-EE32-4B11-44F9D62A77C2}"/>
+              </a:ext>
+            </a:extLst>
+          </p:cNvPr>
+          <p:cNvSpPr/>
+          <p:nvPr/>
+        </p:nvSpPr>
+        <p:spPr>
+          <a:xfrm>
+            <a:off x="5908483" y="461649"/>
+            <a:ext cx="1241512" cy="5897118"/>
+          </a:xfrm>
+          <a:prstGeom prst="roundRect">
+            <a:avLst/>
+          </a:prstGeom>
+          <a:solidFill>
+            <a:schemeClr val="bg1">
+              <a:lumMod val="75000"/>
+            </a:schemeClr>
+          </a:solidFill>
+          <a:ln w="57150">
+            <a:solidFill>
+              <a:schemeClr val="tx1"/>
+            </a:solidFill>
+          </a:ln>
+        </p:spPr>
+        <p:style>
+          <a:lnRef idx="2">
+            <a:schemeClr val="accent1">
+              <a:shade val="15000"/>
+            </a:schemeClr>
+          </a:lnRef>
+          <a:fillRef idx="1">
+            <a:schemeClr val="accent1"/>
+          </a:fillRef>
+          <a:effectRef idx="0">
+            <a:schemeClr val="accent1"/>
+          </a:effectRef>
+          <a:fontRef idx="minor">
+            <a:schemeClr val="lt1"/>
+          </a:fontRef>
+        </p:style>
+        <p:txBody>
+          <a:bodyPr vert="vert" rtlCol="0" anchor="ctr"/>
+          <a:lstStyle/>
+          <a:p>
+            <a:pPr algn="ctr"/>
+            <a:r>
+              <a:rPr lang="de-DE" sz="4500" dirty="0" err="1">
+                <a:solidFill>
+                  <a:schemeClr val="tx1"/>
+                </a:solidFill>
+                <a:latin typeface="Times New Roman" panose="02020603050405020304" pitchFamily="18" charset="0"/>
+                <a:cs typeface="Times New Roman" panose="02020603050405020304" pitchFamily="18" charset="0"/>
+              </a:rPr>
+              <a:t>Multiheadattention</a:t>
+            </a:r>
+            <a:endParaRPr lang="de-DE" sz="4500" dirty="0">
+              <a:solidFill>
+                <a:schemeClr val="tx1"/>
+              </a:solidFill>
+              <a:latin typeface="Times New Roman" panose="02020603050405020304" pitchFamily="18" charset="0"/>
+              <a:cs typeface="Times New Roman" panose="02020603050405020304" pitchFamily="18" charset="0"/>
+            </a:endParaRPr>
+          </a:p>
+        </p:txBody>
+      </p:sp>
+      <p:cxnSp>
+        <p:nvCxnSpPr>
+          <p:cNvPr id="70" name="Gerade Verbindung mit Pfeil 69">
+            <a:extLst>
+              <a:ext uri="{FF2B5EF4-FFF2-40B4-BE49-F238E27FC236}">
+                <a16:creationId xmlns:a16="http://schemas.microsoft.com/office/drawing/2014/main" id="{F711408D-C0B1-F483-44E4-CF4012935263}"/>
+              </a:ext>
+            </a:extLst>
+          </p:cNvPr>
+          <p:cNvCxnSpPr>
+            <a:cxnSpLocks/>
+            <a:endCxn id="50" idx="2"/>
+          </p:cNvCxnSpPr>
+          <p:nvPr/>
+        </p:nvCxnSpPr>
+        <p:spPr>
+          <a:xfrm>
+            <a:off x="7178563" y="1402770"/>
+            <a:ext cx="1369981" cy="0"/>
+          </a:xfrm>
+          <a:prstGeom prst="straightConnector1">
+            <a:avLst/>
+          </a:prstGeom>
+          <a:ln w="57150">
+            <a:solidFill>
+              <a:schemeClr val="bg1">
+                <a:lumMod val="75000"/>
+              </a:schemeClr>
+            </a:solidFill>
+            <a:tailEnd type="triangle"/>
+          </a:ln>
+        </p:spPr>
+        <p:style>
+          <a:lnRef idx="2">
+            <a:schemeClr val="accent1"/>
+          </a:lnRef>
+          <a:fillRef idx="0">
+            <a:schemeClr val="accent1"/>
+          </a:fillRef>
+          <a:effectRef idx="1">
+            <a:schemeClr val="accent1"/>
+          </a:effectRef>
+          <a:fontRef idx="minor">
+            <a:schemeClr val="tx1"/>
+          </a:fontRef>
+        </p:style>
+      </p:cxnSp>
+      <p:grpSp>
+        <p:nvGrpSpPr>
+          <p:cNvPr id="98" name="Gruppieren 97">
+            <a:extLst>
+              <a:ext uri="{FF2B5EF4-FFF2-40B4-BE49-F238E27FC236}">
+                <a16:creationId xmlns:a16="http://schemas.microsoft.com/office/drawing/2014/main" id="{9FC69D80-A990-58D2-348A-3BEC58EE00FC}"/>
+              </a:ext>
+            </a:extLst>
+          </p:cNvPr>
+          <p:cNvGrpSpPr/>
+          <p:nvPr/>
+        </p:nvGrpSpPr>
+        <p:grpSpPr>
+          <a:xfrm>
+            <a:off x="2975522" y="3171538"/>
+            <a:ext cx="116676" cy="514925"/>
+            <a:chOff x="3067632" y="3203777"/>
+            <a:chExt cx="116676" cy="514925"/>
+          </a:xfrm>
+        </p:grpSpPr>
+        <p:sp>
+          <p:nvSpPr>
+            <p:cNvPr id="95" name="Oval 94">
+              <a:extLst>
+                <a:ext uri="{FF2B5EF4-FFF2-40B4-BE49-F238E27FC236}">
+                  <a16:creationId xmlns:a16="http://schemas.microsoft.com/office/drawing/2014/main" id="{541DC399-39A1-1EB3-F781-CE9AE3EE87E4}"/>
+                </a:ext>
+              </a:extLst>
+            </p:cNvPr>
+            <p:cNvSpPr/>
+            <p:nvPr/>
+          </p:nvSpPr>
+          <p:spPr>
+            <a:xfrm>
+              <a:off x="3067632" y="3203777"/>
+              <a:ext cx="108940" cy="108940"/>
+            </a:xfrm>
+            <a:prstGeom prst="ellipse">
+              <a:avLst/>
+            </a:prstGeom>
+            <a:solidFill>
+              <a:schemeClr val="bg1">
+                <a:lumMod val="75000"/>
+              </a:schemeClr>
+            </a:solidFill>
+            <a:ln>
+              <a:solidFill>
+                <a:schemeClr val="bg1">
+                  <a:lumMod val="75000"/>
+                </a:schemeClr>
+              </a:solidFill>
+            </a:ln>
+          </p:spPr>
+          <p:style>
+            <a:lnRef idx="2">
+              <a:schemeClr val="dk1">
+                <a:shade val="15000"/>
+              </a:schemeClr>
+            </a:lnRef>
+            <a:fillRef idx="1">
+              <a:schemeClr val="dk1"/>
+            </a:fillRef>
+            <a:effectRef idx="0">
+              <a:schemeClr val="dk1"/>
+            </a:effectRef>
+            <a:fontRef idx="minor">
+              <a:schemeClr val="lt1"/>
+            </a:fontRef>
+          </p:style>
+          <p:txBody>
+            <a:bodyPr rtlCol="0" anchor="ctr"/>
+            <a:lstStyle/>
+            <a:p>
+              <a:pPr algn="ctr"/>
+              <a:endParaRPr lang="de-DE" dirty="0"/>
+            </a:p>
+          </p:txBody>
+        </p:sp>
+        <p:sp>
+          <p:nvSpPr>
+            <p:cNvPr id="96" name="Oval 95">
+              <a:extLst>
+                <a:ext uri="{FF2B5EF4-FFF2-40B4-BE49-F238E27FC236}">
+                  <a16:creationId xmlns:a16="http://schemas.microsoft.com/office/drawing/2014/main" id="{906098E0-00EF-8B75-BC02-0BDB151DEEEE}"/>
+                </a:ext>
+              </a:extLst>
+            </p:cNvPr>
+            <p:cNvSpPr/>
+            <p:nvPr/>
+          </p:nvSpPr>
+          <p:spPr>
+            <a:xfrm>
+              <a:off x="3070271" y="3406054"/>
+              <a:ext cx="108940" cy="108940"/>
+            </a:xfrm>
+            <a:prstGeom prst="ellipse">
+              <a:avLst/>
+            </a:prstGeom>
+            <a:solidFill>
+              <a:schemeClr val="bg1">
+                <a:lumMod val="75000"/>
+              </a:schemeClr>
+            </a:solidFill>
+            <a:ln>
+              <a:solidFill>
+                <a:schemeClr val="bg1">
+                  <a:lumMod val="75000"/>
+                </a:schemeClr>
+              </a:solidFill>
+            </a:ln>
+          </p:spPr>
+          <p:style>
+            <a:lnRef idx="2">
+              <a:schemeClr val="dk1">
+                <a:shade val="15000"/>
+              </a:schemeClr>
+            </a:lnRef>
+            <a:fillRef idx="1">
+              <a:schemeClr val="dk1"/>
+            </a:fillRef>
+            <a:effectRef idx="0">
+              <a:schemeClr val="dk1"/>
+            </a:effectRef>
+            <a:fontRef idx="minor">
+              <a:schemeClr val="lt1"/>
+            </a:fontRef>
+          </p:style>
+          <p:txBody>
+            <a:bodyPr rtlCol="0" anchor="ctr"/>
+            <a:lstStyle/>
+            <a:p>
+              <a:pPr algn="ctr"/>
+              <a:endParaRPr lang="de-DE" dirty="0"/>
+            </a:p>
+          </p:txBody>
+        </p:sp>
+        <p:sp>
+          <p:nvSpPr>
+            <p:cNvPr id="97" name="Oval 96">
+              <a:extLst>
+                <a:ext uri="{FF2B5EF4-FFF2-40B4-BE49-F238E27FC236}">
+                  <a16:creationId xmlns:a16="http://schemas.microsoft.com/office/drawing/2014/main" id="{D5995817-FBB4-9781-1E75-CE509485A93C}"/>
+                </a:ext>
+              </a:extLst>
+            </p:cNvPr>
+            <p:cNvSpPr/>
+            <p:nvPr/>
+          </p:nvSpPr>
+          <p:spPr>
+            <a:xfrm>
+              <a:off x="3075368" y="3609762"/>
+              <a:ext cx="108940" cy="108940"/>
+            </a:xfrm>
+            <a:prstGeom prst="ellipse">
+              <a:avLst/>
+            </a:prstGeom>
+            <a:solidFill>
+              <a:schemeClr val="bg1">
+                <a:lumMod val="75000"/>
+              </a:schemeClr>
+            </a:solidFill>
+            <a:ln>
+              <a:solidFill>
+                <a:schemeClr val="bg1">
+                  <a:lumMod val="75000"/>
+                </a:schemeClr>
+              </a:solidFill>
+            </a:ln>
+          </p:spPr>
+          <p:style>
+            <a:lnRef idx="2">
+              <a:schemeClr val="dk1">
+                <a:shade val="15000"/>
+              </a:schemeClr>
+            </a:lnRef>
+            <a:fillRef idx="1">
+              <a:schemeClr val="dk1"/>
+            </a:fillRef>
+            <a:effectRef idx="0">
+              <a:schemeClr val="dk1"/>
+            </a:effectRef>
+            <a:fontRef idx="minor">
+              <a:schemeClr val="lt1"/>
+            </a:fontRef>
+          </p:style>
+          <p:txBody>
+            <a:bodyPr rtlCol="0" anchor="ctr"/>
+            <a:lstStyle/>
+            <a:p>
+              <a:pPr algn="ctr"/>
+              <a:endParaRPr lang="de-DE" dirty="0"/>
+            </a:p>
+          </p:txBody>
+        </p:sp>
+      </p:grpSp>
+    </p:spTree>
+    <p:extLst>
+      <p:ext uri="{BB962C8B-B14F-4D97-AF65-F5344CB8AC3E}">
+        <p14:creationId xmlns:p14="http://schemas.microsoft.com/office/powerpoint/2010/main" val="2430322345"/>
       </p:ext>
     </p:extLst>
   </p:cSld>
